--- a/women_workforce.pptx
+++ b/women_workforce.pptx
@@ -1,27 +1,28 @@
 
 <file path=ppt/presentation.xml><?xml version="1.0" encoding="utf-8"?>
-<p:presentation xmlns:a="http://schemas.openxmlformats.org/drawingml/2006/main" xmlns:r="http://schemas.openxmlformats.org/officeDocument/2006/relationships" xmlns:mc="http://schemas.openxmlformats.org/markup-compatibility/2006" xmlns:mv="urn:schemas-microsoft-com:mac:vml" xmlns:p="http://schemas.openxmlformats.org/presentationml/2006/main" xmlns:c="http://schemas.openxmlformats.org/drawingml/2006/chart" xmlns:dgm="http://schemas.openxmlformats.org/drawingml/2006/diagram" xmlns:o="urn:schemas-microsoft-com:office:office" xmlns:v="urn:schemas-microsoft-com:vml" xmlns:pvml="urn:schemas-microsoft-com:office:powerpoint" xmlns:com="http://schemas.openxmlformats.org/drawingml/2006/compatibility" xmlns:p14="http://schemas.microsoft.com/office/powerpoint/2010/main" autoCompressPictures="0" strictFirstAndLastChars="0" saveSubsetFonts="1">
+<p:presentation xmlns:a="http://schemas.openxmlformats.org/drawingml/2006/main" xmlns:r="http://schemas.openxmlformats.org/officeDocument/2006/relationships" xmlns:p="http://schemas.openxmlformats.org/presentationml/2006/main" strictFirstAndLastChars="0" saveSubsetFonts="1" autoCompressPictures="0">
   <p:sldMasterIdLst>
-    <p:sldMasterId id="2147483659" r:id="rId3"/>
+    <p:sldMasterId id="2147483659" r:id="rId1"/>
   </p:sldMasterIdLst>
   <p:notesMasterIdLst>
-    <p:notesMasterId r:id="rId4"/>
+    <p:notesMasterId r:id="rId12"/>
   </p:notesMasterIdLst>
   <p:sldIdLst>
-    <p:sldId id="256" r:id="rId5"/>
-    <p:sldId id="257" r:id="rId6"/>
-    <p:sldId id="258" r:id="rId7"/>
-    <p:sldId id="259" r:id="rId8"/>
-    <p:sldId id="260" r:id="rId9"/>
-    <p:sldId id="261" r:id="rId10"/>
-    <p:sldId id="262" r:id="rId11"/>
-    <p:sldId id="263" r:id="rId12"/>
-    <p:sldId id="264" r:id="rId13"/>
+    <p:sldId id="256" r:id="rId2"/>
+    <p:sldId id="257" r:id="rId3"/>
+    <p:sldId id="258" r:id="rId4"/>
+    <p:sldId id="259" r:id="rId5"/>
+    <p:sldId id="260" r:id="rId6"/>
+    <p:sldId id="261" r:id="rId7"/>
+    <p:sldId id="262" r:id="rId8"/>
+    <p:sldId id="263" r:id="rId9"/>
+    <p:sldId id="264" r:id="rId10"/>
+    <p:sldId id="265" r:id="rId11"/>
   </p:sldIdLst>
-  <p:sldSz cy="5143500" cx="9144000"/>
+  <p:sldSz cx="9144000" cy="5143500" type="screen16x9"/>
   <p:notesSz cx="6858000" cy="9144000"/>
   <p:defaultTextStyle>
-    <a:defPPr lvl="0" marR="0" rtl="0" algn="l">
+    <a:defPPr marR="0" lvl="0" algn="l" rtl="0">
       <a:lnSpc>
         <a:spcPct val="100000"/>
       </a:lnSpc>
@@ -32,7 +33,7 @@
         <a:spcPts val="0"/>
       </a:spcAft>
     </a:defPPr>
-    <a:lvl1pPr lvl="0" marR="0" rtl="0" algn="l">
+    <a:lvl1pPr marR="0" lvl="0" algn="l" rtl="0">
       <a:lnSpc>
         <a:spcPct val="100000"/>
       </a:lnSpc>
@@ -43,7 +44,7 @@
         <a:spcPts val="0"/>
       </a:spcAft>
       <a:buNone/>
-      <a:defRPr b="0" i="0" sz="1400" u="none" cap="none" strike="noStrike">
+      <a:defRPr sz="1400" b="0" i="0" u="none" strike="noStrike" cap="none">
         <a:solidFill>
           <a:srgbClr val="000000"/>
         </a:solidFill>
@@ -53,7 +54,7 @@
         <a:sym typeface="Arial"/>
       </a:defRPr>
     </a:lvl1pPr>
-    <a:lvl2pPr lvl="1" marR="0" rtl="0" algn="l">
+    <a:lvl2pPr marR="0" lvl="1" algn="l" rtl="0">
       <a:lnSpc>
         <a:spcPct val="100000"/>
       </a:lnSpc>
@@ -64,7 +65,7 @@
         <a:spcPts val="0"/>
       </a:spcAft>
       <a:buNone/>
-      <a:defRPr b="0" i="0" sz="1400" u="none" cap="none" strike="noStrike">
+      <a:defRPr sz="1400" b="0" i="0" u="none" strike="noStrike" cap="none">
         <a:solidFill>
           <a:srgbClr val="000000"/>
         </a:solidFill>
@@ -74,7 +75,7 @@
         <a:sym typeface="Arial"/>
       </a:defRPr>
     </a:lvl2pPr>
-    <a:lvl3pPr lvl="2" marR="0" rtl="0" algn="l">
+    <a:lvl3pPr marR="0" lvl="2" algn="l" rtl="0">
       <a:lnSpc>
         <a:spcPct val="100000"/>
       </a:lnSpc>
@@ -85,7 +86,7 @@
         <a:spcPts val="0"/>
       </a:spcAft>
       <a:buNone/>
-      <a:defRPr b="0" i="0" sz="1400" u="none" cap="none" strike="noStrike">
+      <a:defRPr sz="1400" b="0" i="0" u="none" strike="noStrike" cap="none">
         <a:solidFill>
           <a:srgbClr val="000000"/>
         </a:solidFill>
@@ -95,7 +96,7 @@
         <a:sym typeface="Arial"/>
       </a:defRPr>
     </a:lvl3pPr>
-    <a:lvl4pPr lvl="3" marR="0" rtl="0" algn="l">
+    <a:lvl4pPr marR="0" lvl="3" algn="l" rtl="0">
       <a:lnSpc>
         <a:spcPct val="100000"/>
       </a:lnSpc>
@@ -106,7 +107,7 @@
         <a:spcPts val="0"/>
       </a:spcAft>
       <a:buNone/>
-      <a:defRPr b="0" i="0" sz="1400" u="none" cap="none" strike="noStrike">
+      <a:defRPr sz="1400" b="0" i="0" u="none" strike="noStrike" cap="none">
         <a:solidFill>
           <a:srgbClr val="000000"/>
         </a:solidFill>
@@ -116,7 +117,7 @@
         <a:sym typeface="Arial"/>
       </a:defRPr>
     </a:lvl4pPr>
-    <a:lvl5pPr lvl="4" marR="0" rtl="0" algn="l">
+    <a:lvl5pPr marR="0" lvl="4" algn="l" rtl="0">
       <a:lnSpc>
         <a:spcPct val="100000"/>
       </a:lnSpc>
@@ -127,7 +128,7 @@
         <a:spcPts val="0"/>
       </a:spcAft>
       <a:buNone/>
-      <a:defRPr b="0" i="0" sz="1400" u="none" cap="none" strike="noStrike">
+      <a:defRPr sz="1400" b="0" i="0" u="none" strike="noStrike" cap="none">
         <a:solidFill>
           <a:srgbClr val="000000"/>
         </a:solidFill>
@@ -137,7 +138,7 @@
         <a:sym typeface="Arial"/>
       </a:defRPr>
     </a:lvl5pPr>
-    <a:lvl6pPr lvl="5" marR="0" rtl="0" algn="l">
+    <a:lvl6pPr marR="0" lvl="5" algn="l" rtl="0">
       <a:lnSpc>
         <a:spcPct val="100000"/>
       </a:lnSpc>
@@ -148,7 +149,7 @@
         <a:spcPts val="0"/>
       </a:spcAft>
       <a:buNone/>
-      <a:defRPr b="0" i="0" sz="1400" u="none" cap="none" strike="noStrike">
+      <a:defRPr sz="1400" b="0" i="0" u="none" strike="noStrike" cap="none">
         <a:solidFill>
           <a:srgbClr val="000000"/>
         </a:solidFill>
@@ -158,7 +159,7 @@
         <a:sym typeface="Arial"/>
       </a:defRPr>
     </a:lvl6pPr>
-    <a:lvl7pPr lvl="6" marR="0" rtl="0" algn="l">
+    <a:lvl7pPr marR="0" lvl="6" algn="l" rtl="0">
       <a:lnSpc>
         <a:spcPct val="100000"/>
       </a:lnSpc>
@@ -169,7 +170,7 @@
         <a:spcPts val="0"/>
       </a:spcAft>
       <a:buNone/>
-      <a:defRPr b="0" i="0" sz="1400" u="none" cap="none" strike="noStrike">
+      <a:defRPr sz="1400" b="0" i="0" u="none" strike="noStrike" cap="none">
         <a:solidFill>
           <a:srgbClr val="000000"/>
         </a:solidFill>
@@ -179,7 +180,7 @@
         <a:sym typeface="Arial"/>
       </a:defRPr>
     </a:lvl7pPr>
-    <a:lvl8pPr lvl="7" marR="0" rtl="0" algn="l">
+    <a:lvl8pPr marR="0" lvl="7" algn="l" rtl="0">
       <a:lnSpc>
         <a:spcPct val="100000"/>
       </a:lnSpc>
@@ -190,7 +191,7 @@
         <a:spcPts val="0"/>
       </a:spcAft>
       <a:buNone/>
-      <a:defRPr b="0" i="0" sz="1400" u="none" cap="none" strike="noStrike">
+      <a:defRPr sz="1400" b="0" i="0" u="none" strike="noStrike" cap="none">
         <a:solidFill>
           <a:srgbClr val="000000"/>
         </a:solidFill>
@@ -200,7 +201,7 @@
         <a:sym typeface="Arial"/>
       </a:defRPr>
     </a:lvl8pPr>
-    <a:lvl9pPr lvl="8" marR="0" rtl="0" algn="l">
+    <a:lvl9pPr marR="0" lvl="8" algn="l" rtl="0">
       <a:lnSpc>
         <a:spcPct val="100000"/>
       </a:lnSpc>
@@ -211,7 +212,7 @@
         <a:spcPts val="0"/>
       </a:spcAft>
       <a:buNone/>
-      <a:defRPr b="0" i="0" sz="1400" u="none" cap="none" strike="noStrike">
+      <a:defRPr sz="1400" b="0" i="0" u="none" strike="noStrike" cap="none">
         <a:solidFill>
           <a:srgbClr val="000000"/>
         </a:solidFill>
@@ -226,11 +227,16 @@
 </file>
 
 <file path=ppt/notesMasters/notesMaster1.xml><?xml version="1.0" encoding="utf-8"?>
-<p:notesMaster xmlns:a="http://schemas.openxmlformats.org/drawingml/2006/main" xmlns:r="http://schemas.openxmlformats.org/officeDocument/2006/relationships" xmlns:mc="http://schemas.openxmlformats.org/markup-compatibility/2006" xmlns:mv="urn:schemas-microsoft-com:mac:vml" xmlns:p="http://schemas.openxmlformats.org/presentationml/2006/main" xmlns:c="http://schemas.openxmlformats.org/drawingml/2006/chart" xmlns:dgm="http://schemas.openxmlformats.org/drawingml/2006/diagram" xmlns:o="urn:schemas-microsoft-com:office:office" xmlns:v="urn:schemas-microsoft-com:vml" xmlns:pvml="urn:schemas-microsoft-com:office:powerpoint" xmlns:com="http://schemas.openxmlformats.org/drawingml/2006/compatibility" xmlns:p14="http://schemas.microsoft.com/office/powerpoint/2010/main">
+<p:notesMaster xmlns:a="http://schemas.openxmlformats.org/drawingml/2006/main" xmlns:r="http://schemas.openxmlformats.org/officeDocument/2006/relationships" xmlns:p="http://schemas.openxmlformats.org/presentationml/2006/main">
   <p:cSld>
+    <p:bg>
+      <p:bgRef idx="1001">
+        <a:schemeClr val="bg1"/>
+      </p:bgRef>
+    </p:bg>
     <p:spTree>
       <p:nvGrpSpPr>
-        <p:cNvPr id="2" name="Shape 2"/>
+        <p:cNvPr id="1" name="Shape 2"/>
         <p:cNvGrpSpPr/>
         <p:nvPr/>
       </p:nvGrpSpPr>
@@ -245,9 +251,11 @@
       <p:sp>
         <p:nvSpPr>
           <p:cNvPr id="3" name="Shape 3"/>
-          <p:cNvSpPr/>
+          <p:cNvSpPr>
+            <a:spLocks noGrp="1" noRot="1" noChangeAspect="1"/>
+          </p:cNvSpPr>
           <p:nvPr>
-            <p:ph idx="2" type="sldImg"/>
+            <p:ph type="sldImg" idx="2"/>
           </p:nvPr>
         </p:nvSpPr>
         <p:spPr>
@@ -256,8 +264,13 @@
             <a:ext cx="6096075" cy="3429000"/>
           </a:xfrm>
           <a:custGeom>
+            <a:avLst/>
+            <a:gdLst/>
+            <a:ahLst/>
+            <a:cxnLst/>
+            <a:rect l="0" t="0" r="0" b="0"/>
             <a:pathLst>
-              <a:path extrusionOk="0" h="120000" w="120000">
+              <a:path w="120000" h="120000" extrusionOk="0">
                 <a:moveTo>
                   <a:pt x="0" y="0"/>
                 </a:moveTo>
@@ -275,23 +288,25 @@
             </a:pathLst>
           </a:custGeom>
           <a:noFill/>
-          <a:ln cap="flat" cmpd="sng" w="9525">
+          <a:ln w="9525" cap="flat" cmpd="sng">
             <a:solidFill>
               <a:srgbClr val="000000"/>
             </a:solidFill>
             <a:prstDash val="solid"/>
             <a:round/>
-            <a:headEnd len="med" w="med" type="none"/>
-            <a:tailEnd len="med" w="med" type="none"/>
+            <a:headEnd type="none" w="med" len="med"/>
+            <a:tailEnd type="none" w="med" len="med"/>
           </a:ln>
         </p:spPr>
       </p:sp>
       <p:sp>
         <p:nvSpPr>
           <p:cNvPr id="4" name="Shape 4"/>
-          <p:cNvSpPr txBox="1"/>
+          <p:cNvSpPr txBox="1">
+            <a:spLocks noGrp="1"/>
+          </p:cNvSpPr>
           <p:nvPr>
-            <p:ph idx="1" type="body"/>
+            <p:ph type="body" idx="1"/>
           </p:nvPr>
         </p:nvSpPr>
         <p:spPr>
@@ -308,7 +323,7 @@
           </a:ln>
         </p:spPr>
         <p:txBody>
-          <a:bodyPr anchorCtr="0" anchor="t" bIns="91425" lIns="91425" rIns="91425" tIns="91425"/>
+          <a:bodyPr lIns="91425" tIns="91425" rIns="91425" bIns="91425" anchor="t" anchorCtr="0"/>
           <a:lstStyle>
             <a:lvl1pPr lvl="0">
               <a:spcBef>
@@ -365,21 +380,120 @@
               <a:defRPr sz="1100"/>
             </a:lvl9pPr>
           </a:lstStyle>
-          <a:p/>
+          <a:p>
+            <a:endParaRPr/>
+          </a:p>
         </p:txBody>
       </p:sp>
     </p:spTree>
+    <p:extLst>
+      <p:ext uri="{BB962C8B-B14F-4D97-AF65-F5344CB8AC3E}">
+        <p14:creationId xmlns:p14="http://schemas.microsoft.com/office/powerpoint/2010/main" val="3223797352"/>
+      </p:ext>
+    </p:extLst>
   </p:cSld>
-  <p:clrMap accent1="accent1" accent2="accent2" accent3="accent3" accent4="accent4" accent5="accent5" accent6="accent6" bg1="lt1" bg2="dk2" tx1="dk1" tx2="lt2" folHlink="folHlink" hlink="hlink"/>
+  <p:clrMap bg1="lt1" tx1="dk1" bg2="dk2" tx2="lt2" accent1="accent1" accent2="accent2" accent3="accent3" accent4="accent4" accent5="accent5" accent6="accent6" hlink="hlink" folHlink="folHlink"/>
+  <p:notesStyle>
+    <a:lvl1pPr marL="0" algn="l" defTabSz="914400" rtl="0" eaLnBrk="1" latinLnBrk="0" hangingPunct="1">
+      <a:defRPr sz="1200" kern="1200">
+        <a:solidFill>
+          <a:schemeClr val="tx1"/>
+        </a:solidFill>
+        <a:latin typeface="+mn-lt"/>
+        <a:ea typeface="+mn-ea"/>
+        <a:cs typeface="+mn-cs"/>
+      </a:defRPr>
+    </a:lvl1pPr>
+    <a:lvl2pPr marL="457200" algn="l" defTabSz="914400" rtl="0" eaLnBrk="1" latinLnBrk="0" hangingPunct="1">
+      <a:defRPr sz="1200" kern="1200">
+        <a:solidFill>
+          <a:schemeClr val="tx1"/>
+        </a:solidFill>
+        <a:latin typeface="+mn-lt"/>
+        <a:ea typeface="+mn-ea"/>
+        <a:cs typeface="+mn-cs"/>
+      </a:defRPr>
+    </a:lvl2pPr>
+    <a:lvl3pPr marL="914400" algn="l" defTabSz="914400" rtl="0" eaLnBrk="1" latinLnBrk="0" hangingPunct="1">
+      <a:defRPr sz="1200" kern="1200">
+        <a:solidFill>
+          <a:schemeClr val="tx1"/>
+        </a:solidFill>
+        <a:latin typeface="+mn-lt"/>
+        <a:ea typeface="+mn-ea"/>
+        <a:cs typeface="+mn-cs"/>
+      </a:defRPr>
+    </a:lvl3pPr>
+    <a:lvl4pPr marL="1371600" algn="l" defTabSz="914400" rtl="0" eaLnBrk="1" latinLnBrk="0" hangingPunct="1">
+      <a:defRPr sz="1200" kern="1200">
+        <a:solidFill>
+          <a:schemeClr val="tx1"/>
+        </a:solidFill>
+        <a:latin typeface="+mn-lt"/>
+        <a:ea typeface="+mn-ea"/>
+        <a:cs typeface="+mn-cs"/>
+      </a:defRPr>
+    </a:lvl4pPr>
+    <a:lvl5pPr marL="1828800" algn="l" defTabSz="914400" rtl="0" eaLnBrk="1" latinLnBrk="0" hangingPunct="1">
+      <a:defRPr sz="1200" kern="1200">
+        <a:solidFill>
+          <a:schemeClr val="tx1"/>
+        </a:solidFill>
+        <a:latin typeface="+mn-lt"/>
+        <a:ea typeface="+mn-ea"/>
+        <a:cs typeface="+mn-cs"/>
+      </a:defRPr>
+    </a:lvl5pPr>
+    <a:lvl6pPr marL="2286000" algn="l" defTabSz="914400" rtl="0" eaLnBrk="1" latinLnBrk="0" hangingPunct="1">
+      <a:defRPr sz="1200" kern="1200">
+        <a:solidFill>
+          <a:schemeClr val="tx1"/>
+        </a:solidFill>
+        <a:latin typeface="+mn-lt"/>
+        <a:ea typeface="+mn-ea"/>
+        <a:cs typeface="+mn-cs"/>
+      </a:defRPr>
+    </a:lvl6pPr>
+    <a:lvl7pPr marL="2743200" algn="l" defTabSz="914400" rtl="0" eaLnBrk="1" latinLnBrk="0" hangingPunct="1">
+      <a:defRPr sz="1200" kern="1200">
+        <a:solidFill>
+          <a:schemeClr val="tx1"/>
+        </a:solidFill>
+        <a:latin typeface="+mn-lt"/>
+        <a:ea typeface="+mn-ea"/>
+        <a:cs typeface="+mn-cs"/>
+      </a:defRPr>
+    </a:lvl7pPr>
+    <a:lvl8pPr marL="3200400" algn="l" defTabSz="914400" rtl="0" eaLnBrk="1" latinLnBrk="0" hangingPunct="1">
+      <a:defRPr sz="1200" kern="1200">
+        <a:solidFill>
+          <a:schemeClr val="tx1"/>
+        </a:solidFill>
+        <a:latin typeface="+mn-lt"/>
+        <a:ea typeface="+mn-ea"/>
+        <a:cs typeface="+mn-cs"/>
+      </a:defRPr>
+    </a:lvl8pPr>
+    <a:lvl9pPr marL="3657600" algn="l" defTabSz="914400" rtl="0" eaLnBrk="1" latinLnBrk="0" hangingPunct="1">
+      <a:defRPr sz="1200" kern="1200">
+        <a:solidFill>
+          <a:schemeClr val="tx1"/>
+        </a:solidFill>
+        <a:latin typeface="+mn-lt"/>
+        <a:ea typeface="+mn-ea"/>
+        <a:cs typeface="+mn-cs"/>
+      </a:defRPr>
+    </a:lvl9pPr>
+  </p:notesStyle>
 </p:notesMaster>
 </file>
 
 <file path=ppt/notesSlides/notesSlide1.xml><?xml version="1.0" encoding="utf-8"?>
-<p:notes xmlns:a="http://schemas.openxmlformats.org/drawingml/2006/main" xmlns:r="http://schemas.openxmlformats.org/officeDocument/2006/relationships" xmlns:mc="http://schemas.openxmlformats.org/markup-compatibility/2006" xmlns:mv="urn:schemas-microsoft-com:mac:vml" xmlns:p="http://schemas.openxmlformats.org/presentationml/2006/main" xmlns:c="http://schemas.openxmlformats.org/drawingml/2006/chart" xmlns:dgm="http://schemas.openxmlformats.org/drawingml/2006/diagram" xmlns:o="urn:schemas-microsoft-com:office:office" xmlns:v="urn:schemas-microsoft-com:vml" xmlns:pvml="urn:schemas-microsoft-com:office:powerpoint" xmlns:com="http://schemas.openxmlformats.org/drawingml/2006/compatibility" xmlns:p14="http://schemas.microsoft.com/office/powerpoint/2010/main" showMasterPhAnim="0" showMasterSp="0">
+<p:notes xmlns:a="http://schemas.openxmlformats.org/drawingml/2006/main" xmlns:r="http://schemas.openxmlformats.org/officeDocument/2006/relationships" xmlns:p="http://schemas.openxmlformats.org/presentationml/2006/main" showMasterSp="0" showMasterPhAnim="0">
   <p:cSld>
     <p:spTree>
       <p:nvGrpSpPr>
-        <p:cNvPr id="50" name="Shape 50"/>
+        <p:cNvPr id="1" name="Shape 50"/>
         <p:cNvGrpSpPr/>
         <p:nvPr/>
       </p:nvGrpSpPr>
@@ -394,9 +508,11 @@
       <p:sp>
         <p:nvSpPr>
           <p:cNvPr id="51" name="Shape 51"/>
-          <p:cNvSpPr/>
+          <p:cNvSpPr>
+            <a:spLocks noGrp="1" noRot="1" noChangeAspect="1"/>
+          </p:cNvSpPr>
           <p:nvPr>
-            <p:ph idx="2" type="sldImg"/>
+            <p:ph type="sldImg" idx="2"/>
           </p:nvPr>
         </p:nvSpPr>
         <p:spPr>
@@ -405,8 +521,13 @@
             <a:ext cx="6096075" cy="3429000"/>
           </a:xfrm>
           <a:custGeom>
+            <a:avLst/>
+            <a:gdLst/>
+            <a:ahLst/>
+            <a:cxnLst/>
+            <a:rect l="0" t="0" r="0" b="0"/>
             <a:pathLst>
-              <a:path extrusionOk="0" h="120000" w="120000">
+              <a:path w="120000" h="120000" extrusionOk="0">
                 <a:moveTo>
                   <a:pt x="0" y="0"/>
                 </a:moveTo>
@@ -428,9 +549,11 @@
       <p:sp>
         <p:nvSpPr>
           <p:cNvPr id="52" name="Shape 52"/>
-          <p:cNvSpPr txBox="1"/>
+          <p:cNvSpPr txBox="1">
+            <a:spLocks noGrp="1"/>
+          </p:cNvSpPr>
           <p:nvPr>
-            <p:ph idx="1" type="body"/>
+            <p:ph type="body" idx="1"/>
           </p:nvPr>
         </p:nvSpPr>
         <p:spPr>
@@ -443,7 +566,7 @@
           </a:prstGeom>
         </p:spPr>
         <p:txBody>
-          <a:bodyPr anchorCtr="0" anchor="t" bIns="91425" lIns="91425" rIns="91425" tIns="91425">
+          <a:bodyPr lIns="91425" tIns="91425" rIns="91425" bIns="91425" anchor="t" anchorCtr="0">
             <a:noAutofit/>
           </a:bodyPr>
           <a:lstStyle/>
@@ -454,9 +577,6 @@
               </a:spcBef>
               <a:buNone/>
             </a:pPr>
-            <a:r>
-              <a:t/>
-            </a:r>
             <a:endParaRPr/>
           </a:p>
         </p:txBody>
@@ -469,12 +589,12 @@
 </p:notes>
 </file>
 
-<file path=ppt/notesSlides/notesSlide2.xml><?xml version="1.0" encoding="utf-8"?>
-<p:notes xmlns:a="http://schemas.openxmlformats.org/drawingml/2006/main" xmlns:r="http://schemas.openxmlformats.org/officeDocument/2006/relationships" xmlns:mc="http://schemas.openxmlformats.org/markup-compatibility/2006" xmlns:mv="urn:schemas-microsoft-com:mac:vml" xmlns:p="http://schemas.openxmlformats.org/presentationml/2006/main" xmlns:c="http://schemas.openxmlformats.org/drawingml/2006/chart" xmlns:dgm="http://schemas.openxmlformats.org/drawingml/2006/diagram" xmlns:o="urn:schemas-microsoft-com:office:office" xmlns:v="urn:schemas-microsoft-com:vml" xmlns:pvml="urn:schemas-microsoft-com:office:powerpoint" xmlns:com="http://schemas.openxmlformats.org/drawingml/2006/compatibility" xmlns:p14="http://schemas.microsoft.com/office/powerpoint/2010/main" showMasterPhAnim="0" showMasterSp="0">
+<file path=ppt/notesSlides/notesSlide10.xml><?xml version="1.0" encoding="utf-8"?>
+<p:notes xmlns:a="http://schemas.openxmlformats.org/drawingml/2006/main" xmlns:r="http://schemas.openxmlformats.org/officeDocument/2006/relationships" xmlns:p="http://schemas.openxmlformats.org/presentationml/2006/main" showMasterSp="0" showMasterPhAnim="0">
   <p:cSld>
     <p:spTree>
       <p:nvGrpSpPr>
-        <p:cNvPr id="56" name="Shape 56"/>
+        <p:cNvPr id="1" name="Shape 121"/>
         <p:cNvGrpSpPr/>
         <p:nvPr/>
       </p:nvGrpSpPr>
@@ -488,20 +608,27 @@
       </p:grpSpPr>
       <p:sp>
         <p:nvSpPr>
-          <p:cNvPr id="57" name="Shape 57"/>
-          <p:cNvSpPr/>
+          <p:cNvPr id="122" name="Shape 122"/>
+          <p:cNvSpPr>
+            <a:spLocks noGrp="1" noRot="1" noChangeAspect="1"/>
+          </p:cNvSpPr>
           <p:nvPr>
-            <p:ph idx="2" type="sldImg"/>
+            <p:ph type="sldImg" idx="2"/>
           </p:nvPr>
         </p:nvSpPr>
         <p:spPr>
           <a:xfrm>
-            <a:off x="381300" y="685800"/>
+            <a:off x="381000" y="685800"/>
             <a:ext cx="6096000" cy="3429000"/>
           </a:xfrm>
           <a:custGeom>
+            <a:avLst/>
+            <a:gdLst/>
+            <a:ahLst/>
+            <a:cxnLst/>
+            <a:rect l="0" t="0" r="0" b="0"/>
             <a:pathLst>
-              <a:path extrusionOk="0" h="120000" w="120000">
+              <a:path w="120000" h="120000" extrusionOk="0">
                 <a:moveTo>
                   <a:pt x="0" y="0"/>
                 </a:moveTo>
@@ -522,10 +649,12 @@
       </p:sp>
       <p:sp>
         <p:nvSpPr>
-          <p:cNvPr id="58" name="Shape 58"/>
-          <p:cNvSpPr txBox="1"/>
+          <p:cNvPr id="123" name="Shape 123"/>
+          <p:cNvSpPr txBox="1">
+            <a:spLocks noGrp="1"/>
+          </p:cNvSpPr>
           <p:nvPr>
-            <p:ph idx="1" type="body"/>
+            <p:ph type="body" idx="1"/>
           </p:nvPr>
         </p:nvSpPr>
         <p:spPr>
@@ -538,7 +667,7 @@
           </a:prstGeom>
         </p:spPr>
         <p:txBody>
-          <a:bodyPr anchorCtr="0" anchor="t" bIns="91425" lIns="91425" rIns="91425" tIns="91425">
+          <a:bodyPr lIns="91425" tIns="91425" rIns="91425" bIns="91425" anchor="t" anchorCtr="0">
             <a:noAutofit/>
           </a:bodyPr>
           <a:lstStyle/>
@@ -549,9 +678,6 @@
               </a:spcBef>
               <a:buNone/>
             </a:pPr>
-            <a:r>
-              <a:t/>
-            </a:r>
             <a:endParaRPr/>
           </a:p>
         </p:txBody>
@@ -564,12 +690,12 @@
 </p:notes>
 </file>
 
-<file path=ppt/notesSlides/notesSlide3.xml><?xml version="1.0" encoding="utf-8"?>
-<p:notes xmlns:a="http://schemas.openxmlformats.org/drawingml/2006/main" xmlns:r="http://schemas.openxmlformats.org/officeDocument/2006/relationships" xmlns:mc="http://schemas.openxmlformats.org/markup-compatibility/2006" xmlns:mv="urn:schemas-microsoft-com:mac:vml" xmlns:p="http://schemas.openxmlformats.org/presentationml/2006/main" xmlns:c="http://schemas.openxmlformats.org/drawingml/2006/chart" xmlns:dgm="http://schemas.openxmlformats.org/drawingml/2006/diagram" xmlns:o="urn:schemas-microsoft-com:office:office" xmlns:v="urn:schemas-microsoft-com:vml" xmlns:pvml="urn:schemas-microsoft-com:office:powerpoint" xmlns:com="http://schemas.openxmlformats.org/drawingml/2006/compatibility" xmlns:p14="http://schemas.microsoft.com/office/powerpoint/2010/main" showMasterPhAnim="0" showMasterSp="0">
+<file path=ppt/notesSlides/notesSlide2.xml><?xml version="1.0" encoding="utf-8"?>
+<p:notes xmlns:a="http://schemas.openxmlformats.org/drawingml/2006/main" xmlns:r="http://schemas.openxmlformats.org/officeDocument/2006/relationships" xmlns:p="http://schemas.openxmlformats.org/presentationml/2006/main" showMasterSp="0" showMasterPhAnim="0">
   <p:cSld>
     <p:spTree>
       <p:nvGrpSpPr>
-        <p:cNvPr id="62" name="Shape 62"/>
+        <p:cNvPr id="1" name="Shape 56"/>
         <p:cNvGrpSpPr/>
         <p:nvPr/>
       </p:nvGrpSpPr>
@@ -583,10 +709,12 @@
       </p:grpSpPr>
       <p:sp>
         <p:nvSpPr>
-          <p:cNvPr id="63" name="Shape 63"/>
-          <p:cNvSpPr/>
+          <p:cNvPr id="57" name="Shape 57"/>
+          <p:cNvSpPr>
+            <a:spLocks noGrp="1" noRot="1" noChangeAspect="1"/>
+          </p:cNvSpPr>
           <p:nvPr>
-            <p:ph idx="2" type="sldImg"/>
+            <p:ph type="sldImg" idx="2"/>
           </p:nvPr>
         </p:nvSpPr>
         <p:spPr>
@@ -595,8 +723,13 @@
             <a:ext cx="6096000" cy="3429000"/>
           </a:xfrm>
           <a:custGeom>
+            <a:avLst/>
+            <a:gdLst/>
+            <a:ahLst/>
+            <a:cxnLst/>
+            <a:rect l="0" t="0" r="0" b="0"/>
             <a:pathLst>
-              <a:path extrusionOk="0" h="120000" w="120000">
+              <a:path w="120000" h="120000" extrusionOk="0">
                 <a:moveTo>
                   <a:pt x="0" y="0"/>
                 </a:moveTo>
@@ -617,10 +750,12 @@
       </p:sp>
       <p:sp>
         <p:nvSpPr>
-          <p:cNvPr id="64" name="Shape 64"/>
-          <p:cNvSpPr txBox="1"/>
+          <p:cNvPr id="58" name="Shape 58"/>
+          <p:cNvSpPr txBox="1">
+            <a:spLocks noGrp="1"/>
+          </p:cNvSpPr>
           <p:nvPr>
-            <p:ph idx="1" type="body"/>
+            <p:ph type="body" idx="1"/>
           </p:nvPr>
         </p:nvSpPr>
         <p:spPr>
@@ -633,7 +768,7 @@
           </a:prstGeom>
         </p:spPr>
         <p:txBody>
-          <a:bodyPr anchorCtr="0" anchor="t" bIns="91425" lIns="91425" rIns="91425" tIns="91425">
+          <a:bodyPr lIns="91425" tIns="91425" rIns="91425" bIns="91425" anchor="t" anchorCtr="0">
             <a:noAutofit/>
           </a:bodyPr>
           <a:lstStyle/>
@@ -644,9 +779,6 @@
               </a:spcBef>
               <a:buNone/>
             </a:pPr>
-            <a:r>
-              <a:t/>
-            </a:r>
             <a:endParaRPr/>
           </a:p>
         </p:txBody>
@@ -659,12 +791,12 @@
 </p:notes>
 </file>
 
-<file path=ppt/notesSlides/notesSlide4.xml><?xml version="1.0" encoding="utf-8"?>
-<p:notes xmlns:a="http://schemas.openxmlformats.org/drawingml/2006/main" xmlns:r="http://schemas.openxmlformats.org/officeDocument/2006/relationships" xmlns:mc="http://schemas.openxmlformats.org/markup-compatibility/2006" xmlns:mv="urn:schemas-microsoft-com:mac:vml" xmlns:p="http://schemas.openxmlformats.org/presentationml/2006/main" xmlns:c="http://schemas.openxmlformats.org/drawingml/2006/chart" xmlns:dgm="http://schemas.openxmlformats.org/drawingml/2006/diagram" xmlns:o="urn:schemas-microsoft-com:office:office" xmlns:v="urn:schemas-microsoft-com:vml" xmlns:pvml="urn:schemas-microsoft-com:office:powerpoint" xmlns:com="http://schemas.openxmlformats.org/drawingml/2006/compatibility" xmlns:p14="http://schemas.microsoft.com/office/powerpoint/2010/main" showMasterPhAnim="0" showMasterSp="0">
+<file path=ppt/notesSlides/notesSlide3.xml><?xml version="1.0" encoding="utf-8"?>
+<p:notes xmlns:a="http://schemas.openxmlformats.org/drawingml/2006/main" xmlns:r="http://schemas.openxmlformats.org/officeDocument/2006/relationships" xmlns:p="http://schemas.openxmlformats.org/presentationml/2006/main" showMasterSp="0" showMasterPhAnim="0">
   <p:cSld>
     <p:spTree>
       <p:nvGrpSpPr>
-        <p:cNvPr id="72" name="Shape 72"/>
+        <p:cNvPr id="1" name="Shape 62"/>
         <p:cNvGrpSpPr/>
         <p:nvPr/>
       </p:nvGrpSpPr>
@@ -678,20 +810,27 @@
       </p:grpSpPr>
       <p:sp>
         <p:nvSpPr>
-          <p:cNvPr id="73" name="Shape 73"/>
-          <p:cNvSpPr/>
+          <p:cNvPr id="63" name="Shape 63"/>
+          <p:cNvSpPr>
+            <a:spLocks noGrp="1" noRot="1" noChangeAspect="1"/>
+          </p:cNvSpPr>
           <p:nvPr>
-            <p:ph idx="2" type="sldImg"/>
+            <p:ph type="sldImg" idx="2"/>
           </p:nvPr>
         </p:nvSpPr>
         <p:spPr>
           <a:xfrm>
-            <a:off x="381300" y="685800"/>
+            <a:off x="381000" y="685800"/>
             <a:ext cx="6096000" cy="3429000"/>
           </a:xfrm>
           <a:custGeom>
+            <a:avLst/>
+            <a:gdLst/>
+            <a:ahLst/>
+            <a:cxnLst/>
+            <a:rect l="0" t="0" r="0" b="0"/>
             <a:pathLst>
-              <a:path extrusionOk="0" h="120000" w="120000">
+              <a:path w="120000" h="120000" extrusionOk="0">
                 <a:moveTo>
                   <a:pt x="0" y="0"/>
                 </a:moveTo>
@@ -712,10 +851,12 @@
       </p:sp>
       <p:sp>
         <p:nvSpPr>
-          <p:cNvPr id="74" name="Shape 74"/>
-          <p:cNvSpPr txBox="1"/>
+          <p:cNvPr id="64" name="Shape 64"/>
+          <p:cNvSpPr txBox="1">
+            <a:spLocks noGrp="1"/>
+          </p:cNvSpPr>
           <p:nvPr>
-            <p:ph idx="1" type="body"/>
+            <p:ph type="body" idx="1"/>
           </p:nvPr>
         </p:nvSpPr>
         <p:spPr>
@@ -728,7 +869,7 @@
           </a:prstGeom>
         </p:spPr>
         <p:txBody>
-          <a:bodyPr anchorCtr="0" anchor="t" bIns="91425" lIns="91425" rIns="91425" tIns="91425">
+          <a:bodyPr lIns="91425" tIns="91425" rIns="91425" bIns="91425" anchor="t" anchorCtr="0">
             <a:noAutofit/>
           </a:bodyPr>
           <a:lstStyle/>
@@ -739,9 +880,6 @@
               </a:spcBef>
               <a:buNone/>
             </a:pPr>
-            <a:r>
-              <a:t/>
-            </a:r>
             <a:endParaRPr/>
           </a:p>
         </p:txBody>
@@ -754,12 +892,12 @@
 </p:notes>
 </file>
 
-<file path=ppt/notesSlides/notesSlide5.xml><?xml version="1.0" encoding="utf-8"?>
-<p:notes xmlns:a="http://schemas.openxmlformats.org/drawingml/2006/main" xmlns:r="http://schemas.openxmlformats.org/officeDocument/2006/relationships" xmlns:mc="http://schemas.openxmlformats.org/markup-compatibility/2006" xmlns:mv="urn:schemas-microsoft-com:mac:vml" xmlns:p="http://schemas.openxmlformats.org/presentationml/2006/main" xmlns:c="http://schemas.openxmlformats.org/drawingml/2006/chart" xmlns:dgm="http://schemas.openxmlformats.org/drawingml/2006/diagram" xmlns:o="urn:schemas-microsoft-com:office:office" xmlns:v="urn:schemas-microsoft-com:vml" xmlns:pvml="urn:schemas-microsoft-com:office:powerpoint" xmlns:com="http://schemas.openxmlformats.org/drawingml/2006/compatibility" xmlns:p14="http://schemas.microsoft.com/office/powerpoint/2010/main" showMasterPhAnim="0" showMasterSp="0">
+<file path=ppt/notesSlides/notesSlide4.xml><?xml version="1.0" encoding="utf-8"?>
+<p:notes xmlns:a="http://schemas.openxmlformats.org/drawingml/2006/main" xmlns:r="http://schemas.openxmlformats.org/officeDocument/2006/relationships" xmlns:p="http://schemas.openxmlformats.org/presentationml/2006/main" showMasterSp="0" showMasterPhAnim="0">
   <p:cSld>
     <p:spTree>
       <p:nvGrpSpPr>
-        <p:cNvPr id="83" name="Shape 83"/>
+        <p:cNvPr id="1" name="Shape 72"/>
         <p:cNvGrpSpPr/>
         <p:nvPr/>
       </p:nvGrpSpPr>
@@ -773,10 +911,12 @@
       </p:grpSpPr>
       <p:sp>
         <p:nvSpPr>
-          <p:cNvPr id="84" name="Shape 84"/>
-          <p:cNvSpPr/>
+          <p:cNvPr id="73" name="Shape 73"/>
+          <p:cNvSpPr>
+            <a:spLocks noGrp="1" noRot="1" noChangeAspect="1"/>
+          </p:cNvSpPr>
           <p:nvPr>
-            <p:ph idx="2" type="sldImg"/>
+            <p:ph type="sldImg" idx="2"/>
           </p:nvPr>
         </p:nvSpPr>
         <p:spPr>
@@ -785,8 +925,13 @@
             <a:ext cx="6096000" cy="3429000"/>
           </a:xfrm>
           <a:custGeom>
+            <a:avLst/>
+            <a:gdLst/>
+            <a:ahLst/>
+            <a:cxnLst/>
+            <a:rect l="0" t="0" r="0" b="0"/>
             <a:pathLst>
-              <a:path extrusionOk="0" h="120000" w="120000">
+              <a:path w="120000" h="120000" extrusionOk="0">
                 <a:moveTo>
                   <a:pt x="0" y="0"/>
                 </a:moveTo>
@@ -807,10 +952,12 @@
       </p:sp>
       <p:sp>
         <p:nvSpPr>
-          <p:cNvPr id="85" name="Shape 85"/>
-          <p:cNvSpPr txBox="1"/>
+          <p:cNvPr id="74" name="Shape 74"/>
+          <p:cNvSpPr txBox="1">
+            <a:spLocks noGrp="1"/>
+          </p:cNvSpPr>
           <p:nvPr>
-            <p:ph idx="1" type="body"/>
+            <p:ph type="body" idx="1"/>
           </p:nvPr>
         </p:nvSpPr>
         <p:spPr>
@@ -823,7 +970,7 @@
           </a:prstGeom>
         </p:spPr>
         <p:txBody>
-          <a:bodyPr anchorCtr="0" anchor="t" bIns="91425" lIns="91425" rIns="91425" tIns="91425">
+          <a:bodyPr lIns="91425" tIns="91425" rIns="91425" bIns="91425" anchor="t" anchorCtr="0">
             <a:noAutofit/>
           </a:bodyPr>
           <a:lstStyle/>
@@ -834,9 +981,6 @@
               </a:spcBef>
               <a:buNone/>
             </a:pPr>
-            <a:r>
-              <a:t/>
-            </a:r>
             <a:endParaRPr/>
           </a:p>
         </p:txBody>
@@ -849,12 +993,12 @@
 </p:notes>
 </file>
 
-<file path=ppt/notesSlides/notesSlide6.xml><?xml version="1.0" encoding="utf-8"?>
-<p:notes xmlns:a="http://schemas.openxmlformats.org/drawingml/2006/main" xmlns:r="http://schemas.openxmlformats.org/officeDocument/2006/relationships" xmlns:mc="http://schemas.openxmlformats.org/markup-compatibility/2006" xmlns:mv="urn:schemas-microsoft-com:mac:vml" xmlns:p="http://schemas.openxmlformats.org/presentationml/2006/main" xmlns:c="http://schemas.openxmlformats.org/drawingml/2006/chart" xmlns:dgm="http://schemas.openxmlformats.org/drawingml/2006/diagram" xmlns:o="urn:schemas-microsoft-com:office:office" xmlns:v="urn:schemas-microsoft-com:vml" xmlns:pvml="urn:schemas-microsoft-com:office:powerpoint" xmlns:com="http://schemas.openxmlformats.org/drawingml/2006/compatibility" xmlns:p14="http://schemas.microsoft.com/office/powerpoint/2010/main" showMasterPhAnim="0" showMasterSp="0">
+<file path=ppt/notesSlides/notesSlide5.xml><?xml version="1.0" encoding="utf-8"?>
+<p:notes xmlns:a="http://schemas.openxmlformats.org/drawingml/2006/main" xmlns:r="http://schemas.openxmlformats.org/officeDocument/2006/relationships" xmlns:p="http://schemas.openxmlformats.org/presentationml/2006/main" showMasterSp="0" showMasterPhAnim="0">
   <p:cSld>
     <p:spTree>
       <p:nvGrpSpPr>
-        <p:cNvPr id="95" name="Shape 95"/>
+        <p:cNvPr id="1" name="Shape 83"/>
         <p:cNvGrpSpPr/>
         <p:nvPr/>
       </p:nvGrpSpPr>
@@ -868,10 +1012,12 @@
       </p:grpSpPr>
       <p:sp>
         <p:nvSpPr>
-          <p:cNvPr id="96" name="Shape 96"/>
-          <p:cNvSpPr/>
+          <p:cNvPr id="84" name="Shape 84"/>
+          <p:cNvSpPr>
+            <a:spLocks noGrp="1" noRot="1" noChangeAspect="1"/>
+          </p:cNvSpPr>
           <p:nvPr>
-            <p:ph idx="2" type="sldImg"/>
+            <p:ph type="sldImg" idx="2"/>
           </p:nvPr>
         </p:nvSpPr>
         <p:spPr>
@@ -880,8 +1026,13 @@
             <a:ext cx="6096000" cy="3429000"/>
           </a:xfrm>
           <a:custGeom>
+            <a:avLst/>
+            <a:gdLst/>
+            <a:ahLst/>
+            <a:cxnLst/>
+            <a:rect l="0" t="0" r="0" b="0"/>
             <a:pathLst>
-              <a:path extrusionOk="0" h="120000" w="120000">
+              <a:path w="120000" h="120000" extrusionOk="0">
                 <a:moveTo>
                   <a:pt x="0" y="0"/>
                 </a:moveTo>
@@ -902,10 +1053,12 @@
       </p:sp>
       <p:sp>
         <p:nvSpPr>
-          <p:cNvPr id="97" name="Shape 97"/>
-          <p:cNvSpPr txBox="1"/>
+          <p:cNvPr id="85" name="Shape 85"/>
+          <p:cNvSpPr txBox="1">
+            <a:spLocks noGrp="1"/>
+          </p:cNvSpPr>
           <p:nvPr>
-            <p:ph idx="1" type="body"/>
+            <p:ph type="body" idx="1"/>
           </p:nvPr>
         </p:nvSpPr>
         <p:spPr>
@@ -918,7 +1071,7 @@
           </a:prstGeom>
         </p:spPr>
         <p:txBody>
-          <a:bodyPr anchorCtr="0" anchor="t" bIns="91425" lIns="91425" rIns="91425" tIns="91425">
+          <a:bodyPr lIns="91425" tIns="91425" rIns="91425" bIns="91425" anchor="t" anchorCtr="0">
             <a:noAutofit/>
           </a:bodyPr>
           <a:lstStyle/>
@@ -929,9 +1082,6 @@
               </a:spcBef>
               <a:buNone/>
             </a:pPr>
-            <a:r>
-              <a:t/>
-            </a:r>
             <a:endParaRPr/>
           </a:p>
         </p:txBody>
@@ -944,12 +1094,12 @@
 </p:notes>
 </file>
 
-<file path=ppt/notesSlides/notesSlide7.xml><?xml version="1.0" encoding="utf-8"?>
-<p:notes xmlns:a="http://schemas.openxmlformats.org/drawingml/2006/main" xmlns:r="http://schemas.openxmlformats.org/officeDocument/2006/relationships" xmlns:mc="http://schemas.openxmlformats.org/markup-compatibility/2006" xmlns:mv="urn:schemas-microsoft-com:mac:vml" xmlns:p="http://schemas.openxmlformats.org/presentationml/2006/main" xmlns:c="http://schemas.openxmlformats.org/drawingml/2006/chart" xmlns:dgm="http://schemas.openxmlformats.org/drawingml/2006/diagram" xmlns:o="urn:schemas-microsoft-com:office:office" xmlns:v="urn:schemas-microsoft-com:vml" xmlns:pvml="urn:schemas-microsoft-com:office:powerpoint" xmlns:com="http://schemas.openxmlformats.org/drawingml/2006/compatibility" xmlns:p14="http://schemas.microsoft.com/office/powerpoint/2010/main" showMasterPhAnim="0" showMasterSp="0">
+<file path=ppt/notesSlides/notesSlide6.xml><?xml version="1.0" encoding="utf-8"?>
+<p:notes xmlns:a="http://schemas.openxmlformats.org/drawingml/2006/main" xmlns:r="http://schemas.openxmlformats.org/officeDocument/2006/relationships" xmlns:p="http://schemas.openxmlformats.org/presentationml/2006/main" showMasterSp="0" showMasterPhAnim="0">
   <p:cSld>
     <p:spTree>
       <p:nvGrpSpPr>
-        <p:cNvPr id="106" name="Shape 106"/>
+        <p:cNvPr id="1" name="Shape 95"/>
         <p:cNvGrpSpPr/>
         <p:nvPr/>
       </p:nvGrpSpPr>
@@ -963,10 +1113,12 @@
       </p:grpSpPr>
       <p:sp>
         <p:nvSpPr>
-          <p:cNvPr id="107" name="Shape 107"/>
-          <p:cNvSpPr/>
+          <p:cNvPr id="96" name="Shape 96"/>
+          <p:cNvSpPr>
+            <a:spLocks noGrp="1" noRot="1" noChangeAspect="1"/>
+          </p:cNvSpPr>
           <p:nvPr>
-            <p:ph idx="2" type="sldImg"/>
+            <p:ph type="sldImg" idx="2"/>
           </p:nvPr>
         </p:nvSpPr>
         <p:spPr>
@@ -975,8 +1127,13 @@
             <a:ext cx="6096000" cy="3429000"/>
           </a:xfrm>
           <a:custGeom>
+            <a:avLst/>
+            <a:gdLst/>
+            <a:ahLst/>
+            <a:cxnLst/>
+            <a:rect l="0" t="0" r="0" b="0"/>
             <a:pathLst>
-              <a:path extrusionOk="0" h="120000" w="120000">
+              <a:path w="120000" h="120000" extrusionOk="0">
                 <a:moveTo>
                   <a:pt x="0" y="0"/>
                 </a:moveTo>
@@ -997,10 +1154,12 @@
       </p:sp>
       <p:sp>
         <p:nvSpPr>
-          <p:cNvPr id="108" name="Shape 108"/>
-          <p:cNvSpPr txBox="1"/>
+          <p:cNvPr id="97" name="Shape 97"/>
+          <p:cNvSpPr txBox="1">
+            <a:spLocks noGrp="1"/>
+          </p:cNvSpPr>
           <p:nvPr>
-            <p:ph idx="1" type="body"/>
+            <p:ph type="body" idx="1"/>
           </p:nvPr>
         </p:nvSpPr>
         <p:spPr>
@@ -1013,7 +1172,7 @@
           </a:prstGeom>
         </p:spPr>
         <p:txBody>
-          <a:bodyPr anchorCtr="0" anchor="t" bIns="91425" lIns="91425" rIns="91425" tIns="91425">
+          <a:bodyPr lIns="91425" tIns="91425" rIns="91425" bIns="91425" anchor="t" anchorCtr="0">
             <a:noAutofit/>
           </a:bodyPr>
           <a:lstStyle/>
@@ -1024,9 +1183,6 @@
               </a:spcBef>
               <a:buNone/>
             </a:pPr>
-            <a:r>
-              <a:t/>
-            </a:r>
             <a:endParaRPr/>
           </a:p>
         </p:txBody>
@@ -1039,12 +1195,12 @@
 </p:notes>
 </file>
 
-<file path=ppt/notesSlides/notesSlide8.xml><?xml version="1.0" encoding="utf-8"?>
-<p:notes xmlns:a="http://schemas.openxmlformats.org/drawingml/2006/main" xmlns:r="http://schemas.openxmlformats.org/officeDocument/2006/relationships" xmlns:mc="http://schemas.openxmlformats.org/markup-compatibility/2006" xmlns:mv="urn:schemas-microsoft-com:mac:vml" xmlns:p="http://schemas.openxmlformats.org/presentationml/2006/main" xmlns:c="http://schemas.openxmlformats.org/drawingml/2006/chart" xmlns:dgm="http://schemas.openxmlformats.org/drawingml/2006/diagram" xmlns:o="urn:schemas-microsoft-com:office:office" xmlns:v="urn:schemas-microsoft-com:vml" xmlns:pvml="urn:schemas-microsoft-com:office:powerpoint" xmlns:com="http://schemas.openxmlformats.org/drawingml/2006/compatibility" xmlns:p14="http://schemas.microsoft.com/office/powerpoint/2010/main" showMasterPhAnim="0" showMasterSp="0">
+<file path=ppt/notesSlides/notesSlide7.xml><?xml version="1.0" encoding="utf-8"?>
+<p:notes xmlns:a="http://schemas.openxmlformats.org/drawingml/2006/main" xmlns:r="http://schemas.openxmlformats.org/officeDocument/2006/relationships" xmlns:p="http://schemas.openxmlformats.org/presentationml/2006/main" showMasterSp="0" showMasterPhAnim="0">
   <p:cSld>
     <p:spTree>
       <p:nvGrpSpPr>
-        <p:cNvPr id="114" name="Shape 114"/>
+        <p:cNvPr id="1" name="Shape 106"/>
         <p:cNvGrpSpPr/>
         <p:nvPr/>
       </p:nvGrpSpPr>
@@ -1058,10 +1214,12 @@
       </p:grpSpPr>
       <p:sp>
         <p:nvSpPr>
-          <p:cNvPr id="115" name="Shape 115"/>
-          <p:cNvSpPr/>
+          <p:cNvPr id="107" name="Shape 107"/>
+          <p:cNvSpPr>
+            <a:spLocks noGrp="1" noRot="1" noChangeAspect="1"/>
+          </p:cNvSpPr>
           <p:nvPr>
-            <p:ph idx="2" type="sldImg"/>
+            <p:ph type="sldImg" idx="2"/>
           </p:nvPr>
         </p:nvSpPr>
         <p:spPr>
@@ -1070,8 +1228,13 @@
             <a:ext cx="6096000" cy="3429000"/>
           </a:xfrm>
           <a:custGeom>
+            <a:avLst/>
+            <a:gdLst/>
+            <a:ahLst/>
+            <a:cxnLst/>
+            <a:rect l="0" t="0" r="0" b="0"/>
             <a:pathLst>
-              <a:path extrusionOk="0" h="120000" w="120000">
+              <a:path w="120000" h="120000" extrusionOk="0">
                 <a:moveTo>
                   <a:pt x="0" y="0"/>
                 </a:moveTo>
@@ -1092,10 +1255,12 @@
       </p:sp>
       <p:sp>
         <p:nvSpPr>
-          <p:cNvPr id="116" name="Shape 116"/>
-          <p:cNvSpPr txBox="1"/>
+          <p:cNvPr id="108" name="Shape 108"/>
+          <p:cNvSpPr txBox="1">
+            <a:spLocks noGrp="1"/>
+          </p:cNvSpPr>
           <p:nvPr>
-            <p:ph idx="1" type="body"/>
+            <p:ph type="body" idx="1"/>
           </p:nvPr>
         </p:nvSpPr>
         <p:spPr>
@@ -1108,7 +1273,7 @@
           </a:prstGeom>
         </p:spPr>
         <p:txBody>
-          <a:bodyPr anchorCtr="0" anchor="t" bIns="91425" lIns="91425" rIns="91425" tIns="91425">
+          <a:bodyPr lIns="91425" tIns="91425" rIns="91425" bIns="91425" anchor="t" anchorCtr="0">
             <a:noAutofit/>
           </a:bodyPr>
           <a:lstStyle/>
@@ -1119,9 +1284,6 @@
               </a:spcBef>
               <a:buNone/>
             </a:pPr>
-            <a:r>
-              <a:t/>
-            </a:r>
             <a:endParaRPr/>
           </a:p>
         </p:txBody>
@@ -1134,12 +1296,12 @@
 </p:notes>
 </file>
 
-<file path=ppt/notesSlides/notesSlide9.xml><?xml version="1.0" encoding="utf-8"?>
-<p:notes xmlns:a="http://schemas.openxmlformats.org/drawingml/2006/main" xmlns:r="http://schemas.openxmlformats.org/officeDocument/2006/relationships" xmlns:mc="http://schemas.openxmlformats.org/markup-compatibility/2006" xmlns:mv="urn:schemas-microsoft-com:mac:vml" xmlns:p="http://schemas.openxmlformats.org/presentationml/2006/main" xmlns:c="http://schemas.openxmlformats.org/drawingml/2006/chart" xmlns:dgm="http://schemas.openxmlformats.org/drawingml/2006/diagram" xmlns:o="urn:schemas-microsoft-com:office:office" xmlns:v="urn:schemas-microsoft-com:vml" xmlns:pvml="urn:schemas-microsoft-com:office:powerpoint" xmlns:com="http://schemas.openxmlformats.org/drawingml/2006/compatibility" xmlns:p14="http://schemas.microsoft.com/office/powerpoint/2010/main" showMasterPhAnim="0" showMasterSp="0">
+<file path=ppt/notesSlides/notesSlide8.xml><?xml version="1.0" encoding="utf-8"?>
+<p:notes xmlns:a="http://schemas.openxmlformats.org/drawingml/2006/main" xmlns:r="http://schemas.openxmlformats.org/officeDocument/2006/relationships" xmlns:p="http://schemas.openxmlformats.org/presentationml/2006/main" showMasterSp="0" showMasterPhAnim="0">
   <p:cSld>
     <p:spTree>
       <p:nvGrpSpPr>
-        <p:cNvPr id="121" name="Shape 121"/>
+        <p:cNvPr id="1" name="Shape 114"/>
         <p:cNvGrpSpPr/>
         <p:nvPr/>
       </p:nvGrpSpPr>
@@ -1153,10 +1315,12 @@
       </p:grpSpPr>
       <p:sp>
         <p:nvSpPr>
-          <p:cNvPr id="122" name="Shape 122"/>
-          <p:cNvSpPr/>
+          <p:cNvPr id="115" name="Shape 115"/>
+          <p:cNvSpPr>
+            <a:spLocks noGrp="1" noRot="1" noChangeAspect="1"/>
+          </p:cNvSpPr>
           <p:nvPr>
-            <p:ph idx="2" type="sldImg"/>
+            <p:ph type="sldImg" idx="2"/>
           </p:nvPr>
         </p:nvSpPr>
         <p:spPr>
@@ -1165,8 +1329,13 @@
             <a:ext cx="6096000" cy="3429000"/>
           </a:xfrm>
           <a:custGeom>
+            <a:avLst/>
+            <a:gdLst/>
+            <a:ahLst/>
+            <a:cxnLst/>
+            <a:rect l="0" t="0" r="0" b="0"/>
             <a:pathLst>
-              <a:path extrusionOk="0" h="120000" w="120000">
+              <a:path w="120000" h="120000" extrusionOk="0">
                 <a:moveTo>
                   <a:pt x="0" y="0"/>
                 </a:moveTo>
@@ -1187,10 +1356,12 @@
       </p:sp>
       <p:sp>
         <p:nvSpPr>
-          <p:cNvPr id="123" name="Shape 123"/>
-          <p:cNvSpPr txBox="1"/>
+          <p:cNvPr id="116" name="Shape 116"/>
+          <p:cNvSpPr txBox="1">
+            <a:spLocks noGrp="1"/>
+          </p:cNvSpPr>
           <p:nvPr>
-            <p:ph idx="1" type="body"/>
+            <p:ph type="body" idx="1"/>
           </p:nvPr>
         </p:nvSpPr>
         <p:spPr>
@@ -1203,7 +1374,7 @@
           </a:prstGeom>
         </p:spPr>
         <p:txBody>
-          <a:bodyPr anchorCtr="0" anchor="t" bIns="91425" lIns="91425" rIns="91425" tIns="91425">
+          <a:bodyPr lIns="91425" tIns="91425" rIns="91425" bIns="91425" anchor="t" anchorCtr="0">
             <a:noAutofit/>
           </a:bodyPr>
           <a:lstStyle/>
@@ -1214,9 +1385,6 @@
               </a:spcBef>
               <a:buNone/>
             </a:pPr>
-            <a:r>
-              <a:t/>
-            </a:r>
             <a:endParaRPr/>
           </a:p>
         </p:txBody>
@@ -1229,12 +1397,12 @@
 </p:notes>
 </file>
 
-<file path=ppt/slideLayouts/slideLayout1.xml><?xml version="1.0" encoding="utf-8"?>
-<p:sldLayout xmlns:a="http://schemas.openxmlformats.org/drawingml/2006/main" xmlns:r="http://schemas.openxmlformats.org/officeDocument/2006/relationships" xmlns:mc="http://schemas.openxmlformats.org/markup-compatibility/2006" xmlns:mv="urn:schemas-microsoft-com:mac:vml" xmlns:p="http://schemas.openxmlformats.org/presentationml/2006/main" xmlns:c="http://schemas.openxmlformats.org/drawingml/2006/chart" xmlns:dgm="http://schemas.openxmlformats.org/drawingml/2006/diagram" xmlns:o="urn:schemas-microsoft-com:office:office" xmlns:v="urn:schemas-microsoft-com:vml" xmlns:pvml="urn:schemas-microsoft-com:office:powerpoint" xmlns:com="http://schemas.openxmlformats.org/drawingml/2006/compatibility" xmlns:p14="http://schemas.microsoft.com/office/powerpoint/2010/main" type="title">
-  <p:cSld name="Title slide">
+<file path=ppt/notesSlides/notesSlide9.xml><?xml version="1.0" encoding="utf-8"?>
+<p:notes xmlns:a="http://schemas.openxmlformats.org/drawingml/2006/main" xmlns:r="http://schemas.openxmlformats.org/officeDocument/2006/relationships" xmlns:p="http://schemas.openxmlformats.org/presentationml/2006/main" showMasterSp="0" showMasterPhAnim="0">
+  <p:cSld>
     <p:spTree>
       <p:nvGrpSpPr>
-        <p:cNvPr id="9" name="Shape 9"/>
+        <p:cNvPr id="1" name="Shape 121"/>
         <p:cNvGrpSpPr/>
         <p:nvPr/>
       </p:nvGrpSpPr>
@@ -1248,260 +1416,66 @@
       </p:grpSpPr>
       <p:sp>
         <p:nvSpPr>
-          <p:cNvPr id="10" name="Shape 10"/>
-          <p:cNvSpPr txBox="1"/>
+          <p:cNvPr id="122" name="Shape 122"/>
+          <p:cNvSpPr>
+            <a:spLocks noGrp="1" noRot="1" noChangeAspect="1"/>
+          </p:cNvSpPr>
           <p:nvPr>
-            <p:ph type="ctrTitle"/>
+            <p:ph type="sldImg" idx="2"/>
           </p:nvPr>
         </p:nvSpPr>
         <p:spPr>
           <a:xfrm>
-            <a:off x="311708" y="744575"/>
-            <a:ext cx="8520600" cy="2052600"/>
+            <a:off x="381300" y="685800"/>
+            <a:ext cx="6096000" cy="3429000"/>
+          </a:xfrm>
+          <a:custGeom>
+            <a:avLst/>
+            <a:gdLst/>
+            <a:ahLst/>
+            <a:cxnLst/>
+            <a:rect l="0" t="0" r="0" b="0"/>
+            <a:pathLst>
+              <a:path w="120000" h="120000" extrusionOk="0">
+                <a:moveTo>
+                  <a:pt x="0" y="0"/>
+                </a:moveTo>
+                <a:lnTo>
+                  <a:pt x="120000" y="0"/>
+                </a:lnTo>
+                <a:lnTo>
+                  <a:pt x="120000" y="120000"/>
+                </a:lnTo>
+                <a:lnTo>
+                  <a:pt x="0" y="120000"/>
+                </a:lnTo>
+                <a:close/>
+              </a:path>
+            </a:pathLst>
+          </a:custGeom>
+        </p:spPr>
+      </p:sp>
+      <p:sp>
+        <p:nvSpPr>
+          <p:cNvPr id="123" name="Shape 123"/>
+          <p:cNvSpPr txBox="1">
+            <a:spLocks noGrp="1"/>
+          </p:cNvSpPr>
+          <p:nvPr>
+            <p:ph type="body" idx="1"/>
+          </p:nvPr>
+        </p:nvSpPr>
+        <p:spPr>
+          <a:xfrm>
+            <a:off x="685800" y="4343400"/>
+            <a:ext cx="5486400" cy="4114800"/>
           </a:xfrm>
           <a:prstGeom prst="rect">
             <a:avLst/>
           </a:prstGeom>
         </p:spPr>
         <p:txBody>
-          <a:bodyPr anchorCtr="0" anchor="b" bIns="91425" lIns="91425" rIns="91425" tIns="91425"/>
-          <a:lstStyle>
-            <a:lvl1pPr lvl="0" algn="ctr">
-              <a:spcBef>
-                <a:spcPts val="0"/>
-              </a:spcBef>
-              <a:buSzPct val="100000"/>
-              <a:defRPr sz="5200"/>
-            </a:lvl1pPr>
-            <a:lvl2pPr lvl="1" algn="ctr">
-              <a:spcBef>
-                <a:spcPts val="0"/>
-              </a:spcBef>
-              <a:buSzPct val="100000"/>
-              <a:defRPr sz="5200"/>
-            </a:lvl2pPr>
-            <a:lvl3pPr lvl="2" algn="ctr">
-              <a:spcBef>
-                <a:spcPts val="0"/>
-              </a:spcBef>
-              <a:buSzPct val="100000"/>
-              <a:defRPr sz="5200"/>
-            </a:lvl3pPr>
-            <a:lvl4pPr lvl="3" algn="ctr">
-              <a:spcBef>
-                <a:spcPts val="0"/>
-              </a:spcBef>
-              <a:buSzPct val="100000"/>
-              <a:defRPr sz="5200"/>
-            </a:lvl4pPr>
-            <a:lvl5pPr lvl="4" algn="ctr">
-              <a:spcBef>
-                <a:spcPts val="0"/>
-              </a:spcBef>
-              <a:buSzPct val="100000"/>
-              <a:defRPr sz="5200"/>
-            </a:lvl5pPr>
-            <a:lvl6pPr lvl="5" algn="ctr">
-              <a:spcBef>
-                <a:spcPts val="0"/>
-              </a:spcBef>
-              <a:buSzPct val="100000"/>
-              <a:defRPr sz="5200"/>
-            </a:lvl6pPr>
-            <a:lvl7pPr lvl="6" algn="ctr">
-              <a:spcBef>
-                <a:spcPts val="0"/>
-              </a:spcBef>
-              <a:buSzPct val="100000"/>
-              <a:defRPr sz="5200"/>
-            </a:lvl7pPr>
-            <a:lvl8pPr lvl="7" algn="ctr">
-              <a:spcBef>
-                <a:spcPts val="0"/>
-              </a:spcBef>
-              <a:buSzPct val="100000"/>
-              <a:defRPr sz="5200"/>
-            </a:lvl8pPr>
-            <a:lvl9pPr lvl="8" algn="ctr">
-              <a:spcBef>
-                <a:spcPts val="0"/>
-              </a:spcBef>
-              <a:buSzPct val="100000"/>
-              <a:defRPr sz="5200"/>
-            </a:lvl9pPr>
-          </a:lstStyle>
-          <a:p/>
-        </p:txBody>
-      </p:sp>
-      <p:sp>
-        <p:nvSpPr>
-          <p:cNvPr id="11" name="Shape 11"/>
-          <p:cNvSpPr txBox="1"/>
-          <p:nvPr>
-            <p:ph idx="1" type="subTitle"/>
-          </p:nvPr>
-        </p:nvSpPr>
-        <p:spPr>
-          <a:xfrm>
-            <a:off x="311700" y="2834125"/>
-            <a:ext cx="8520600" cy="792600"/>
-          </a:xfrm>
-          <a:prstGeom prst="rect">
-            <a:avLst/>
-          </a:prstGeom>
-        </p:spPr>
-        <p:txBody>
-          <a:bodyPr anchorCtr="0" anchor="t" bIns="91425" lIns="91425" rIns="91425" tIns="91425"/>
-          <a:lstStyle>
-            <a:lvl1pPr lvl="0" algn="ctr">
-              <a:lnSpc>
-                <a:spcPct val="100000"/>
-              </a:lnSpc>
-              <a:spcBef>
-                <a:spcPts val="0"/>
-              </a:spcBef>
-              <a:spcAft>
-                <a:spcPts val="0"/>
-              </a:spcAft>
-              <a:buSzPct val="100000"/>
-              <a:buNone/>
-              <a:defRPr sz="2800"/>
-            </a:lvl1pPr>
-            <a:lvl2pPr lvl="1" algn="ctr">
-              <a:lnSpc>
-                <a:spcPct val="100000"/>
-              </a:lnSpc>
-              <a:spcBef>
-                <a:spcPts val="0"/>
-              </a:spcBef>
-              <a:spcAft>
-                <a:spcPts val="0"/>
-              </a:spcAft>
-              <a:buSzPct val="100000"/>
-              <a:buNone/>
-              <a:defRPr sz="2800"/>
-            </a:lvl2pPr>
-            <a:lvl3pPr lvl="2" algn="ctr">
-              <a:lnSpc>
-                <a:spcPct val="100000"/>
-              </a:lnSpc>
-              <a:spcBef>
-                <a:spcPts val="0"/>
-              </a:spcBef>
-              <a:spcAft>
-                <a:spcPts val="0"/>
-              </a:spcAft>
-              <a:buSzPct val="100000"/>
-              <a:buNone/>
-              <a:defRPr sz="2800"/>
-            </a:lvl3pPr>
-            <a:lvl4pPr lvl="3" algn="ctr">
-              <a:lnSpc>
-                <a:spcPct val="100000"/>
-              </a:lnSpc>
-              <a:spcBef>
-                <a:spcPts val="0"/>
-              </a:spcBef>
-              <a:spcAft>
-                <a:spcPts val="0"/>
-              </a:spcAft>
-              <a:buSzPct val="100000"/>
-              <a:buNone/>
-              <a:defRPr sz="2800"/>
-            </a:lvl4pPr>
-            <a:lvl5pPr lvl="4" algn="ctr">
-              <a:lnSpc>
-                <a:spcPct val="100000"/>
-              </a:lnSpc>
-              <a:spcBef>
-                <a:spcPts val="0"/>
-              </a:spcBef>
-              <a:spcAft>
-                <a:spcPts val="0"/>
-              </a:spcAft>
-              <a:buSzPct val="100000"/>
-              <a:buNone/>
-              <a:defRPr sz="2800"/>
-            </a:lvl5pPr>
-            <a:lvl6pPr lvl="5" algn="ctr">
-              <a:lnSpc>
-                <a:spcPct val="100000"/>
-              </a:lnSpc>
-              <a:spcBef>
-                <a:spcPts val="0"/>
-              </a:spcBef>
-              <a:spcAft>
-                <a:spcPts val="0"/>
-              </a:spcAft>
-              <a:buSzPct val="100000"/>
-              <a:buNone/>
-              <a:defRPr sz="2800"/>
-            </a:lvl6pPr>
-            <a:lvl7pPr lvl="6" algn="ctr">
-              <a:lnSpc>
-                <a:spcPct val="100000"/>
-              </a:lnSpc>
-              <a:spcBef>
-                <a:spcPts val="0"/>
-              </a:spcBef>
-              <a:spcAft>
-                <a:spcPts val="0"/>
-              </a:spcAft>
-              <a:buSzPct val="100000"/>
-              <a:buNone/>
-              <a:defRPr sz="2800"/>
-            </a:lvl7pPr>
-            <a:lvl8pPr lvl="7" algn="ctr">
-              <a:lnSpc>
-                <a:spcPct val="100000"/>
-              </a:lnSpc>
-              <a:spcBef>
-                <a:spcPts val="0"/>
-              </a:spcBef>
-              <a:spcAft>
-                <a:spcPts val="0"/>
-              </a:spcAft>
-              <a:buSzPct val="100000"/>
-              <a:buNone/>
-              <a:defRPr sz="2800"/>
-            </a:lvl8pPr>
-            <a:lvl9pPr lvl="8" algn="ctr">
-              <a:lnSpc>
-                <a:spcPct val="100000"/>
-              </a:lnSpc>
-              <a:spcBef>
-                <a:spcPts val="0"/>
-              </a:spcBef>
-              <a:spcAft>
-                <a:spcPts val="0"/>
-              </a:spcAft>
-              <a:buSzPct val="100000"/>
-              <a:buNone/>
-              <a:defRPr sz="2800"/>
-            </a:lvl9pPr>
-          </a:lstStyle>
-          <a:p/>
-        </p:txBody>
-      </p:sp>
-      <p:sp>
-        <p:nvSpPr>
-          <p:cNvPr id="12" name="Shape 12"/>
-          <p:cNvSpPr txBox="1"/>
-          <p:nvPr>
-            <p:ph idx="12" type="sldNum"/>
-          </p:nvPr>
-        </p:nvSpPr>
-        <p:spPr>
-          <a:xfrm>
-            <a:off x="8472457" y="4663216"/>
-            <a:ext cx="548700" cy="393600"/>
-          </a:xfrm>
-          <a:prstGeom prst="rect">
-            <a:avLst/>
-          </a:prstGeom>
-        </p:spPr>
-        <p:txBody>
-          <a:bodyPr anchorCtr="0" anchor="ctr" bIns="91425" lIns="91425" rIns="91425" tIns="91425">
+          <a:bodyPr lIns="91425" tIns="91425" rIns="91425" bIns="91425" anchor="t" anchorCtr="0">
             <a:noAutofit/>
           </a:bodyPr>
           <a:lstStyle/>
@@ -1512,10 +1486,7 @@
               </a:spcBef>
               <a:buNone/>
             </a:pPr>
-            <a:fld id="{00000000-1234-1234-1234-123412341234}" type="slidenum">
-              <a:rPr lang="en"/>
-              <a:t>‹#›</a:t>
-            </a:fld>
+            <a:endParaRPr/>
           </a:p>
         </p:txBody>
       </p:sp>
@@ -1524,15 +1495,15 @@
   <p:clrMapOvr>
     <a:masterClrMapping/>
   </p:clrMapOvr>
-</p:sldLayout>
+</p:notes>
 </file>
 
-<file path=ppt/slideLayouts/slideLayout10.xml><?xml version="1.0" encoding="utf-8"?>
-<p:sldLayout xmlns:a="http://schemas.openxmlformats.org/drawingml/2006/main" xmlns:r="http://schemas.openxmlformats.org/officeDocument/2006/relationships" xmlns:mc="http://schemas.openxmlformats.org/markup-compatibility/2006" xmlns:mv="urn:schemas-microsoft-com:mac:vml" xmlns:p="http://schemas.openxmlformats.org/presentationml/2006/main" xmlns:c="http://schemas.openxmlformats.org/drawingml/2006/chart" xmlns:dgm="http://schemas.openxmlformats.org/drawingml/2006/diagram" xmlns:o="urn:schemas-microsoft-com:office:office" xmlns:v="urn:schemas-microsoft-com:vml" xmlns:pvml="urn:schemas-microsoft-com:office:powerpoint" xmlns:com="http://schemas.openxmlformats.org/drawingml/2006/compatibility" xmlns:p14="http://schemas.microsoft.com/office/powerpoint/2010/main">
-  <p:cSld name="Big number">
+<file path=ppt/slideLayouts/slideLayout1.xml><?xml version="1.0" encoding="utf-8"?>
+<p:sldLayout xmlns:a="http://schemas.openxmlformats.org/drawingml/2006/main" xmlns:r="http://schemas.openxmlformats.org/officeDocument/2006/relationships" xmlns:p="http://schemas.openxmlformats.org/presentationml/2006/main" type="title">
+  <p:cSld name="Title slide">
     <p:spTree>
       <p:nvGrpSpPr>
-        <p:cNvPr id="44" name="Shape 44"/>
+        <p:cNvPr id="1" name="Shape 9"/>
         <p:cNvGrpSpPr/>
         <p:nvPr/>
       </p:nvGrpSpPr>
@@ -1546,175 +1517,257 @@
       </p:grpSpPr>
       <p:sp>
         <p:nvSpPr>
-          <p:cNvPr id="45" name="Shape 45"/>
-          <p:cNvSpPr txBox="1"/>
+          <p:cNvPr id="10" name="Shape 10"/>
+          <p:cNvSpPr txBox="1">
+            <a:spLocks noGrp="1"/>
+          </p:cNvSpPr>
           <p:nvPr>
-            <p:ph type="title"/>
+            <p:ph type="ctrTitle"/>
           </p:nvPr>
         </p:nvSpPr>
         <p:spPr>
           <a:xfrm>
-            <a:off x="311700" y="1106125"/>
-            <a:ext cx="8520600" cy="1963500"/>
+            <a:off x="311708" y="744575"/>
+            <a:ext cx="8520600" cy="2052600"/>
           </a:xfrm>
           <a:prstGeom prst="rect">
             <a:avLst/>
           </a:prstGeom>
         </p:spPr>
         <p:txBody>
-          <a:bodyPr anchorCtr="0" anchor="b" bIns="91425" lIns="91425" rIns="91425" tIns="91425"/>
+          <a:bodyPr lIns="91425" tIns="91425" rIns="91425" bIns="91425" anchor="b" anchorCtr="0"/>
           <a:lstStyle>
             <a:lvl1pPr lvl="0" algn="ctr">
               <a:spcBef>
                 <a:spcPts val="0"/>
               </a:spcBef>
               <a:buSzPct val="100000"/>
-              <a:defRPr sz="12000"/>
+              <a:defRPr sz="5200"/>
             </a:lvl1pPr>
             <a:lvl2pPr lvl="1" algn="ctr">
               <a:spcBef>
                 <a:spcPts val="0"/>
               </a:spcBef>
               <a:buSzPct val="100000"/>
-              <a:defRPr sz="12000"/>
+              <a:defRPr sz="5200"/>
             </a:lvl2pPr>
             <a:lvl3pPr lvl="2" algn="ctr">
               <a:spcBef>
                 <a:spcPts val="0"/>
               </a:spcBef>
               <a:buSzPct val="100000"/>
-              <a:defRPr sz="12000"/>
+              <a:defRPr sz="5200"/>
             </a:lvl3pPr>
             <a:lvl4pPr lvl="3" algn="ctr">
               <a:spcBef>
                 <a:spcPts val="0"/>
               </a:spcBef>
               <a:buSzPct val="100000"/>
-              <a:defRPr sz="12000"/>
+              <a:defRPr sz="5200"/>
             </a:lvl4pPr>
             <a:lvl5pPr lvl="4" algn="ctr">
               <a:spcBef>
                 <a:spcPts val="0"/>
               </a:spcBef>
               <a:buSzPct val="100000"/>
-              <a:defRPr sz="12000"/>
+              <a:defRPr sz="5200"/>
             </a:lvl5pPr>
             <a:lvl6pPr lvl="5" algn="ctr">
               <a:spcBef>
                 <a:spcPts val="0"/>
               </a:spcBef>
               <a:buSzPct val="100000"/>
-              <a:defRPr sz="12000"/>
+              <a:defRPr sz="5200"/>
             </a:lvl6pPr>
             <a:lvl7pPr lvl="6" algn="ctr">
               <a:spcBef>
                 <a:spcPts val="0"/>
               </a:spcBef>
               <a:buSzPct val="100000"/>
-              <a:defRPr sz="12000"/>
+              <a:defRPr sz="5200"/>
             </a:lvl7pPr>
             <a:lvl8pPr lvl="7" algn="ctr">
               <a:spcBef>
                 <a:spcPts val="0"/>
               </a:spcBef>
               <a:buSzPct val="100000"/>
-              <a:defRPr sz="12000"/>
+              <a:defRPr sz="5200"/>
             </a:lvl8pPr>
             <a:lvl9pPr lvl="8" algn="ctr">
               <a:spcBef>
                 <a:spcPts val="0"/>
               </a:spcBef>
               <a:buSzPct val="100000"/>
-              <a:defRPr sz="12000"/>
+              <a:defRPr sz="5200"/>
             </a:lvl9pPr>
           </a:lstStyle>
-          <a:p/>
+          <a:p>
+            <a:endParaRPr/>
+          </a:p>
         </p:txBody>
       </p:sp>
       <p:sp>
         <p:nvSpPr>
-          <p:cNvPr id="46" name="Shape 46"/>
-          <p:cNvSpPr txBox="1"/>
+          <p:cNvPr id="11" name="Shape 11"/>
+          <p:cNvSpPr txBox="1">
+            <a:spLocks noGrp="1"/>
+          </p:cNvSpPr>
           <p:nvPr>
-            <p:ph idx="1" type="body"/>
+            <p:ph type="subTitle" idx="1"/>
           </p:nvPr>
         </p:nvSpPr>
         <p:spPr>
           <a:xfrm>
-            <a:off x="311700" y="3152225"/>
-            <a:ext cx="8520600" cy="1300800"/>
+            <a:off x="311700" y="2834125"/>
+            <a:ext cx="8520600" cy="792600"/>
           </a:xfrm>
           <a:prstGeom prst="rect">
             <a:avLst/>
           </a:prstGeom>
         </p:spPr>
         <p:txBody>
-          <a:bodyPr anchorCtr="0" anchor="t" bIns="91425" lIns="91425" rIns="91425" tIns="91425"/>
+          <a:bodyPr lIns="91425" tIns="91425" rIns="91425" bIns="91425" anchor="t" anchorCtr="0"/>
           <a:lstStyle>
             <a:lvl1pPr lvl="0" algn="ctr">
-              <a:spcBef>
-                <a:spcPts val="0"/>
-              </a:spcBef>
-              <a:defRPr/>
+              <a:lnSpc>
+                <a:spcPct val="100000"/>
+              </a:lnSpc>
+              <a:spcBef>
+                <a:spcPts val="0"/>
+              </a:spcBef>
+              <a:spcAft>
+                <a:spcPts val="0"/>
+              </a:spcAft>
+              <a:buSzPct val="100000"/>
+              <a:buNone/>
+              <a:defRPr sz="2800"/>
             </a:lvl1pPr>
             <a:lvl2pPr lvl="1" algn="ctr">
-              <a:spcBef>
-                <a:spcPts val="0"/>
-              </a:spcBef>
-              <a:defRPr/>
+              <a:lnSpc>
+                <a:spcPct val="100000"/>
+              </a:lnSpc>
+              <a:spcBef>
+                <a:spcPts val="0"/>
+              </a:spcBef>
+              <a:spcAft>
+                <a:spcPts val="0"/>
+              </a:spcAft>
+              <a:buSzPct val="100000"/>
+              <a:buNone/>
+              <a:defRPr sz="2800"/>
             </a:lvl2pPr>
             <a:lvl3pPr lvl="2" algn="ctr">
-              <a:spcBef>
-                <a:spcPts val="0"/>
-              </a:spcBef>
-              <a:defRPr/>
+              <a:lnSpc>
+                <a:spcPct val="100000"/>
+              </a:lnSpc>
+              <a:spcBef>
+                <a:spcPts val="0"/>
+              </a:spcBef>
+              <a:spcAft>
+                <a:spcPts val="0"/>
+              </a:spcAft>
+              <a:buSzPct val="100000"/>
+              <a:buNone/>
+              <a:defRPr sz="2800"/>
             </a:lvl3pPr>
             <a:lvl4pPr lvl="3" algn="ctr">
-              <a:spcBef>
-                <a:spcPts val="0"/>
-              </a:spcBef>
-              <a:defRPr/>
+              <a:lnSpc>
+                <a:spcPct val="100000"/>
+              </a:lnSpc>
+              <a:spcBef>
+                <a:spcPts val="0"/>
+              </a:spcBef>
+              <a:spcAft>
+                <a:spcPts val="0"/>
+              </a:spcAft>
+              <a:buSzPct val="100000"/>
+              <a:buNone/>
+              <a:defRPr sz="2800"/>
             </a:lvl4pPr>
             <a:lvl5pPr lvl="4" algn="ctr">
-              <a:spcBef>
-                <a:spcPts val="0"/>
-              </a:spcBef>
-              <a:defRPr/>
+              <a:lnSpc>
+                <a:spcPct val="100000"/>
+              </a:lnSpc>
+              <a:spcBef>
+                <a:spcPts val="0"/>
+              </a:spcBef>
+              <a:spcAft>
+                <a:spcPts val="0"/>
+              </a:spcAft>
+              <a:buSzPct val="100000"/>
+              <a:buNone/>
+              <a:defRPr sz="2800"/>
             </a:lvl5pPr>
             <a:lvl6pPr lvl="5" algn="ctr">
-              <a:spcBef>
-                <a:spcPts val="0"/>
-              </a:spcBef>
-              <a:defRPr/>
+              <a:lnSpc>
+                <a:spcPct val="100000"/>
+              </a:lnSpc>
+              <a:spcBef>
+                <a:spcPts val="0"/>
+              </a:spcBef>
+              <a:spcAft>
+                <a:spcPts val="0"/>
+              </a:spcAft>
+              <a:buSzPct val="100000"/>
+              <a:buNone/>
+              <a:defRPr sz="2800"/>
             </a:lvl6pPr>
             <a:lvl7pPr lvl="6" algn="ctr">
-              <a:spcBef>
-                <a:spcPts val="0"/>
-              </a:spcBef>
-              <a:defRPr/>
+              <a:lnSpc>
+                <a:spcPct val="100000"/>
+              </a:lnSpc>
+              <a:spcBef>
+                <a:spcPts val="0"/>
+              </a:spcBef>
+              <a:spcAft>
+                <a:spcPts val="0"/>
+              </a:spcAft>
+              <a:buSzPct val="100000"/>
+              <a:buNone/>
+              <a:defRPr sz="2800"/>
             </a:lvl7pPr>
             <a:lvl8pPr lvl="7" algn="ctr">
-              <a:spcBef>
-                <a:spcPts val="0"/>
-              </a:spcBef>
-              <a:defRPr/>
+              <a:lnSpc>
+                <a:spcPct val="100000"/>
+              </a:lnSpc>
+              <a:spcBef>
+                <a:spcPts val="0"/>
+              </a:spcBef>
+              <a:spcAft>
+                <a:spcPts val="0"/>
+              </a:spcAft>
+              <a:buSzPct val="100000"/>
+              <a:buNone/>
+              <a:defRPr sz="2800"/>
             </a:lvl8pPr>
             <a:lvl9pPr lvl="8" algn="ctr">
-              <a:spcBef>
-                <a:spcPts val="0"/>
-              </a:spcBef>
-              <a:defRPr/>
+              <a:lnSpc>
+                <a:spcPct val="100000"/>
+              </a:lnSpc>
+              <a:spcBef>
+                <a:spcPts val="0"/>
+              </a:spcBef>
+              <a:spcAft>
+                <a:spcPts val="0"/>
+              </a:spcAft>
+              <a:buSzPct val="100000"/>
+              <a:buNone/>
+              <a:defRPr sz="2800"/>
             </a:lvl9pPr>
           </a:lstStyle>
-          <a:p/>
+          <a:p>
+            <a:endParaRPr/>
+          </a:p>
         </p:txBody>
       </p:sp>
       <p:sp>
         <p:nvSpPr>
-          <p:cNvPr id="47" name="Shape 47"/>
-          <p:cNvSpPr txBox="1"/>
+          <p:cNvPr id="12" name="Shape 12"/>
+          <p:cNvSpPr txBox="1">
+            <a:spLocks noGrp="1"/>
+          </p:cNvSpPr>
           <p:nvPr>
-            <p:ph idx="12" type="sldNum"/>
+            <p:ph type="sldNum" idx="12"/>
           </p:nvPr>
         </p:nvSpPr>
         <p:spPr>
@@ -1727,7 +1780,7 @@
           </a:prstGeom>
         </p:spPr>
         <p:txBody>
-          <a:bodyPr anchorCtr="0" anchor="ctr" bIns="91425" lIns="91425" rIns="91425" tIns="91425">
+          <a:bodyPr lIns="91425" tIns="91425" rIns="91425" bIns="91425" anchor="ctr" anchorCtr="0">
             <a:noAutofit/>
           </a:bodyPr>
           <a:lstStyle/>
@@ -1742,6 +1795,7 @@
               <a:rPr lang="en"/>
               <a:t>‹#›</a:t>
             </a:fld>
+            <a:endParaRPr lang="en"/>
           </a:p>
         </p:txBody>
       </p:sp>
@@ -1753,12 +1807,12 @@
 </p:sldLayout>
 </file>
 
-<file path=ppt/slideLayouts/slideLayout11.xml><?xml version="1.0" encoding="utf-8"?>
-<p:sldLayout xmlns:a="http://schemas.openxmlformats.org/drawingml/2006/main" xmlns:r="http://schemas.openxmlformats.org/officeDocument/2006/relationships" xmlns:mc="http://schemas.openxmlformats.org/markup-compatibility/2006" xmlns:mv="urn:schemas-microsoft-com:mac:vml" xmlns:p="http://schemas.openxmlformats.org/presentationml/2006/main" xmlns:c="http://schemas.openxmlformats.org/drawingml/2006/chart" xmlns:dgm="http://schemas.openxmlformats.org/drawingml/2006/diagram" xmlns:o="urn:schemas-microsoft-com:office:office" xmlns:v="urn:schemas-microsoft-com:vml" xmlns:pvml="urn:schemas-microsoft-com:office:powerpoint" xmlns:com="http://schemas.openxmlformats.org/drawingml/2006/compatibility" xmlns:p14="http://schemas.microsoft.com/office/powerpoint/2010/main" type="blank">
-  <p:cSld name="Blank">
+<file path=ppt/slideLayouts/slideLayout10.xml><?xml version="1.0" encoding="utf-8"?>
+<p:sldLayout xmlns:a="http://schemas.openxmlformats.org/drawingml/2006/main" xmlns:r="http://schemas.openxmlformats.org/officeDocument/2006/relationships" xmlns:p="http://schemas.openxmlformats.org/presentationml/2006/main">
+  <p:cSld name="Big number">
     <p:spTree>
       <p:nvGrpSpPr>
-        <p:cNvPr id="48" name="Shape 48"/>
+        <p:cNvPr id="1" name="Shape 44"/>
         <p:cNvGrpSpPr/>
         <p:nvPr/>
       </p:nvGrpSpPr>
@@ -1772,10 +1826,185 @@
       </p:grpSpPr>
       <p:sp>
         <p:nvSpPr>
-          <p:cNvPr id="49" name="Shape 49"/>
-          <p:cNvSpPr txBox="1"/>
+          <p:cNvPr id="45" name="Shape 45"/>
+          <p:cNvSpPr txBox="1">
+            <a:spLocks noGrp="1"/>
+          </p:cNvSpPr>
           <p:nvPr>
-            <p:ph idx="12" type="sldNum"/>
+            <p:ph type="title"/>
+          </p:nvPr>
+        </p:nvSpPr>
+        <p:spPr>
+          <a:xfrm>
+            <a:off x="311700" y="1106125"/>
+            <a:ext cx="8520600" cy="1963500"/>
+          </a:xfrm>
+          <a:prstGeom prst="rect">
+            <a:avLst/>
+          </a:prstGeom>
+        </p:spPr>
+        <p:txBody>
+          <a:bodyPr lIns="91425" tIns="91425" rIns="91425" bIns="91425" anchor="b" anchorCtr="0"/>
+          <a:lstStyle>
+            <a:lvl1pPr lvl="0" algn="ctr">
+              <a:spcBef>
+                <a:spcPts val="0"/>
+              </a:spcBef>
+              <a:buSzPct val="100000"/>
+              <a:defRPr sz="12000"/>
+            </a:lvl1pPr>
+            <a:lvl2pPr lvl="1" algn="ctr">
+              <a:spcBef>
+                <a:spcPts val="0"/>
+              </a:spcBef>
+              <a:buSzPct val="100000"/>
+              <a:defRPr sz="12000"/>
+            </a:lvl2pPr>
+            <a:lvl3pPr lvl="2" algn="ctr">
+              <a:spcBef>
+                <a:spcPts val="0"/>
+              </a:spcBef>
+              <a:buSzPct val="100000"/>
+              <a:defRPr sz="12000"/>
+            </a:lvl3pPr>
+            <a:lvl4pPr lvl="3" algn="ctr">
+              <a:spcBef>
+                <a:spcPts val="0"/>
+              </a:spcBef>
+              <a:buSzPct val="100000"/>
+              <a:defRPr sz="12000"/>
+            </a:lvl4pPr>
+            <a:lvl5pPr lvl="4" algn="ctr">
+              <a:spcBef>
+                <a:spcPts val="0"/>
+              </a:spcBef>
+              <a:buSzPct val="100000"/>
+              <a:defRPr sz="12000"/>
+            </a:lvl5pPr>
+            <a:lvl6pPr lvl="5" algn="ctr">
+              <a:spcBef>
+                <a:spcPts val="0"/>
+              </a:spcBef>
+              <a:buSzPct val="100000"/>
+              <a:defRPr sz="12000"/>
+            </a:lvl6pPr>
+            <a:lvl7pPr lvl="6" algn="ctr">
+              <a:spcBef>
+                <a:spcPts val="0"/>
+              </a:spcBef>
+              <a:buSzPct val="100000"/>
+              <a:defRPr sz="12000"/>
+            </a:lvl7pPr>
+            <a:lvl8pPr lvl="7" algn="ctr">
+              <a:spcBef>
+                <a:spcPts val="0"/>
+              </a:spcBef>
+              <a:buSzPct val="100000"/>
+              <a:defRPr sz="12000"/>
+            </a:lvl8pPr>
+            <a:lvl9pPr lvl="8" algn="ctr">
+              <a:spcBef>
+                <a:spcPts val="0"/>
+              </a:spcBef>
+              <a:buSzPct val="100000"/>
+              <a:defRPr sz="12000"/>
+            </a:lvl9pPr>
+          </a:lstStyle>
+          <a:p>
+            <a:endParaRPr/>
+          </a:p>
+        </p:txBody>
+      </p:sp>
+      <p:sp>
+        <p:nvSpPr>
+          <p:cNvPr id="46" name="Shape 46"/>
+          <p:cNvSpPr txBox="1">
+            <a:spLocks noGrp="1"/>
+          </p:cNvSpPr>
+          <p:nvPr>
+            <p:ph type="body" idx="1"/>
+          </p:nvPr>
+        </p:nvSpPr>
+        <p:spPr>
+          <a:xfrm>
+            <a:off x="311700" y="3152225"/>
+            <a:ext cx="8520600" cy="1300800"/>
+          </a:xfrm>
+          <a:prstGeom prst="rect">
+            <a:avLst/>
+          </a:prstGeom>
+        </p:spPr>
+        <p:txBody>
+          <a:bodyPr lIns="91425" tIns="91425" rIns="91425" bIns="91425" anchor="t" anchorCtr="0"/>
+          <a:lstStyle>
+            <a:lvl1pPr lvl="0" algn="ctr">
+              <a:spcBef>
+                <a:spcPts val="0"/>
+              </a:spcBef>
+              <a:defRPr/>
+            </a:lvl1pPr>
+            <a:lvl2pPr lvl="1" algn="ctr">
+              <a:spcBef>
+                <a:spcPts val="0"/>
+              </a:spcBef>
+              <a:defRPr/>
+            </a:lvl2pPr>
+            <a:lvl3pPr lvl="2" algn="ctr">
+              <a:spcBef>
+                <a:spcPts val="0"/>
+              </a:spcBef>
+              <a:defRPr/>
+            </a:lvl3pPr>
+            <a:lvl4pPr lvl="3" algn="ctr">
+              <a:spcBef>
+                <a:spcPts val="0"/>
+              </a:spcBef>
+              <a:defRPr/>
+            </a:lvl4pPr>
+            <a:lvl5pPr lvl="4" algn="ctr">
+              <a:spcBef>
+                <a:spcPts val="0"/>
+              </a:spcBef>
+              <a:defRPr/>
+            </a:lvl5pPr>
+            <a:lvl6pPr lvl="5" algn="ctr">
+              <a:spcBef>
+                <a:spcPts val="0"/>
+              </a:spcBef>
+              <a:defRPr/>
+            </a:lvl6pPr>
+            <a:lvl7pPr lvl="6" algn="ctr">
+              <a:spcBef>
+                <a:spcPts val="0"/>
+              </a:spcBef>
+              <a:defRPr/>
+            </a:lvl7pPr>
+            <a:lvl8pPr lvl="7" algn="ctr">
+              <a:spcBef>
+                <a:spcPts val="0"/>
+              </a:spcBef>
+              <a:defRPr/>
+            </a:lvl8pPr>
+            <a:lvl9pPr lvl="8" algn="ctr">
+              <a:spcBef>
+                <a:spcPts val="0"/>
+              </a:spcBef>
+              <a:defRPr/>
+            </a:lvl9pPr>
+          </a:lstStyle>
+          <a:p>
+            <a:endParaRPr/>
+          </a:p>
+        </p:txBody>
+      </p:sp>
+      <p:sp>
+        <p:nvSpPr>
+          <p:cNvPr id="47" name="Shape 47"/>
+          <p:cNvSpPr txBox="1">
+            <a:spLocks noGrp="1"/>
+          </p:cNvSpPr>
+          <p:nvPr>
+            <p:ph type="sldNum" idx="12"/>
           </p:nvPr>
         </p:nvSpPr>
         <p:spPr>
@@ -1788,7 +2017,7 @@
           </a:prstGeom>
         </p:spPr>
         <p:txBody>
-          <a:bodyPr anchorCtr="0" anchor="ctr" bIns="91425" lIns="91425" rIns="91425" tIns="91425">
+          <a:bodyPr lIns="91425" tIns="91425" rIns="91425" bIns="91425" anchor="ctr" anchorCtr="0">
             <a:noAutofit/>
           </a:bodyPr>
           <a:lstStyle/>
@@ -1803,6 +2032,7 @@
               <a:rPr lang="en"/>
               <a:t>‹#›</a:t>
             </a:fld>
+            <a:endParaRPr lang="en"/>
           </a:p>
         </p:txBody>
       </p:sp>
@@ -1814,12 +2044,12 @@
 </p:sldLayout>
 </file>
 
-<file path=ppt/slideLayouts/slideLayout2.xml><?xml version="1.0" encoding="utf-8"?>
-<p:sldLayout xmlns:a="http://schemas.openxmlformats.org/drawingml/2006/main" xmlns:r="http://schemas.openxmlformats.org/officeDocument/2006/relationships" xmlns:mc="http://schemas.openxmlformats.org/markup-compatibility/2006" xmlns:mv="urn:schemas-microsoft-com:mac:vml" xmlns:p="http://schemas.openxmlformats.org/presentationml/2006/main" xmlns:c="http://schemas.openxmlformats.org/drawingml/2006/chart" xmlns:dgm="http://schemas.openxmlformats.org/drawingml/2006/diagram" xmlns:o="urn:schemas-microsoft-com:office:office" xmlns:v="urn:schemas-microsoft-com:vml" xmlns:pvml="urn:schemas-microsoft-com:office:powerpoint" xmlns:com="http://schemas.openxmlformats.org/drawingml/2006/compatibility" xmlns:p14="http://schemas.microsoft.com/office/powerpoint/2010/main" type="secHead">
-  <p:cSld name="Section header">
+<file path=ppt/slideLayouts/slideLayout11.xml><?xml version="1.0" encoding="utf-8"?>
+<p:sldLayout xmlns:a="http://schemas.openxmlformats.org/drawingml/2006/main" xmlns:r="http://schemas.openxmlformats.org/officeDocument/2006/relationships" xmlns:p="http://schemas.openxmlformats.org/presentationml/2006/main" type="blank">
+  <p:cSld name="Blank">
     <p:spTree>
       <p:nvGrpSpPr>
-        <p:cNvPr id="13" name="Shape 13"/>
+        <p:cNvPr id="1" name="Shape 48"/>
         <p:cNvGrpSpPr/>
         <p:nvPr/>
       </p:nvGrpSpPr>
@@ -1833,97 +2063,12 @@
       </p:grpSpPr>
       <p:sp>
         <p:nvSpPr>
-          <p:cNvPr id="14" name="Shape 14"/>
-          <p:cNvSpPr txBox="1"/>
+          <p:cNvPr id="49" name="Shape 49"/>
+          <p:cNvSpPr txBox="1">
+            <a:spLocks noGrp="1"/>
+          </p:cNvSpPr>
           <p:nvPr>
-            <p:ph type="title"/>
-          </p:nvPr>
-        </p:nvSpPr>
-        <p:spPr>
-          <a:xfrm>
-            <a:off x="311700" y="2150850"/>
-            <a:ext cx="8520600" cy="841800"/>
-          </a:xfrm>
-          <a:prstGeom prst="rect">
-            <a:avLst/>
-          </a:prstGeom>
-        </p:spPr>
-        <p:txBody>
-          <a:bodyPr anchorCtr="0" anchor="ctr" bIns="91425" lIns="91425" rIns="91425" tIns="91425"/>
-          <a:lstStyle>
-            <a:lvl1pPr lvl="0" algn="ctr">
-              <a:spcBef>
-                <a:spcPts val="0"/>
-              </a:spcBef>
-              <a:buSzPct val="100000"/>
-              <a:defRPr sz="3600"/>
-            </a:lvl1pPr>
-            <a:lvl2pPr lvl="1" algn="ctr">
-              <a:spcBef>
-                <a:spcPts val="0"/>
-              </a:spcBef>
-              <a:buSzPct val="100000"/>
-              <a:defRPr sz="3600"/>
-            </a:lvl2pPr>
-            <a:lvl3pPr lvl="2" algn="ctr">
-              <a:spcBef>
-                <a:spcPts val="0"/>
-              </a:spcBef>
-              <a:buSzPct val="100000"/>
-              <a:defRPr sz="3600"/>
-            </a:lvl3pPr>
-            <a:lvl4pPr lvl="3" algn="ctr">
-              <a:spcBef>
-                <a:spcPts val="0"/>
-              </a:spcBef>
-              <a:buSzPct val="100000"/>
-              <a:defRPr sz="3600"/>
-            </a:lvl4pPr>
-            <a:lvl5pPr lvl="4" algn="ctr">
-              <a:spcBef>
-                <a:spcPts val="0"/>
-              </a:spcBef>
-              <a:buSzPct val="100000"/>
-              <a:defRPr sz="3600"/>
-            </a:lvl5pPr>
-            <a:lvl6pPr lvl="5" algn="ctr">
-              <a:spcBef>
-                <a:spcPts val="0"/>
-              </a:spcBef>
-              <a:buSzPct val="100000"/>
-              <a:defRPr sz="3600"/>
-            </a:lvl6pPr>
-            <a:lvl7pPr lvl="6" algn="ctr">
-              <a:spcBef>
-                <a:spcPts val="0"/>
-              </a:spcBef>
-              <a:buSzPct val="100000"/>
-              <a:defRPr sz="3600"/>
-            </a:lvl7pPr>
-            <a:lvl8pPr lvl="7" algn="ctr">
-              <a:spcBef>
-                <a:spcPts val="0"/>
-              </a:spcBef>
-              <a:buSzPct val="100000"/>
-              <a:defRPr sz="3600"/>
-            </a:lvl8pPr>
-            <a:lvl9pPr lvl="8" algn="ctr">
-              <a:spcBef>
-                <a:spcPts val="0"/>
-              </a:spcBef>
-              <a:buSzPct val="100000"/>
-              <a:defRPr sz="3600"/>
-            </a:lvl9pPr>
-          </a:lstStyle>
-          <a:p/>
-        </p:txBody>
-      </p:sp>
-      <p:sp>
-        <p:nvSpPr>
-          <p:cNvPr id="15" name="Shape 15"/>
-          <p:cNvSpPr txBox="1"/>
-          <p:nvPr>
-            <p:ph idx="12" type="sldNum"/>
+            <p:ph type="sldNum" idx="12"/>
           </p:nvPr>
         </p:nvSpPr>
         <p:spPr>
@@ -1936,7 +2081,7 @@
           </a:prstGeom>
         </p:spPr>
         <p:txBody>
-          <a:bodyPr anchorCtr="0" anchor="ctr" bIns="91425" lIns="91425" rIns="91425" tIns="91425">
+          <a:bodyPr lIns="91425" tIns="91425" rIns="91425" bIns="91425" anchor="ctr" anchorCtr="0">
             <a:noAutofit/>
           </a:bodyPr>
           <a:lstStyle/>
@@ -1951,6 +2096,7 @@
               <a:rPr lang="en"/>
               <a:t>‹#›</a:t>
             </a:fld>
+            <a:endParaRPr lang="en"/>
           </a:p>
         </p:txBody>
       </p:sp>
@@ -1962,12 +2108,12 @@
 </p:sldLayout>
 </file>
 
-<file path=ppt/slideLayouts/slideLayout3.xml><?xml version="1.0" encoding="utf-8"?>
-<p:sldLayout xmlns:a="http://schemas.openxmlformats.org/drawingml/2006/main" xmlns:r="http://schemas.openxmlformats.org/officeDocument/2006/relationships" xmlns:mc="http://schemas.openxmlformats.org/markup-compatibility/2006" xmlns:mv="urn:schemas-microsoft-com:mac:vml" xmlns:p="http://schemas.openxmlformats.org/presentationml/2006/main" xmlns:c="http://schemas.openxmlformats.org/drawingml/2006/chart" xmlns:dgm="http://schemas.openxmlformats.org/drawingml/2006/diagram" xmlns:o="urn:schemas-microsoft-com:office:office" xmlns:v="urn:schemas-microsoft-com:vml" xmlns:pvml="urn:schemas-microsoft-com:office:powerpoint" xmlns:com="http://schemas.openxmlformats.org/drawingml/2006/compatibility" xmlns:p14="http://schemas.microsoft.com/office/powerpoint/2010/main" type="tx">
-  <p:cSld name="Title and body">
+<file path=ppt/slideLayouts/slideLayout2.xml><?xml version="1.0" encoding="utf-8"?>
+<p:sldLayout xmlns:a="http://schemas.openxmlformats.org/drawingml/2006/main" xmlns:r="http://schemas.openxmlformats.org/officeDocument/2006/relationships" xmlns:p="http://schemas.openxmlformats.org/presentationml/2006/main" type="secHead">
+  <p:cSld name="Section header">
     <p:spTree>
       <p:nvGrpSpPr>
-        <p:cNvPr id="16" name="Shape 16"/>
+        <p:cNvPr id="1" name="Shape 13"/>
         <p:cNvGrpSpPr/>
         <p:nvPr/>
       </p:nvGrpSpPr>
@@ -1981,166 +2127,103 @@
       </p:grpSpPr>
       <p:sp>
         <p:nvSpPr>
-          <p:cNvPr id="17" name="Shape 17"/>
-          <p:cNvSpPr txBox="1"/>
+          <p:cNvPr id="14" name="Shape 14"/>
+          <p:cNvSpPr txBox="1">
+            <a:spLocks noGrp="1"/>
+          </p:cNvSpPr>
           <p:nvPr>
             <p:ph type="title"/>
           </p:nvPr>
         </p:nvSpPr>
         <p:spPr>
           <a:xfrm>
-            <a:off x="311700" y="445025"/>
-            <a:ext cx="8520600" cy="572700"/>
+            <a:off x="311700" y="2150850"/>
+            <a:ext cx="8520600" cy="841800"/>
           </a:xfrm>
           <a:prstGeom prst="rect">
             <a:avLst/>
           </a:prstGeom>
         </p:spPr>
         <p:txBody>
-          <a:bodyPr anchorCtr="0" anchor="t" bIns="91425" lIns="91425" rIns="91425" tIns="91425"/>
+          <a:bodyPr lIns="91425" tIns="91425" rIns="91425" bIns="91425" anchor="ctr" anchorCtr="0"/>
           <a:lstStyle>
-            <a:lvl1pPr lvl="0">
-              <a:spcBef>
-                <a:spcPts val="0"/>
-              </a:spcBef>
-              <a:defRPr/>
+            <a:lvl1pPr lvl="0" algn="ctr">
+              <a:spcBef>
+                <a:spcPts val="0"/>
+              </a:spcBef>
+              <a:buSzPct val="100000"/>
+              <a:defRPr sz="3600"/>
             </a:lvl1pPr>
-            <a:lvl2pPr lvl="1">
-              <a:spcBef>
-                <a:spcPts val="0"/>
-              </a:spcBef>
-              <a:defRPr/>
+            <a:lvl2pPr lvl="1" algn="ctr">
+              <a:spcBef>
+                <a:spcPts val="0"/>
+              </a:spcBef>
+              <a:buSzPct val="100000"/>
+              <a:defRPr sz="3600"/>
             </a:lvl2pPr>
-            <a:lvl3pPr lvl="2">
-              <a:spcBef>
-                <a:spcPts val="0"/>
-              </a:spcBef>
-              <a:defRPr/>
+            <a:lvl3pPr lvl="2" algn="ctr">
+              <a:spcBef>
+                <a:spcPts val="0"/>
+              </a:spcBef>
+              <a:buSzPct val="100000"/>
+              <a:defRPr sz="3600"/>
             </a:lvl3pPr>
-            <a:lvl4pPr lvl="3">
-              <a:spcBef>
-                <a:spcPts val="0"/>
-              </a:spcBef>
-              <a:defRPr/>
+            <a:lvl4pPr lvl="3" algn="ctr">
+              <a:spcBef>
+                <a:spcPts val="0"/>
+              </a:spcBef>
+              <a:buSzPct val="100000"/>
+              <a:defRPr sz="3600"/>
             </a:lvl4pPr>
-            <a:lvl5pPr lvl="4">
-              <a:spcBef>
-                <a:spcPts val="0"/>
-              </a:spcBef>
-              <a:defRPr/>
+            <a:lvl5pPr lvl="4" algn="ctr">
+              <a:spcBef>
+                <a:spcPts val="0"/>
+              </a:spcBef>
+              <a:buSzPct val="100000"/>
+              <a:defRPr sz="3600"/>
             </a:lvl5pPr>
-            <a:lvl6pPr lvl="5">
-              <a:spcBef>
-                <a:spcPts val="0"/>
-              </a:spcBef>
-              <a:defRPr/>
+            <a:lvl6pPr lvl="5" algn="ctr">
+              <a:spcBef>
+                <a:spcPts val="0"/>
+              </a:spcBef>
+              <a:buSzPct val="100000"/>
+              <a:defRPr sz="3600"/>
             </a:lvl6pPr>
-            <a:lvl7pPr lvl="6">
-              <a:spcBef>
-                <a:spcPts val="0"/>
-              </a:spcBef>
-              <a:defRPr/>
+            <a:lvl7pPr lvl="6" algn="ctr">
+              <a:spcBef>
+                <a:spcPts val="0"/>
+              </a:spcBef>
+              <a:buSzPct val="100000"/>
+              <a:defRPr sz="3600"/>
             </a:lvl7pPr>
-            <a:lvl8pPr lvl="7">
-              <a:spcBef>
-                <a:spcPts val="0"/>
-              </a:spcBef>
-              <a:defRPr/>
+            <a:lvl8pPr lvl="7" algn="ctr">
+              <a:spcBef>
+                <a:spcPts val="0"/>
+              </a:spcBef>
+              <a:buSzPct val="100000"/>
+              <a:defRPr sz="3600"/>
             </a:lvl8pPr>
-            <a:lvl9pPr lvl="8">
-              <a:spcBef>
-                <a:spcPts val="0"/>
-              </a:spcBef>
-              <a:defRPr/>
+            <a:lvl9pPr lvl="8" algn="ctr">
+              <a:spcBef>
+                <a:spcPts val="0"/>
+              </a:spcBef>
+              <a:buSzPct val="100000"/>
+              <a:defRPr sz="3600"/>
             </a:lvl9pPr>
           </a:lstStyle>
-          <a:p/>
+          <a:p>
+            <a:endParaRPr/>
+          </a:p>
         </p:txBody>
       </p:sp>
       <p:sp>
         <p:nvSpPr>
-          <p:cNvPr id="18" name="Shape 18"/>
-          <p:cNvSpPr txBox="1"/>
+          <p:cNvPr id="15" name="Shape 15"/>
+          <p:cNvSpPr txBox="1">
+            <a:spLocks noGrp="1"/>
+          </p:cNvSpPr>
           <p:nvPr>
-            <p:ph idx="1" type="body"/>
-          </p:nvPr>
-        </p:nvSpPr>
-        <p:spPr>
-          <a:xfrm>
-            <a:off x="311700" y="1152475"/>
-            <a:ext cx="8520600" cy="3416400"/>
-          </a:xfrm>
-          <a:prstGeom prst="rect">
-            <a:avLst/>
-          </a:prstGeom>
-        </p:spPr>
-        <p:txBody>
-          <a:bodyPr anchorCtr="0" anchor="t" bIns="91425" lIns="91425" rIns="91425" tIns="91425"/>
-          <a:lstStyle>
-            <a:lvl1pPr lvl="0">
-              <a:spcBef>
-                <a:spcPts val="0"/>
-              </a:spcBef>
-              <a:defRPr/>
-            </a:lvl1pPr>
-            <a:lvl2pPr lvl="1">
-              <a:spcBef>
-                <a:spcPts val="0"/>
-              </a:spcBef>
-              <a:defRPr/>
-            </a:lvl2pPr>
-            <a:lvl3pPr lvl="2">
-              <a:spcBef>
-                <a:spcPts val="0"/>
-              </a:spcBef>
-              <a:defRPr/>
-            </a:lvl3pPr>
-            <a:lvl4pPr lvl="3">
-              <a:spcBef>
-                <a:spcPts val="0"/>
-              </a:spcBef>
-              <a:defRPr/>
-            </a:lvl4pPr>
-            <a:lvl5pPr lvl="4">
-              <a:spcBef>
-                <a:spcPts val="0"/>
-              </a:spcBef>
-              <a:defRPr/>
-            </a:lvl5pPr>
-            <a:lvl6pPr lvl="5">
-              <a:spcBef>
-                <a:spcPts val="0"/>
-              </a:spcBef>
-              <a:defRPr/>
-            </a:lvl6pPr>
-            <a:lvl7pPr lvl="6">
-              <a:spcBef>
-                <a:spcPts val="0"/>
-              </a:spcBef>
-              <a:defRPr/>
-            </a:lvl7pPr>
-            <a:lvl8pPr lvl="7">
-              <a:spcBef>
-                <a:spcPts val="0"/>
-              </a:spcBef>
-              <a:defRPr/>
-            </a:lvl8pPr>
-            <a:lvl9pPr lvl="8">
-              <a:spcBef>
-                <a:spcPts val="0"/>
-              </a:spcBef>
-              <a:defRPr/>
-            </a:lvl9pPr>
-          </a:lstStyle>
-          <a:p/>
-        </p:txBody>
-      </p:sp>
-      <p:sp>
-        <p:nvSpPr>
-          <p:cNvPr id="19" name="Shape 19"/>
-          <p:cNvSpPr txBox="1"/>
-          <p:nvPr>
-            <p:ph idx="12" type="sldNum"/>
+            <p:ph type="sldNum" idx="12"/>
           </p:nvPr>
         </p:nvSpPr>
         <p:spPr>
@@ -2153,7 +2236,7 @@
           </a:prstGeom>
         </p:spPr>
         <p:txBody>
-          <a:bodyPr anchorCtr="0" anchor="ctr" bIns="91425" lIns="91425" rIns="91425" tIns="91425">
+          <a:bodyPr lIns="91425" tIns="91425" rIns="91425" bIns="91425" anchor="ctr" anchorCtr="0">
             <a:noAutofit/>
           </a:bodyPr>
           <a:lstStyle/>
@@ -2168,6 +2251,7 @@
               <a:rPr lang="en"/>
               <a:t>‹#›</a:t>
             </a:fld>
+            <a:endParaRPr lang="en"/>
           </a:p>
         </p:txBody>
       </p:sp>
@@ -2179,12 +2263,12 @@
 </p:sldLayout>
 </file>
 
-<file path=ppt/slideLayouts/slideLayout4.xml><?xml version="1.0" encoding="utf-8"?>
-<p:sldLayout xmlns:a="http://schemas.openxmlformats.org/drawingml/2006/main" xmlns:r="http://schemas.openxmlformats.org/officeDocument/2006/relationships" xmlns:mc="http://schemas.openxmlformats.org/markup-compatibility/2006" xmlns:mv="urn:schemas-microsoft-com:mac:vml" xmlns:p="http://schemas.openxmlformats.org/presentationml/2006/main" xmlns:c="http://schemas.openxmlformats.org/drawingml/2006/chart" xmlns:dgm="http://schemas.openxmlformats.org/drawingml/2006/diagram" xmlns:o="urn:schemas-microsoft-com:office:office" xmlns:v="urn:schemas-microsoft-com:vml" xmlns:pvml="urn:schemas-microsoft-com:office:powerpoint" xmlns:com="http://schemas.openxmlformats.org/drawingml/2006/compatibility" xmlns:p14="http://schemas.microsoft.com/office/powerpoint/2010/main" type="twoColTx">
-  <p:cSld name="Title and two columns">
+<file path=ppt/slideLayouts/slideLayout3.xml><?xml version="1.0" encoding="utf-8"?>
+<p:sldLayout xmlns:a="http://schemas.openxmlformats.org/drawingml/2006/main" xmlns:r="http://schemas.openxmlformats.org/officeDocument/2006/relationships" xmlns:p="http://schemas.openxmlformats.org/presentationml/2006/main" type="tx">
+  <p:cSld name="Title and body">
     <p:spTree>
       <p:nvGrpSpPr>
-        <p:cNvPr id="20" name="Shape 20"/>
+        <p:cNvPr id="1" name="Shape 16"/>
         <p:cNvGrpSpPr/>
         <p:nvPr/>
       </p:nvGrpSpPr>
@@ -2198,8 +2282,10 @@
       </p:grpSpPr>
       <p:sp>
         <p:nvSpPr>
-          <p:cNvPr id="21" name="Shape 21"/>
-          <p:cNvSpPr txBox="1"/>
+          <p:cNvPr id="17" name="Shape 17"/>
+          <p:cNvSpPr txBox="1">
+            <a:spLocks noGrp="1"/>
+          </p:cNvSpPr>
           <p:nvPr>
             <p:ph type="title"/>
           </p:nvPr>
@@ -2214,7 +2300,7 @@
           </a:prstGeom>
         </p:spPr>
         <p:txBody>
-          <a:bodyPr anchorCtr="0" anchor="t" bIns="91425" lIns="91425" rIns="91425" tIns="91425"/>
+          <a:bodyPr lIns="91425" tIns="91425" rIns="91425" bIns="91425" anchor="t" anchorCtr="0"/>
           <a:lstStyle>
             <a:lvl1pPr lvl="0">
               <a:spcBef>
@@ -2271,189 +2357,101 @@
               <a:defRPr/>
             </a:lvl9pPr>
           </a:lstStyle>
-          <a:p/>
+          <a:p>
+            <a:endParaRPr/>
+          </a:p>
         </p:txBody>
       </p:sp>
       <p:sp>
         <p:nvSpPr>
-          <p:cNvPr id="22" name="Shape 22"/>
-          <p:cNvSpPr txBox="1"/>
+          <p:cNvPr id="18" name="Shape 18"/>
+          <p:cNvSpPr txBox="1">
+            <a:spLocks noGrp="1"/>
+          </p:cNvSpPr>
           <p:nvPr>
-            <p:ph idx="1" type="body"/>
+            <p:ph type="body" idx="1"/>
           </p:nvPr>
         </p:nvSpPr>
         <p:spPr>
           <a:xfrm>
             <a:off x="311700" y="1152475"/>
-            <a:ext cx="3999900" cy="3416400"/>
+            <a:ext cx="8520600" cy="3416400"/>
           </a:xfrm>
           <a:prstGeom prst="rect">
             <a:avLst/>
           </a:prstGeom>
         </p:spPr>
         <p:txBody>
-          <a:bodyPr anchorCtr="0" anchor="t" bIns="91425" lIns="91425" rIns="91425" tIns="91425"/>
+          <a:bodyPr lIns="91425" tIns="91425" rIns="91425" bIns="91425" anchor="t" anchorCtr="0"/>
           <a:lstStyle>
             <a:lvl1pPr lvl="0">
               <a:spcBef>
                 <a:spcPts val="0"/>
               </a:spcBef>
-              <a:buSzPct val="100000"/>
-              <a:defRPr sz="1400"/>
+              <a:defRPr/>
             </a:lvl1pPr>
             <a:lvl2pPr lvl="1">
               <a:spcBef>
                 <a:spcPts val="0"/>
               </a:spcBef>
-              <a:buSzPct val="100000"/>
-              <a:defRPr sz="1200"/>
+              <a:defRPr/>
             </a:lvl2pPr>
             <a:lvl3pPr lvl="2">
               <a:spcBef>
                 <a:spcPts val="0"/>
               </a:spcBef>
-              <a:buSzPct val="100000"/>
-              <a:defRPr sz="1200"/>
+              <a:defRPr/>
             </a:lvl3pPr>
             <a:lvl4pPr lvl="3">
               <a:spcBef>
                 <a:spcPts val="0"/>
               </a:spcBef>
-              <a:buSzPct val="100000"/>
-              <a:defRPr sz="1200"/>
+              <a:defRPr/>
             </a:lvl4pPr>
             <a:lvl5pPr lvl="4">
               <a:spcBef>
                 <a:spcPts val="0"/>
               </a:spcBef>
-              <a:buSzPct val="100000"/>
-              <a:defRPr sz="1200"/>
+              <a:defRPr/>
             </a:lvl5pPr>
             <a:lvl6pPr lvl="5">
               <a:spcBef>
                 <a:spcPts val="0"/>
               </a:spcBef>
-              <a:buSzPct val="100000"/>
-              <a:defRPr sz="1200"/>
+              <a:defRPr/>
             </a:lvl6pPr>
             <a:lvl7pPr lvl="6">
               <a:spcBef>
                 <a:spcPts val="0"/>
               </a:spcBef>
-              <a:buSzPct val="100000"/>
-              <a:defRPr sz="1200"/>
+              <a:defRPr/>
             </a:lvl7pPr>
             <a:lvl8pPr lvl="7">
               <a:spcBef>
                 <a:spcPts val="0"/>
               </a:spcBef>
-              <a:buSzPct val="100000"/>
-              <a:defRPr sz="1200"/>
+              <a:defRPr/>
             </a:lvl8pPr>
             <a:lvl9pPr lvl="8">
               <a:spcBef>
                 <a:spcPts val="0"/>
               </a:spcBef>
-              <a:buSzPct val="100000"/>
-              <a:defRPr sz="1200"/>
+              <a:defRPr/>
             </a:lvl9pPr>
           </a:lstStyle>
-          <a:p/>
+          <a:p>
+            <a:endParaRPr/>
+          </a:p>
         </p:txBody>
       </p:sp>
       <p:sp>
         <p:nvSpPr>
-          <p:cNvPr id="23" name="Shape 23"/>
-          <p:cNvSpPr txBox="1"/>
+          <p:cNvPr id="19" name="Shape 19"/>
+          <p:cNvSpPr txBox="1">
+            <a:spLocks noGrp="1"/>
+          </p:cNvSpPr>
           <p:nvPr>
-            <p:ph idx="2" type="body"/>
-          </p:nvPr>
-        </p:nvSpPr>
-        <p:spPr>
-          <a:xfrm>
-            <a:off x="4832400" y="1152475"/>
-            <a:ext cx="3999900" cy="3416400"/>
-          </a:xfrm>
-          <a:prstGeom prst="rect">
-            <a:avLst/>
-          </a:prstGeom>
-        </p:spPr>
-        <p:txBody>
-          <a:bodyPr anchorCtr="0" anchor="t" bIns="91425" lIns="91425" rIns="91425" tIns="91425"/>
-          <a:lstStyle>
-            <a:lvl1pPr lvl="0">
-              <a:spcBef>
-                <a:spcPts val="0"/>
-              </a:spcBef>
-              <a:buSzPct val="100000"/>
-              <a:defRPr sz="1400"/>
-            </a:lvl1pPr>
-            <a:lvl2pPr lvl="1">
-              <a:spcBef>
-                <a:spcPts val="0"/>
-              </a:spcBef>
-              <a:buSzPct val="100000"/>
-              <a:defRPr sz="1200"/>
-            </a:lvl2pPr>
-            <a:lvl3pPr lvl="2">
-              <a:spcBef>
-                <a:spcPts val="0"/>
-              </a:spcBef>
-              <a:buSzPct val="100000"/>
-              <a:defRPr sz="1200"/>
-            </a:lvl3pPr>
-            <a:lvl4pPr lvl="3">
-              <a:spcBef>
-                <a:spcPts val="0"/>
-              </a:spcBef>
-              <a:buSzPct val="100000"/>
-              <a:defRPr sz="1200"/>
-            </a:lvl4pPr>
-            <a:lvl5pPr lvl="4">
-              <a:spcBef>
-                <a:spcPts val="0"/>
-              </a:spcBef>
-              <a:buSzPct val="100000"/>
-              <a:defRPr sz="1200"/>
-            </a:lvl5pPr>
-            <a:lvl6pPr lvl="5">
-              <a:spcBef>
-                <a:spcPts val="0"/>
-              </a:spcBef>
-              <a:buSzPct val="100000"/>
-              <a:defRPr sz="1200"/>
-            </a:lvl6pPr>
-            <a:lvl7pPr lvl="6">
-              <a:spcBef>
-                <a:spcPts val="0"/>
-              </a:spcBef>
-              <a:buSzPct val="100000"/>
-              <a:defRPr sz="1200"/>
-            </a:lvl7pPr>
-            <a:lvl8pPr lvl="7">
-              <a:spcBef>
-                <a:spcPts val="0"/>
-              </a:spcBef>
-              <a:buSzPct val="100000"/>
-              <a:defRPr sz="1200"/>
-            </a:lvl8pPr>
-            <a:lvl9pPr lvl="8">
-              <a:spcBef>
-                <a:spcPts val="0"/>
-              </a:spcBef>
-              <a:buSzPct val="100000"/>
-              <a:defRPr sz="1200"/>
-            </a:lvl9pPr>
-          </a:lstStyle>
-          <a:p/>
-        </p:txBody>
-      </p:sp>
-      <p:sp>
-        <p:nvSpPr>
-          <p:cNvPr id="24" name="Shape 24"/>
-          <p:cNvSpPr txBox="1"/>
-          <p:nvPr>
-            <p:ph idx="12" type="sldNum"/>
+            <p:ph type="sldNum" idx="12"/>
           </p:nvPr>
         </p:nvSpPr>
         <p:spPr>
@@ -2466,7 +2464,7 @@
           </a:prstGeom>
         </p:spPr>
         <p:txBody>
-          <a:bodyPr anchorCtr="0" anchor="ctr" bIns="91425" lIns="91425" rIns="91425" tIns="91425">
+          <a:bodyPr lIns="91425" tIns="91425" rIns="91425" bIns="91425" anchor="ctr" anchorCtr="0">
             <a:noAutofit/>
           </a:bodyPr>
           <a:lstStyle/>
@@ -2481,6 +2479,7 @@
               <a:rPr lang="en"/>
               <a:t>‹#›</a:t>
             </a:fld>
+            <a:endParaRPr lang="en"/>
           </a:p>
         </p:txBody>
       </p:sp>
@@ -2492,12 +2491,12 @@
 </p:sldLayout>
 </file>
 
-<file path=ppt/slideLayouts/slideLayout5.xml><?xml version="1.0" encoding="utf-8"?>
-<p:sldLayout xmlns:a="http://schemas.openxmlformats.org/drawingml/2006/main" xmlns:r="http://schemas.openxmlformats.org/officeDocument/2006/relationships" xmlns:mc="http://schemas.openxmlformats.org/markup-compatibility/2006" xmlns:mv="urn:schemas-microsoft-com:mac:vml" xmlns:p="http://schemas.openxmlformats.org/presentationml/2006/main" xmlns:c="http://schemas.openxmlformats.org/drawingml/2006/chart" xmlns:dgm="http://schemas.openxmlformats.org/drawingml/2006/diagram" xmlns:o="urn:schemas-microsoft-com:office:office" xmlns:v="urn:schemas-microsoft-com:vml" xmlns:pvml="urn:schemas-microsoft-com:office:powerpoint" xmlns:com="http://schemas.openxmlformats.org/drawingml/2006/compatibility" xmlns:p14="http://schemas.microsoft.com/office/powerpoint/2010/main" type="titleOnly">
-  <p:cSld name="Title only">
+<file path=ppt/slideLayouts/slideLayout4.xml><?xml version="1.0" encoding="utf-8"?>
+<p:sldLayout xmlns:a="http://schemas.openxmlformats.org/drawingml/2006/main" xmlns:r="http://schemas.openxmlformats.org/officeDocument/2006/relationships" xmlns:p="http://schemas.openxmlformats.org/presentationml/2006/main" type="twoColTx">
+  <p:cSld name="Title and two columns">
     <p:spTree>
       <p:nvGrpSpPr>
-        <p:cNvPr id="25" name="Shape 25"/>
+        <p:cNvPr id="1" name="Shape 20"/>
         <p:cNvGrpSpPr/>
         <p:nvPr/>
       </p:nvGrpSpPr>
@@ -2511,8 +2510,10 @@
       </p:grpSpPr>
       <p:sp>
         <p:nvSpPr>
-          <p:cNvPr id="26" name="Shape 26"/>
-          <p:cNvSpPr txBox="1"/>
+          <p:cNvPr id="21" name="Shape 21"/>
+          <p:cNvSpPr txBox="1">
+            <a:spLocks noGrp="1"/>
+          </p:cNvSpPr>
           <p:nvPr>
             <p:ph type="title"/>
           </p:nvPr>
@@ -2527,7 +2528,7 @@
           </a:prstGeom>
         </p:spPr>
         <p:txBody>
-          <a:bodyPr anchorCtr="0" anchor="t" bIns="91425" lIns="91425" rIns="91425" tIns="91425"/>
+          <a:bodyPr lIns="91425" tIns="91425" rIns="91425" bIns="91425" anchor="t" anchorCtr="0"/>
           <a:lstStyle>
             <a:lvl1pPr lvl="0">
               <a:spcBef>
@@ -2584,15 +2585,201 @@
               <a:defRPr/>
             </a:lvl9pPr>
           </a:lstStyle>
-          <a:p/>
+          <a:p>
+            <a:endParaRPr/>
+          </a:p>
         </p:txBody>
       </p:sp>
       <p:sp>
         <p:nvSpPr>
-          <p:cNvPr id="27" name="Shape 27"/>
-          <p:cNvSpPr txBox="1"/>
+          <p:cNvPr id="22" name="Shape 22"/>
+          <p:cNvSpPr txBox="1">
+            <a:spLocks noGrp="1"/>
+          </p:cNvSpPr>
           <p:nvPr>
-            <p:ph idx="12" type="sldNum"/>
+            <p:ph type="body" idx="1"/>
+          </p:nvPr>
+        </p:nvSpPr>
+        <p:spPr>
+          <a:xfrm>
+            <a:off x="311700" y="1152475"/>
+            <a:ext cx="3999900" cy="3416400"/>
+          </a:xfrm>
+          <a:prstGeom prst="rect">
+            <a:avLst/>
+          </a:prstGeom>
+        </p:spPr>
+        <p:txBody>
+          <a:bodyPr lIns="91425" tIns="91425" rIns="91425" bIns="91425" anchor="t" anchorCtr="0"/>
+          <a:lstStyle>
+            <a:lvl1pPr lvl="0">
+              <a:spcBef>
+                <a:spcPts val="0"/>
+              </a:spcBef>
+              <a:buSzPct val="100000"/>
+              <a:defRPr sz="1400"/>
+            </a:lvl1pPr>
+            <a:lvl2pPr lvl="1">
+              <a:spcBef>
+                <a:spcPts val="0"/>
+              </a:spcBef>
+              <a:buSzPct val="100000"/>
+              <a:defRPr sz="1200"/>
+            </a:lvl2pPr>
+            <a:lvl3pPr lvl="2">
+              <a:spcBef>
+                <a:spcPts val="0"/>
+              </a:spcBef>
+              <a:buSzPct val="100000"/>
+              <a:defRPr sz="1200"/>
+            </a:lvl3pPr>
+            <a:lvl4pPr lvl="3">
+              <a:spcBef>
+                <a:spcPts val="0"/>
+              </a:spcBef>
+              <a:buSzPct val="100000"/>
+              <a:defRPr sz="1200"/>
+            </a:lvl4pPr>
+            <a:lvl5pPr lvl="4">
+              <a:spcBef>
+                <a:spcPts val="0"/>
+              </a:spcBef>
+              <a:buSzPct val="100000"/>
+              <a:defRPr sz="1200"/>
+            </a:lvl5pPr>
+            <a:lvl6pPr lvl="5">
+              <a:spcBef>
+                <a:spcPts val="0"/>
+              </a:spcBef>
+              <a:buSzPct val="100000"/>
+              <a:defRPr sz="1200"/>
+            </a:lvl6pPr>
+            <a:lvl7pPr lvl="6">
+              <a:spcBef>
+                <a:spcPts val="0"/>
+              </a:spcBef>
+              <a:buSzPct val="100000"/>
+              <a:defRPr sz="1200"/>
+            </a:lvl7pPr>
+            <a:lvl8pPr lvl="7">
+              <a:spcBef>
+                <a:spcPts val="0"/>
+              </a:spcBef>
+              <a:buSzPct val="100000"/>
+              <a:defRPr sz="1200"/>
+            </a:lvl8pPr>
+            <a:lvl9pPr lvl="8">
+              <a:spcBef>
+                <a:spcPts val="0"/>
+              </a:spcBef>
+              <a:buSzPct val="100000"/>
+              <a:defRPr sz="1200"/>
+            </a:lvl9pPr>
+          </a:lstStyle>
+          <a:p>
+            <a:endParaRPr/>
+          </a:p>
+        </p:txBody>
+      </p:sp>
+      <p:sp>
+        <p:nvSpPr>
+          <p:cNvPr id="23" name="Shape 23"/>
+          <p:cNvSpPr txBox="1">
+            <a:spLocks noGrp="1"/>
+          </p:cNvSpPr>
+          <p:nvPr>
+            <p:ph type="body" idx="2"/>
+          </p:nvPr>
+        </p:nvSpPr>
+        <p:spPr>
+          <a:xfrm>
+            <a:off x="4832400" y="1152475"/>
+            <a:ext cx="3999900" cy="3416400"/>
+          </a:xfrm>
+          <a:prstGeom prst="rect">
+            <a:avLst/>
+          </a:prstGeom>
+        </p:spPr>
+        <p:txBody>
+          <a:bodyPr lIns="91425" tIns="91425" rIns="91425" bIns="91425" anchor="t" anchorCtr="0"/>
+          <a:lstStyle>
+            <a:lvl1pPr lvl="0">
+              <a:spcBef>
+                <a:spcPts val="0"/>
+              </a:spcBef>
+              <a:buSzPct val="100000"/>
+              <a:defRPr sz="1400"/>
+            </a:lvl1pPr>
+            <a:lvl2pPr lvl="1">
+              <a:spcBef>
+                <a:spcPts val="0"/>
+              </a:spcBef>
+              <a:buSzPct val="100000"/>
+              <a:defRPr sz="1200"/>
+            </a:lvl2pPr>
+            <a:lvl3pPr lvl="2">
+              <a:spcBef>
+                <a:spcPts val="0"/>
+              </a:spcBef>
+              <a:buSzPct val="100000"/>
+              <a:defRPr sz="1200"/>
+            </a:lvl3pPr>
+            <a:lvl4pPr lvl="3">
+              <a:spcBef>
+                <a:spcPts val="0"/>
+              </a:spcBef>
+              <a:buSzPct val="100000"/>
+              <a:defRPr sz="1200"/>
+            </a:lvl4pPr>
+            <a:lvl5pPr lvl="4">
+              <a:spcBef>
+                <a:spcPts val="0"/>
+              </a:spcBef>
+              <a:buSzPct val="100000"/>
+              <a:defRPr sz="1200"/>
+            </a:lvl5pPr>
+            <a:lvl6pPr lvl="5">
+              <a:spcBef>
+                <a:spcPts val="0"/>
+              </a:spcBef>
+              <a:buSzPct val="100000"/>
+              <a:defRPr sz="1200"/>
+            </a:lvl6pPr>
+            <a:lvl7pPr lvl="6">
+              <a:spcBef>
+                <a:spcPts val="0"/>
+              </a:spcBef>
+              <a:buSzPct val="100000"/>
+              <a:defRPr sz="1200"/>
+            </a:lvl7pPr>
+            <a:lvl8pPr lvl="7">
+              <a:spcBef>
+                <a:spcPts val="0"/>
+              </a:spcBef>
+              <a:buSzPct val="100000"/>
+              <a:defRPr sz="1200"/>
+            </a:lvl8pPr>
+            <a:lvl9pPr lvl="8">
+              <a:spcBef>
+                <a:spcPts val="0"/>
+              </a:spcBef>
+              <a:buSzPct val="100000"/>
+              <a:defRPr sz="1200"/>
+            </a:lvl9pPr>
+          </a:lstStyle>
+          <a:p>
+            <a:endParaRPr/>
+          </a:p>
+        </p:txBody>
+      </p:sp>
+      <p:sp>
+        <p:nvSpPr>
+          <p:cNvPr id="24" name="Shape 24"/>
+          <p:cNvSpPr txBox="1">
+            <a:spLocks noGrp="1"/>
+          </p:cNvSpPr>
+          <p:nvPr>
+            <p:ph type="sldNum" idx="12"/>
           </p:nvPr>
         </p:nvSpPr>
         <p:spPr>
@@ -2605,7 +2792,7 @@
           </a:prstGeom>
         </p:spPr>
         <p:txBody>
-          <a:bodyPr anchorCtr="0" anchor="ctr" bIns="91425" lIns="91425" rIns="91425" tIns="91425">
+          <a:bodyPr lIns="91425" tIns="91425" rIns="91425" bIns="91425" anchor="ctr" anchorCtr="0">
             <a:noAutofit/>
           </a:bodyPr>
           <a:lstStyle/>
@@ -2620,6 +2807,7 @@
               <a:rPr lang="en"/>
               <a:t>‹#›</a:t>
             </a:fld>
+            <a:endParaRPr lang="en"/>
           </a:p>
         </p:txBody>
       </p:sp>
@@ -2631,12 +2819,12 @@
 </p:sldLayout>
 </file>
 
-<file path=ppt/slideLayouts/slideLayout6.xml><?xml version="1.0" encoding="utf-8"?>
-<p:sldLayout xmlns:a="http://schemas.openxmlformats.org/drawingml/2006/main" xmlns:r="http://schemas.openxmlformats.org/officeDocument/2006/relationships" xmlns:mc="http://schemas.openxmlformats.org/markup-compatibility/2006" xmlns:mv="urn:schemas-microsoft-com:mac:vml" xmlns:p="http://schemas.openxmlformats.org/presentationml/2006/main" xmlns:c="http://schemas.openxmlformats.org/drawingml/2006/chart" xmlns:dgm="http://schemas.openxmlformats.org/drawingml/2006/diagram" xmlns:o="urn:schemas-microsoft-com:office:office" xmlns:v="urn:schemas-microsoft-com:vml" xmlns:pvml="urn:schemas-microsoft-com:office:powerpoint" xmlns:com="http://schemas.openxmlformats.org/drawingml/2006/compatibility" xmlns:p14="http://schemas.microsoft.com/office/powerpoint/2010/main">
-  <p:cSld name="One column text">
+<file path=ppt/slideLayouts/slideLayout5.xml><?xml version="1.0" encoding="utf-8"?>
+<p:sldLayout xmlns:a="http://schemas.openxmlformats.org/drawingml/2006/main" xmlns:r="http://schemas.openxmlformats.org/officeDocument/2006/relationships" xmlns:p="http://schemas.openxmlformats.org/presentationml/2006/main" type="titleOnly">
+  <p:cSld name="Title only">
     <p:spTree>
       <p:nvGrpSpPr>
-        <p:cNvPr id="28" name="Shape 28"/>
+        <p:cNvPr id="1" name="Shape 25"/>
         <p:cNvGrpSpPr/>
         <p:nvPr/>
       </p:nvGrpSpPr>
@@ -2650,184 +2838,94 @@
       </p:grpSpPr>
       <p:sp>
         <p:nvSpPr>
-          <p:cNvPr id="29" name="Shape 29"/>
-          <p:cNvSpPr txBox="1"/>
+          <p:cNvPr id="26" name="Shape 26"/>
+          <p:cNvSpPr txBox="1">
+            <a:spLocks noGrp="1"/>
+          </p:cNvSpPr>
           <p:nvPr>
             <p:ph type="title"/>
           </p:nvPr>
         </p:nvSpPr>
         <p:spPr>
           <a:xfrm>
-            <a:off x="311700" y="555600"/>
-            <a:ext cx="2808000" cy="755700"/>
+            <a:off x="311700" y="445025"/>
+            <a:ext cx="8520600" cy="572700"/>
           </a:xfrm>
           <a:prstGeom prst="rect">
             <a:avLst/>
           </a:prstGeom>
         </p:spPr>
         <p:txBody>
-          <a:bodyPr anchorCtr="0" anchor="b" bIns="91425" lIns="91425" rIns="91425" tIns="91425"/>
+          <a:bodyPr lIns="91425" tIns="91425" rIns="91425" bIns="91425" anchor="t" anchorCtr="0"/>
           <a:lstStyle>
             <a:lvl1pPr lvl="0">
               <a:spcBef>
                 <a:spcPts val="0"/>
               </a:spcBef>
-              <a:buSzPct val="100000"/>
-              <a:defRPr sz="2400"/>
+              <a:defRPr/>
             </a:lvl1pPr>
             <a:lvl2pPr lvl="1">
               <a:spcBef>
                 <a:spcPts val="0"/>
               </a:spcBef>
-              <a:buSzPct val="100000"/>
-              <a:defRPr sz="2400"/>
+              <a:defRPr/>
             </a:lvl2pPr>
             <a:lvl3pPr lvl="2">
               <a:spcBef>
                 <a:spcPts val="0"/>
               </a:spcBef>
-              <a:buSzPct val="100000"/>
-              <a:defRPr sz="2400"/>
+              <a:defRPr/>
             </a:lvl3pPr>
             <a:lvl4pPr lvl="3">
               <a:spcBef>
                 <a:spcPts val="0"/>
               </a:spcBef>
-              <a:buSzPct val="100000"/>
-              <a:defRPr sz="2400"/>
+              <a:defRPr/>
             </a:lvl4pPr>
             <a:lvl5pPr lvl="4">
               <a:spcBef>
                 <a:spcPts val="0"/>
               </a:spcBef>
-              <a:buSzPct val="100000"/>
-              <a:defRPr sz="2400"/>
+              <a:defRPr/>
             </a:lvl5pPr>
             <a:lvl6pPr lvl="5">
               <a:spcBef>
                 <a:spcPts val="0"/>
               </a:spcBef>
-              <a:buSzPct val="100000"/>
-              <a:defRPr sz="2400"/>
+              <a:defRPr/>
             </a:lvl6pPr>
             <a:lvl7pPr lvl="6">
               <a:spcBef>
                 <a:spcPts val="0"/>
               </a:spcBef>
-              <a:buSzPct val="100000"/>
-              <a:defRPr sz="2400"/>
+              <a:defRPr/>
             </a:lvl7pPr>
             <a:lvl8pPr lvl="7">
               <a:spcBef>
                 <a:spcPts val="0"/>
               </a:spcBef>
-              <a:buSzPct val="100000"/>
-              <a:defRPr sz="2400"/>
+              <a:defRPr/>
             </a:lvl8pPr>
             <a:lvl9pPr lvl="8">
               <a:spcBef>
                 <a:spcPts val="0"/>
               </a:spcBef>
-              <a:buSzPct val="100000"/>
-              <a:defRPr sz="2400"/>
+              <a:defRPr/>
             </a:lvl9pPr>
           </a:lstStyle>
-          <a:p/>
+          <a:p>
+            <a:endParaRPr/>
+          </a:p>
         </p:txBody>
       </p:sp>
       <p:sp>
         <p:nvSpPr>
-          <p:cNvPr id="30" name="Shape 30"/>
-          <p:cNvSpPr txBox="1"/>
+          <p:cNvPr id="27" name="Shape 27"/>
+          <p:cNvSpPr txBox="1">
+            <a:spLocks noGrp="1"/>
+          </p:cNvSpPr>
           <p:nvPr>
-            <p:ph idx="1" type="body"/>
-          </p:nvPr>
-        </p:nvSpPr>
-        <p:spPr>
-          <a:xfrm>
-            <a:off x="311700" y="1389600"/>
-            <a:ext cx="2808000" cy="3179400"/>
-          </a:xfrm>
-          <a:prstGeom prst="rect">
-            <a:avLst/>
-          </a:prstGeom>
-        </p:spPr>
-        <p:txBody>
-          <a:bodyPr anchorCtr="0" anchor="t" bIns="91425" lIns="91425" rIns="91425" tIns="91425"/>
-          <a:lstStyle>
-            <a:lvl1pPr lvl="0">
-              <a:spcBef>
-                <a:spcPts val="0"/>
-              </a:spcBef>
-              <a:buSzPct val="100000"/>
-              <a:defRPr sz="1200"/>
-            </a:lvl1pPr>
-            <a:lvl2pPr lvl="1">
-              <a:spcBef>
-                <a:spcPts val="0"/>
-              </a:spcBef>
-              <a:buSzPct val="100000"/>
-              <a:defRPr sz="1200"/>
-            </a:lvl2pPr>
-            <a:lvl3pPr lvl="2">
-              <a:spcBef>
-                <a:spcPts val="0"/>
-              </a:spcBef>
-              <a:buSzPct val="100000"/>
-              <a:defRPr sz="1200"/>
-            </a:lvl3pPr>
-            <a:lvl4pPr lvl="3">
-              <a:spcBef>
-                <a:spcPts val="0"/>
-              </a:spcBef>
-              <a:buSzPct val="100000"/>
-              <a:defRPr sz="1200"/>
-            </a:lvl4pPr>
-            <a:lvl5pPr lvl="4">
-              <a:spcBef>
-                <a:spcPts val="0"/>
-              </a:spcBef>
-              <a:buSzPct val="100000"/>
-              <a:defRPr sz="1200"/>
-            </a:lvl5pPr>
-            <a:lvl6pPr lvl="5">
-              <a:spcBef>
-                <a:spcPts val="0"/>
-              </a:spcBef>
-              <a:buSzPct val="100000"/>
-              <a:defRPr sz="1200"/>
-            </a:lvl6pPr>
-            <a:lvl7pPr lvl="6">
-              <a:spcBef>
-                <a:spcPts val="0"/>
-              </a:spcBef>
-              <a:buSzPct val="100000"/>
-              <a:defRPr sz="1200"/>
-            </a:lvl7pPr>
-            <a:lvl8pPr lvl="7">
-              <a:spcBef>
-                <a:spcPts val="0"/>
-              </a:spcBef>
-              <a:buSzPct val="100000"/>
-              <a:defRPr sz="1200"/>
-            </a:lvl8pPr>
-            <a:lvl9pPr lvl="8">
-              <a:spcBef>
-                <a:spcPts val="0"/>
-              </a:spcBef>
-              <a:buSzPct val="100000"/>
-              <a:defRPr sz="1200"/>
-            </a:lvl9pPr>
-          </a:lstStyle>
-          <a:p/>
-        </p:txBody>
-      </p:sp>
-      <p:sp>
-        <p:nvSpPr>
-          <p:cNvPr id="31" name="Shape 31"/>
-          <p:cNvSpPr txBox="1"/>
-          <p:nvPr>
-            <p:ph idx="12" type="sldNum"/>
+            <p:ph type="sldNum" idx="12"/>
           </p:nvPr>
         </p:nvSpPr>
         <p:spPr>
@@ -2840,7 +2938,7 @@
           </a:prstGeom>
         </p:spPr>
         <p:txBody>
-          <a:bodyPr anchorCtr="0" anchor="ctr" bIns="91425" lIns="91425" rIns="91425" tIns="91425">
+          <a:bodyPr lIns="91425" tIns="91425" rIns="91425" bIns="91425" anchor="ctr" anchorCtr="0">
             <a:noAutofit/>
           </a:bodyPr>
           <a:lstStyle/>
@@ -2855,6 +2953,7 @@
               <a:rPr lang="en"/>
               <a:t>‹#›</a:t>
             </a:fld>
+            <a:endParaRPr lang="en"/>
           </a:p>
         </p:txBody>
       </p:sp>
@@ -2866,12 +2965,12 @@
 </p:sldLayout>
 </file>
 
-<file path=ppt/slideLayouts/slideLayout7.xml><?xml version="1.0" encoding="utf-8"?>
-<p:sldLayout xmlns:a="http://schemas.openxmlformats.org/drawingml/2006/main" xmlns:r="http://schemas.openxmlformats.org/officeDocument/2006/relationships" xmlns:mc="http://schemas.openxmlformats.org/markup-compatibility/2006" xmlns:mv="urn:schemas-microsoft-com:mac:vml" xmlns:p="http://schemas.openxmlformats.org/presentationml/2006/main" xmlns:c="http://schemas.openxmlformats.org/drawingml/2006/chart" xmlns:dgm="http://schemas.openxmlformats.org/drawingml/2006/diagram" xmlns:o="urn:schemas-microsoft-com:office:office" xmlns:v="urn:schemas-microsoft-com:vml" xmlns:pvml="urn:schemas-microsoft-com:office:powerpoint" xmlns:com="http://schemas.openxmlformats.org/drawingml/2006/compatibility" xmlns:p14="http://schemas.microsoft.com/office/powerpoint/2010/main">
-  <p:cSld name="Main point">
+<file path=ppt/slideLayouts/slideLayout6.xml><?xml version="1.0" encoding="utf-8"?>
+<p:sldLayout xmlns:a="http://schemas.openxmlformats.org/drawingml/2006/main" xmlns:r="http://schemas.openxmlformats.org/officeDocument/2006/relationships" xmlns:p="http://schemas.openxmlformats.org/presentationml/2006/main">
+  <p:cSld name="One column text">
     <p:spTree>
       <p:nvGrpSpPr>
-        <p:cNvPr id="32" name="Shape 32"/>
+        <p:cNvPr id="1" name="Shape 28"/>
         <p:cNvGrpSpPr/>
         <p:nvPr/>
       </p:nvGrpSpPr>
@@ -2885,97 +2984,194 @@
       </p:grpSpPr>
       <p:sp>
         <p:nvSpPr>
-          <p:cNvPr id="33" name="Shape 33"/>
-          <p:cNvSpPr txBox="1"/>
+          <p:cNvPr id="29" name="Shape 29"/>
+          <p:cNvSpPr txBox="1">
+            <a:spLocks noGrp="1"/>
+          </p:cNvSpPr>
           <p:nvPr>
             <p:ph type="title"/>
           </p:nvPr>
         </p:nvSpPr>
         <p:spPr>
           <a:xfrm>
-            <a:off x="490250" y="450150"/>
-            <a:ext cx="6367800" cy="4090800"/>
+            <a:off x="311700" y="555600"/>
+            <a:ext cx="2808000" cy="755700"/>
           </a:xfrm>
           <a:prstGeom prst="rect">
             <a:avLst/>
           </a:prstGeom>
         </p:spPr>
         <p:txBody>
-          <a:bodyPr anchorCtr="0" anchor="ctr" bIns="91425" lIns="91425" rIns="91425" tIns="91425"/>
+          <a:bodyPr lIns="91425" tIns="91425" rIns="91425" bIns="91425" anchor="b" anchorCtr="0"/>
           <a:lstStyle>
             <a:lvl1pPr lvl="0">
               <a:spcBef>
                 <a:spcPts val="0"/>
               </a:spcBef>
               <a:buSzPct val="100000"/>
-              <a:defRPr sz="4800"/>
+              <a:defRPr sz="2400"/>
             </a:lvl1pPr>
             <a:lvl2pPr lvl="1">
               <a:spcBef>
                 <a:spcPts val="0"/>
               </a:spcBef>
               <a:buSzPct val="100000"/>
-              <a:defRPr sz="4800"/>
+              <a:defRPr sz="2400"/>
             </a:lvl2pPr>
             <a:lvl3pPr lvl="2">
               <a:spcBef>
                 <a:spcPts val="0"/>
               </a:spcBef>
               <a:buSzPct val="100000"/>
-              <a:defRPr sz="4800"/>
+              <a:defRPr sz="2400"/>
             </a:lvl3pPr>
             <a:lvl4pPr lvl="3">
               <a:spcBef>
                 <a:spcPts val="0"/>
               </a:spcBef>
               <a:buSzPct val="100000"/>
-              <a:defRPr sz="4800"/>
+              <a:defRPr sz="2400"/>
             </a:lvl4pPr>
             <a:lvl5pPr lvl="4">
               <a:spcBef>
                 <a:spcPts val="0"/>
               </a:spcBef>
               <a:buSzPct val="100000"/>
-              <a:defRPr sz="4800"/>
+              <a:defRPr sz="2400"/>
             </a:lvl5pPr>
             <a:lvl6pPr lvl="5">
               <a:spcBef>
                 <a:spcPts val="0"/>
               </a:spcBef>
               <a:buSzPct val="100000"/>
-              <a:defRPr sz="4800"/>
+              <a:defRPr sz="2400"/>
             </a:lvl6pPr>
             <a:lvl7pPr lvl="6">
               <a:spcBef>
                 <a:spcPts val="0"/>
               </a:spcBef>
               <a:buSzPct val="100000"/>
-              <a:defRPr sz="4800"/>
+              <a:defRPr sz="2400"/>
             </a:lvl7pPr>
             <a:lvl8pPr lvl="7">
               <a:spcBef>
                 <a:spcPts val="0"/>
               </a:spcBef>
               <a:buSzPct val="100000"/>
-              <a:defRPr sz="4800"/>
+              <a:defRPr sz="2400"/>
             </a:lvl8pPr>
             <a:lvl9pPr lvl="8">
               <a:spcBef>
                 <a:spcPts val="0"/>
               </a:spcBef>
               <a:buSzPct val="100000"/>
-              <a:defRPr sz="4800"/>
+              <a:defRPr sz="2400"/>
             </a:lvl9pPr>
           </a:lstStyle>
-          <a:p/>
+          <a:p>
+            <a:endParaRPr/>
+          </a:p>
         </p:txBody>
       </p:sp>
       <p:sp>
         <p:nvSpPr>
-          <p:cNvPr id="34" name="Shape 34"/>
-          <p:cNvSpPr txBox="1"/>
+          <p:cNvPr id="30" name="Shape 30"/>
+          <p:cNvSpPr txBox="1">
+            <a:spLocks noGrp="1"/>
+          </p:cNvSpPr>
           <p:nvPr>
-            <p:ph idx="12" type="sldNum"/>
+            <p:ph type="body" idx="1"/>
+          </p:nvPr>
+        </p:nvSpPr>
+        <p:spPr>
+          <a:xfrm>
+            <a:off x="311700" y="1389600"/>
+            <a:ext cx="2808000" cy="3179400"/>
+          </a:xfrm>
+          <a:prstGeom prst="rect">
+            <a:avLst/>
+          </a:prstGeom>
+        </p:spPr>
+        <p:txBody>
+          <a:bodyPr lIns="91425" tIns="91425" rIns="91425" bIns="91425" anchor="t" anchorCtr="0"/>
+          <a:lstStyle>
+            <a:lvl1pPr lvl="0">
+              <a:spcBef>
+                <a:spcPts val="0"/>
+              </a:spcBef>
+              <a:buSzPct val="100000"/>
+              <a:defRPr sz="1200"/>
+            </a:lvl1pPr>
+            <a:lvl2pPr lvl="1">
+              <a:spcBef>
+                <a:spcPts val="0"/>
+              </a:spcBef>
+              <a:buSzPct val="100000"/>
+              <a:defRPr sz="1200"/>
+            </a:lvl2pPr>
+            <a:lvl3pPr lvl="2">
+              <a:spcBef>
+                <a:spcPts val="0"/>
+              </a:spcBef>
+              <a:buSzPct val="100000"/>
+              <a:defRPr sz="1200"/>
+            </a:lvl3pPr>
+            <a:lvl4pPr lvl="3">
+              <a:spcBef>
+                <a:spcPts val="0"/>
+              </a:spcBef>
+              <a:buSzPct val="100000"/>
+              <a:defRPr sz="1200"/>
+            </a:lvl4pPr>
+            <a:lvl5pPr lvl="4">
+              <a:spcBef>
+                <a:spcPts val="0"/>
+              </a:spcBef>
+              <a:buSzPct val="100000"/>
+              <a:defRPr sz="1200"/>
+            </a:lvl5pPr>
+            <a:lvl6pPr lvl="5">
+              <a:spcBef>
+                <a:spcPts val="0"/>
+              </a:spcBef>
+              <a:buSzPct val="100000"/>
+              <a:defRPr sz="1200"/>
+            </a:lvl6pPr>
+            <a:lvl7pPr lvl="6">
+              <a:spcBef>
+                <a:spcPts val="0"/>
+              </a:spcBef>
+              <a:buSzPct val="100000"/>
+              <a:defRPr sz="1200"/>
+            </a:lvl7pPr>
+            <a:lvl8pPr lvl="7">
+              <a:spcBef>
+                <a:spcPts val="0"/>
+              </a:spcBef>
+              <a:buSzPct val="100000"/>
+              <a:defRPr sz="1200"/>
+            </a:lvl8pPr>
+            <a:lvl9pPr lvl="8">
+              <a:spcBef>
+                <a:spcPts val="0"/>
+              </a:spcBef>
+              <a:buSzPct val="100000"/>
+              <a:defRPr sz="1200"/>
+            </a:lvl9pPr>
+          </a:lstStyle>
+          <a:p>
+            <a:endParaRPr/>
+          </a:p>
+        </p:txBody>
+      </p:sp>
+      <p:sp>
+        <p:nvSpPr>
+          <p:cNvPr id="31" name="Shape 31"/>
+          <p:cNvSpPr txBox="1">
+            <a:spLocks noGrp="1"/>
+          </p:cNvSpPr>
+          <p:nvPr>
+            <p:ph type="sldNum" idx="12"/>
           </p:nvPr>
         </p:nvSpPr>
         <p:spPr>
@@ -2988,7 +3184,7 @@
           </a:prstGeom>
         </p:spPr>
         <p:txBody>
-          <a:bodyPr anchorCtr="0" anchor="ctr" bIns="91425" lIns="91425" rIns="91425" tIns="91425">
+          <a:bodyPr lIns="91425" tIns="91425" rIns="91425" bIns="91425" anchor="ctr" anchorCtr="0">
             <a:noAutofit/>
           </a:bodyPr>
           <a:lstStyle/>
@@ -3003,6 +3199,7 @@
               <a:rPr lang="en"/>
               <a:t>‹#›</a:t>
             </a:fld>
+            <a:endParaRPr lang="en"/>
           </a:p>
         </p:txBody>
       </p:sp>
@@ -3014,12 +3211,12 @@
 </p:sldLayout>
 </file>
 
-<file path=ppt/slideLayouts/slideLayout8.xml><?xml version="1.0" encoding="utf-8"?>
-<p:sldLayout xmlns:a="http://schemas.openxmlformats.org/drawingml/2006/main" xmlns:r="http://schemas.openxmlformats.org/officeDocument/2006/relationships" xmlns:mc="http://schemas.openxmlformats.org/markup-compatibility/2006" xmlns:mv="urn:schemas-microsoft-com:mac:vml" xmlns:p="http://schemas.openxmlformats.org/presentationml/2006/main" xmlns:c="http://schemas.openxmlformats.org/drawingml/2006/chart" xmlns:dgm="http://schemas.openxmlformats.org/drawingml/2006/diagram" xmlns:o="urn:schemas-microsoft-com:office:office" xmlns:v="urn:schemas-microsoft-com:vml" xmlns:pvml="urn:schemas-microsoft-com:office:powerpoint" xmlns:com="http://schemas.openxmlformats.org/drawingml/2006/compatibility" xmlns:p14="http://schemas.microsoft.com/office/powerpoint/2010/main">
-  <p:cSld name="Section title and description">
+<file path=ppt/slideLayouts/slideLayout7.xml><?xml version="1.0" encoding="utf-8"?>
+<p:sldLayout xmlns:a="http://schemas.openxmlformats.org/drawingml/2006/main" xmlns:r="http://schemas.openxmlformats.org/officeDocument/2006/relationships" xmlns:p="http://schemas.openxmlformats.org/presentationml/2006/main">
+  <p:cSld name="Main point">
     <p:spTree>
       <p:nvGrpSpPr>
-        <p:cNvPr id="35" name="Shape 35"/>
+        <p:cNvPr id="1" name="Shape 32"/>
         <p:cNvGrpSpPr/>
         <p:nvPr/>
       </p:nvGrpSpPr>
@@ -3033,365 +3230,103 @@
       </p:grpSpPr>
       <p:sp>
         <p:nvSpPr>
-          <p:cNvPr id="36" name="Shape 36"/>
-          <p:cNvSpPr/>
-          <p:nvPr/>
-        </p:nvSpPr>
-        <p:spPr>
-          <a:xfrm>
-            <a:off x="4572000" y="-125"/>
-            <a:ext cx="4572000" cy="5143500"/>
-          </a:xfrm>
-          <a:prstGeom prst="rect">
-            <a:avLst/>
-          </a:prstGeom>
-          <a:solidFill>
-            <a:schemeClr val="lt2"/>
-          </a:solidFill>
-          <a:ln>
-            <a:noFill/>
-          </a:ln>
-        </p:spPr>
-        <p:txBody>
-          <a:bodyPr anchorCtr="0" anchor="ctr" bIns="91425" lIns="91425" rIns="91425" tIns="91425">
-            <a:noAutofit/>
-          </a:bodyPr>
-          <a:lstStyle/>
-          <a:p>
-            <a:pPr lvl="0">
-              <a:spcBef>
-                <a:spcPts val="0"/>
-              </a:spcBef>
-              <a:buNone/>
-            </a:pPr>
-            <a:r>
-              <a:t/>
-            </a:r>
-            <a:endParaRPr/>
-          </a:p>
-        </p:txBody>
-      </p:sp>
-      <p:sp>
-        <p:nvSpPr>
-          <p:cNvPr id="37" name="Shape 37"/>
-          <p:cNvSpPr txBox="1"/>
+          <p:cNvPr id="33" name="Shape 33"/>
+          <p:cNvSpPr txBox="1">
+            <a:spLocks noGrp="1"/>
+          </p:cNvSpPr>
           <p:nvPr>
             <p:ph type="title"/>
           </p:nvPr>
         </p:nvSpPr>
         <p:spPr>
           <a:xfrm>
-            <a:off x="265500" y="1233175"/>
-            <a:ext cx="4045200" cy="1482300"/>
+            <a:off x="490250" y="450150"/>
+            <a:ext cx="6367800" cy="4090800"/>
           </a:xfrm>
           <a:prstGeom prst="rect">
             <a:avLst/>
           </a:prstGeom>
         </p:spPr>
         <p:txBody>
-          <a:bodyPr anchorCtr="0" anchor="b" bIns="91425" lIns="91425" rIns="91425" tIns="91425"/>
+          <a:bodyPr lIns="91425" tIns="91425" rIns="91425" bIns="91425" anchor="ctr" anchorCtr="0"/>
           <a:lstStyle>
-            <a:lvl1pPr lvl="0" algn="ctr">
-              <a:spcBef>
-                <a:spcPts val="0"/>
-              </a:spcBef>
-              <a:buSzPct val="100000"/>
-              <a:defRPr sz="4200"/>
+            <a:lvl1pPr lvl="0">
+              <a:spcBef>
+                <a:spcPts val="0"/>
+              </a:spcBef>
+              <a:buSzPct val="100000"/>
+              <a:defRPr sz="4800"/>
             </a:lvl1pPr>
-            <a:lvl2pPr lvl="1" algn="ctr">
-              <a:spcBef>
-                <a:spcPts val="0"/>
-              </a:spcBef>
-              <a:buSzPct val="100000"/>
-              <a:defRPr sz="4200"/>
+            <a:lvl2pPr lvl="1">
+              <a:spcBef>
+                <a:spcPts val="0"/>
+              </a:spcBef>
+              <a:buSzPct val="100000"/>
+              <a:defRPr sz="4800"/>
             </a:lvl2pPr>
-            <a:lvl3pPr lvl="2" algn="ctr">
-              <a:spcBef>
-                <a:spcPts val="0"/>
-              </a:spcBef>
-              <a:buSzPct val="100000"/>
-              <a:defRPr sz="4200"/>
+            <a:lvl3pPr lvl="2">
+              <a:spcBef>
+                <a:spcPts val="0"/>
+              </a:spcBef>
+              <a:buSzPct val="100000"/>
+              <a:defRPr sz="4800"/>
             </a:lvl3pPr>
-            <a:lvl4pPr lvl="3" algn="ctr">
-              <a:spcBef>
-                <a:spcPts val="0"/>
-              </a:spcBef>
-              <a:buSzPct val="100000"/>
-              <a:defRPr sz="4200"/>
+            <a:lvl4pPr lvl="3">
+              <a:spcBef>
+                <a:spcPts val="0"/>
+              </a:spcBef>
+              <a:buSzPct val="100000"/>
+              <a:defRPr sz="4800"/>
             </a:lvl4pPr>
-            <a:lvl5pPr lvl="4" algn="ctr">
-              <a:spcBef>
-                <a:spcPts val="0"/>
-              </a:spcBef>
-              <a:buSzPct val="100000"/>
-              <a:defRPr sz="4200"/>
+            <a:lvl5pPr lvl="4">
+              <a:spcBef>
+                <a:spcPts val="0"/>
+              </a:spcBef>
+              <a:buSzPct val="100000"/>
+              <a:defRPr sz="4800"/>
             </a:lvl5pPr>
-            <a:lvl6pPr lvl="5" algn="ctr">
-              <a:spcBef>
-                <a:spcPts val="0"/>
-              </a:spcBef>
-              <a:buSzPct val="100000"/>
-              <a:defRPr sz="4200"/>
+            <a:lvl6pPr lvl="5">
+              <a:spcBef>
+                <a:spcPts val="0"/>
+              </a:spcBef>
+              <a:buSzPct val="100000"/>
+              <a:defRPr sz="4800"/>
             </a:lvl6pPr>
-            <a:lvl7pPr lvl="6" algn="ctr">
-              <a:spcBef>
-                <a:spcPts val="0"/>
-              </a:spcBef>
-              <a:buSzPct val="100000"/>
-              <a:defRPr sz="4200"/>
+            <a:lvl7pPr lvl="6">
+              <a:spcBef>
+                <a:spcPts val="0"/>
+              </a:spcBef>
+              <a:buSzPct val="100000"/>
+              <a:defRPr sz="4800"/>
             </a:lvl7pPr>
-            <a:lvl8pPr lvl="7" algn="ctr">
-              <a:spcBef>
-                <a:spcPts val="0"/>
-              </a:spcBef>
-              <a:buSzPct val="100000"/>
-              <a:defRPr sz="4200"/>
+            <a:lvl8pPr lvl="7">
+              <a:spcBef>
+                <a:spcPts val="0"/>
+              </a:spcBef>
+              <a:buSzPct val="100000"/>
+              <a:defRPr sz="4800"/>
             </a:lvl8pPr>
-            <a:lvl9pPr lvl="8" algn="ctr">
-              <a:spcBef>
-                <a:spcPts val="0"/>
-              </a:spcBef>
-              <a:buSzPct val="100000"/>
-              <a:defRPr sz="4200"/>
+            <a:lvl9pPr lvl="8">
+              <a:spcBef>
+                <a:spcPts val="0"/>
+              </a:spcBef>
+              <a:buSzPct val="100000"/>
+              <a:defRPr sz="4800"/>
             </a:lvl9pPr>
           </a:lstStyle>
-          <a:p/>
+          <a:p>
+            <a:endParaRPr/>
+          </a:p>
         </p:txBody>
       </p:sp>
       <p:sp>
         <p:nvSpPr>
-          <p:cNvPr id="38" name="Shape 38"/>
-          <p:cNvSpPr txBox="1"/>
+          <p:cNvPr id="34" name="Shape 34"/>
+          <p:cNvSpPr txBox="1">
+            <a:spLocks noGrp="1"/>
+          </p:cNvSpPr>
           <p:nvPr>
-            <p:ph idx="1" type="subTitle"/>
-          </p:nvPr>
-        </p:nvSpPr>
-        <p:spPr>
-          <a:xfrm>
-            <a:off x="265500" y="2803075"/>
-            <a:ext cx="4045200" cy="1235100"/>
-          </a:xfrm>
-          <a:prstGeom prst="rect">
-            <a:avLst/>
-          </a:prstGeom>
-        </p:spPr>
-        <p:txBody>
-          <a:bodyPr anchorCtr="0" anchor="t" bIns="91425" lIns="91425" rIns="91425" tIns="91425"/>
-          <a:lstStyle>
-            <a:lvl1pPr lvl="0" algn="ctr">
-              <a:lnSpc>
-                <a:spcPct val="100000"/>
-              </a:lnSpc>
-              <a:spcBef>
-                <a:spcPts val="0"/>
-              </a:spcBef>
-              <a:spcAft>
-                <a:spcPts val="0"/>
-              </a:spcAft>
-              <a:buSzPct val="100000"/>
-              <a:buNone/>
-              <a:defRPr sz="2100"/>
-            </a:lvl1pPr>
-            <a:lvl2pPr lvl="1" algn="ctr">
-              <a:lnSpc>
-                <a:spcPct val="100000"/>
-              </a:lnSpc>
-              <a:spcBef>
-                <a:spcPts val="0"/>
-              </a:spcBef>
-              <a:spcAft>
-                <a:spcPts val="0"/>
-              </a:spcAft>
-              <a:buSzPct val="100000"/>
-              <a:buNone/>
-              <a:defRPr sz="2100"/>
-            </a:lvl2pPr>
-            <a:lvl3pPr lvl="2" algn="ctr">
-              <a:lnSpc>
-                <a:spcPct val="100000"/>
-              </a:lnSpc>
-              <a:spcBef>
-                <a:spcPts val="0"/>
-              </a:spcBef>
-              <a:spcAft>
-                <a:spcPts val="0"/>
-              </a:spcAft>
-              <a:buSzPct val="100000"/>
-              <a:buNone/>
-              <a:defRPr sz="2100"/>
-            </a:lvl3pPr>
-            <a:lvl4pPr lvl="3" algn="ctr">
-              <a:lnSpc>
-                <a:spcPct val="100000"/>
-              </a:lnSpc>
-              <a:spcBef>
-                <a:spcPts val="0"/>
-              </a:spcBef>
-              <a:spcAft>
-                <a:spcPts val="0"/>
-              </a:spcAft>
-              <a:buSzPct val="100000"/>
-              <a:buNone/>
-              <a:defRPr sz="2100"/>
-            </a:lvl4pPr>
-            <a:lvl5pPr lvl="4" algn="ctr">
-              <a:lnSpc>
-                <a:spcPct val="100000"/>
-              </a:lnSpc>
-              <a:spcBef>
-                <a:spcPts val="0"/>
-              </a:spcBef>
-              <a:spcAft>
-                <a:spcPts val="0"/>
-              </a:spcAft>
-              <a:buSzPct val="100000"/>
-              <a:buNone/>
-              <a:defRPr sz="2100"/>
-            </a:lvl5pPr>
-            <a:lvl6pPr lvl="5" algn="ctr">
-              <a:lnSpc>
-                <a:spcPct val="100000"/>
-              </a:lnSpc>
-              <a:spcBef>
-                <a:spcPts val="0"/>
-              </a:spcBef>
-              <a:spcAft>
-                <a:spcPts val="0"/>
-              </a:spcAft>
-              <a:buSzPct val="100000"/>
-              <a:buNone/>
-              <a:defRPr sz="2100"/>
-            </a:lvl6pPr>
-            <a:lvl7pPr lvl="6" algn="ctr">
-              <a:lnSpc>
-                <a:spcPct val="100000"/>
-              </a:lnSpc>
-              <a:spcBef>
-                <a:spcPts val="0"/>
-              </a:spcBef>
-              <a:spcAft>
-                <a:spcPts val="0"/>
-              </a:spcAft>
-              <a:buSzPct val="100000"/>
-              <a:buNone/>
-              <a:defRPr sz="2100"/>
-            </a:lvl7pPr>
-            <a:lvl8pPr lvl="7" algn="ctr">
-              <a:lnSpc>
-                <a:spcPct val="100000"/>
-              </a:lnSpc>
-              <a:spcBef>
-                <a:spcPts val="0"/>
-              </a:spcBef>
-              <a:spcAft>
-                <a:spcPts val="0"/>
-              </a:spcAft>
-              <a:buSzPct val="100000"/>
-              <a:buNone/>
-              <a:defRPr sz="2100"/>
-            </a:lvl8pPr>
-            <a:lvl9pPr lvl="8" algn="ctr">
-              <a:lnSpc>
-                <a:spcPct val="100000"/>
-              </a:lnSpc>
-              <a:spcBef>
-                <a:spcPts val="0"/>
-              </a:spcBef>
-              <a:spcAft>
-                <a:spcPts val="0"/>
-              </a:spcAft>
-              <a:buSzPct val="100000"/>
-              <a:buNone/>
-              <a:defRPr sz="2100"/>
-            </a:lvl9pPr>
-          </a:lstStyle>
-          <a:p/>
-        </p:txBody>
-      </p:sp>
-      <p:sp>
-        <p:nvSpPr>
-          <p:cNvPr id="39" name="Shape 39"/>
-          <p:cNvSpPr txBox="1"/>
-          <p:nvPr>
-            <p:ph idx="2" type="body"/>
-          </p:nvPr>
-        </p:nvSpPr>
-        <p:spPr>
-          <a:xfrm>
-            <a:off x="4939500" y="724075"/>
-            <a:ext cx="3837000" cy="3695100"/>
-          </a:xfrm>
-          <a:prstGeom prst="rect">
-            <a:avLst/>
-          </a:prstGeom>
-        </p:spPr>
-        <p:txBody>
-          <a:bodyPr anchorCtr="0" anchor="ctr" bIns="91425" lIns="91425" rIns="91425" tIns="91425"/>
-          <a:lstStyle>
-            <a:lvl1pPr lvl="0">
-              <a:spcBef>
-                <a:spcPts val="0"/>
-              </a:spcBef>
-              <a:defRPr/>
-            </a:lvl1pPr>
-            <a:lvl2pPr lvl="1">
-              <a:spcBef>
-                <a:spcPts val="0"/>
-              </a:spcBef>
-              <a:defRPr/>
-            </a:lvl2pPr>
-            <a:lvl3pPr lvl="2">
-              <a:spcBef>
-                <a:spcPts val="0"/>
-              </a:spcBef>
-              <a:defRPr/>
-            </a:lvl3pPr>
-            <a:lvl4pPr lvl="3">
-              <a:spcBef>
-                <a:spcPts val="0"/>
-              </a:spcBef>
-              <a:defRPr/>
-            </a:lvl4pPr>
-            <a:lvl5pPr lvl="4">
-              <a:spcBef>
-                <a:spcPts val="0"/>
-              </a:spcBef>
-              <a:defRPr/>
-            </a:lvl5pPr>
-            <a:lvl6pPr lvl="5">
-              <a:spcBef>
-                <a:spcPts val="0"/>
-              </a:spcBef>
-              <a:defRPr/>
-            </a:lvl6pPr>
-            <a:lvl7pPr lvl="6">
-              <a:spcBef>
-                <a:spcPts val="0"/>
-              </a:spcBef>
-              <a:defRPr/>
-            </a:lvl7pPr>
-            <a:lvl8pPr lvl="7">
-              <a:spcBef>
-                <a:spcPts val="0"/>
-              </a:spcBef>
-              <a:defRPr/>
-            </a:lvl8pPr>
-            <a:lvl9pPr lvl="8">
-              <a:spcBef>
-                <a:spcPts val="0"/>
-              </a:spcBef>
-              <a:defRPr/>
-            </a:lvl9pPr>
-          </a:lstStyle>
-          <a:p/>
-        </p:txBody>
-      </p:sp>
-      <p:sp>
-        <p:nvSpPr>
-          <p:cNvPr id="40" name="Shape 40"/>
-          <p:cNvSpPr txBox="1"/>
-          <p:nvPr>
-            <p:ph idx="12" type="sldNum"/>
+            <p:ph type="sldNum" idx="12"/>
           </p:nvPr>
         </p:nvSpPr>
         <p:spPr>
@@ -3404,7 +3339,7 @@
           </a:prstGeom>
         </p:spPr>
         <p:txBody>
-          <a:bodyPr anchorCtr="0" anchor="ctr" bIns="91425" lIns="91425" rIns="91425" tIns="91425">
+          <a:bodyPr lIns="91425" tIns="91425" rIns="91425" bIns="91425" anchor="ctr" anchorCtr="0">
             <a:noAutofit/>
           </a:bodyPr>
           <a:lstStyle/>
@@ -3419,6 +3354,7 @@
               <a:rPr lang="en"/>
               <a:t>‹#›</a:t>
             </a:fld>
+            <a:endParaRPr lang="en"/>
           </a:p>
         </p:txBody>
       </p:sp>
@@ -3430,12 +3366,12 @@
 </p:sldLayout>
 </file>
 
-<file path=ppt/slideLayouts/slideLayout9.xml><?xml version="1.0" encoding="utf-8"?>
-<p:sldLayout xmlns:a="http://schemas.openxmlformats.org/drawingml/2006/main" xmlns:r="http://schemas.openxmlformats.org/officeDocument/2006/relationships" xmlns:mc="http://schemas.openxmlformats.org/markup-compatibility/2006" xmlns:mv="urn:schemas-microsoft-com:mac:vml" xmlns:p="http://schemas.openxmlformats.org/presentationml/2006/main" xmlns:c="http://schemas.openxmlformats.org/drawingml/2006/chart" xmlns:dgm="http://schemas.openxmlformats.org/drawingml/2006/diagram" xmlns:o="urn:schemas-microsoft-com:office:office" xmlns:v="urn:schemas-microsoft-com:vml" xmlns:pvml="urn:schemas-microsoft-com:office:powerpoint" xmlns:com="http://schemas.openxmlformats.org/drawingml/2006/compatibility" xmlns:p14="http://schemas.microsoft.com/office/powerpoint/2010/main">
-  <p:cSld name="Caption">
+<file path=ppt/slideLayouts/slideLayout8.xml><?xml version="1.0" encoding="utf-8"?>
+<p:sldLayout xmlns:a="http://schemas.openxmlformats.org/drawingml/2006/main" xmlns:r="http://schemas.openxmlformats.org/officeDocument/2006/relationships" xmlns:p="http://schemas.openxmlformats.org/presentationml/2006/main">
+  <p:cSld name="Section title and description">
     <p:spTree>
       <p:nvGrpSpPr>
-        <p:cNvPr id="41" name="Shape 41"/>
+        <p:cNvPr id="1" name="Shape 35"/>
         <p:cNvGrpSpPr/>
         <p:nvPr/>
       </p:nvGrpSpPr>
@@ -3449,25 +3385,155 @@
       </p:grpSpPr>
       <p:sp>
         <p:nvSpPr>
-          <p:cNvPr id="42" name="Shape 42"/>
-          <p:cNvSpPr txBox="1"/>
+          <p:cNvPr id="36" name="Shape 36"/>
+          <p:cNvSpPr/>
+          <p:nvPr/>
+        </p:nvSpPr>
+        <p:spPr>
+          <a:xfrm>
+            <a:off x="4572000" y="-125"/>
+            <a:ext cx="4572000" cy="5143500"/>
+          </a:xfrm>
+          <a:prstGeom prst="rect">
+            <a:avLst/>
+          </a:prstGeom>
+          <a:solidFill>
+            <a:schemeClr val="lt2"/>
+          </a:solidFill>
+          <a:ln>
+            <a:noFill/>
+          </a:ln>
+        </p:spPr>
+        <p:txBody>
+          <a:bodyPr lIns="91425" tIns="91425" rIns="91425" bIns="91425" anchor="ctr" anchorCtr="0">
+            <a:noAutofit/>
+          </a:bodyPr>
+          <a:lstStyle/>
+          <a:p>
+            <a:pPr lvl="0">
+              <a:spcBef>
+                <a:spcPts val="0"/>
+              </a:spcBef>
+              <a:buNone/>
+            </a:pPr>
+            <a:endParaRPr/>
+          </a:p>
+        </p:txBody>
+      </p:sp>
+      <p:sp>
+        <p:nvSpPr>
+          <p:cNvPr id="37" name="Shape 37"/>
+          <p:cNvSpPr txBox="1">
+            <a:spLocks noGrp="1"/>
+          </p:cNvSpPr>
           <p:nvPr>
-            <p:ph idx="1" type="body"/>
+            <p:ph type="title"/>
           </p:nvPr>
         </p:nvSpPr>
         <p:spPr>
           <a:xfrm>
-            <a:off x="311700" y="4230575"/>
-            <a:ext cx="5998800" cy="605100"/>
+            <a:off x="265500" y="1233175"/>
+            <a:ext cx="4045200" cy="1482300"/>
           </a:xfrm>
           <a:prstGeom prst="rect">
             <a:avLst/>
           </a:prstGeom>
         </p:spPr>
         <p:txBody>
-          <a:bodyPr anchorCtr="0" anchor="ctr" bIns="91425" lIns="91425" rIns="91425" tIns="91425"/>
+          <a:bodyPr lIns="91425" tIns="91425" rIns="91425" bIns="91425" anchor="b" anchorCtr="0"/>
           <a:lstStyle>
-            <a:lvl1pPr lvl="0">
+            <a:lvl1pPr lvl="0" algn="ctr">
+              <a:spcBef>
+                <a:spcPts val="0"/>
+              </a:spcBef>
+              <a:buSzPct val="100000"/>
+              <a:defRPr sz="4200"/>
+            </a:lvl1pPr>
+            <a:lvl2pPr lvl="1" algn="ctr">
+              <a:spcBef>
+                <a:spcPts val="0"/>
+              </a:spcBef>
+              <a:buSzPct val="100000"/>
+              <a:defRPr sz="4200"/>
+            </a:lvl2pPr>
+            <a:lvl3pPr lvl="2" algn="ctr">
+              <a:spcBef>
+                <a:spcPts val="0"/>
+              </a:spcBef>
+              <a:buSzPct val="100000"/>
+              <a:defRPr sz="4200"/>
+            </a:lvl3pPr>
+            <a:lvl4pPr lvl="3" algn="ctr">
+              <a:spcBef>
+                <a:spcPts val="0"/>
+              </a:spcBef>
+              <a:buSzPct val="100000"/>
+              <a:defRPr sz="4200"/>
+            </a:lvl4pPr>
+            <a:lvl5pPr lvl="4" algn="ctr">
+              <a:spcBef>
+                <a:spcPts val="0"/>
+              </a:spcBef>
+              <a:buSzPct val="100000"/>
+              <a:defRPr sz="4200"/>
+            </a:lvl5pPr>
+            <a:lvl6pPr lvl="5" algn="ctr">
+              <a:spcBef>
+                <a:spcPts val="0"/>
+              </a:spcBef>
+              <a:buSzPct val="100000"/>
+              <a:defRPr sz="4200"/>
+            </a:lvl6pPr>
+            <a:lvl7pPr lvl="6" algn="ctr">
+              <a:spcBef>
+                <a:spcPts val="0"/>
+              </a:spcBef>
+              <a:buSzPct val="100000"/>
+              <a:defRPr sz="4200"/>
+            </a:lvl7pPr>
+            <a:lvl8pPr lvl="7" algn="ctr">
+              <a:spcBef>
+                <a:spcPts val="0"/>
+              </a:spcBef>
+              <a:buSzPct val="100000"/>
+              <a:defRPr sz="4200"/>
+            </a:lvl8pPr>
+            <a:lvl9pPr lvl="8" algn="ctr">
+              <a:spcBef>
+                <a:spcPts val="0"/>
+              </a:spcBef>
+              <a:buSzPct val="100000"/>
+              <a:defRPr sz="4200"/>
+            </a:lvl9pPr>
+          </a:lstStyle>
+          <a:p>
+            <a:endParaRPr/>
+          </a:p>
+        </p:txBody>
+      </p:sp>
+      <p:sp>
+        <p:nvSpPr>
+          <p:cNvPr id="38" name="Shape 38"/>
+          <p:cNvSpPr txBox="1">
+            <a:spLocks noGrp="1"/>
+          </p:cNvSpPr>
+          <p:nvPr>
+            <p:ph type="subTitle" idx="1"/>
+          </p:nvPr>
+        </p:nvSpPr>
+        <p:spPr>
+          <a:xfrm>
+            <a:off x="265500" y="2803075"/>
+            <a:ext cx="4045200" cy="1235100"/>
+          </a:xfrm>
+          <a:prstGeom prst="rect">
+            <a:avLst/>
+          </a:prstGeom>
+        </p:spPr>
+        <p:txBody>
+          <a:bodyPr lIns="91425" tIns="91425" rIns="91425" bIns="91425" anchor="t" anchorCtr="0"/>
+          <a:lstStyle>
+            <a:lvl1pPr lvl="0" algn="ctr">
               <a:lnSpc>
                 <a:spcPct val="100000"/>
               </a:lnSpc>
@@ -3477,19 +3543,218 @@
               <a:spcAft>
                 <a:spcPts val="0"/>
               </a:spcAft>
-              <a:buNone/>
+              <a:buSzPct val="100000"/>
+              <a:buNone/>
+              <a:defRPr sz="2100"/>
+            </a:lvl1pPr>
+            <a:lvl2pPr lvl="1" algn="ctr">
+              <a:lnSpc>
+                <a:spcPct val="100000"/>
+              </a:lnSpc>
+              <a:spcBef>
+                <a:spcPts val="0"/>
+              </a:spcBef>
+              <a:spcAft>
+                <a:spcPts val="0"/>
+              </a:spcAft>
+              <a:buSzPct val="100000"/>
+              <a:buNone/>
+              <a:defRPr sz="2100"/>
+            </a:lvl2pPr>
+            <a:lvl3pPr lvl="2" algn="ctr">
+              <a:lnSpc>
+                <a:spcPct val="100000"/>
+              </a:lnSpc>
+              <a:spcBef>
+                <a:spcPts val="0"/>
+              </a:spcBef>
+              <a:spcAft>
+                <a:spcPts val="0"/>
+              </a:spcAft>
+              <a:buSzPct val="100000"/>
+              <a:buNone/>
+              <a:defRPr sz="2100"/>
+            </a:lvl3pPr>
+            <a:lvl4pPr lvl="3" algn="ctr">
+              <a:lnSpc>
+                <a:spcPct val="100000"/>
+              </a:lnSpc>
+              <a:spcBef>
+                <a:spcPts val="0"/>
+              </a:spcBef>
+              <a:spcAft>
+                <a:spcPts val="0"/>
+              </a:spcAft>
+              <a:buSzPct val="100000"/>
+              <a:buNone/>
+              <a:defRPr sz="2100"/>
+            </a:lvl4pPr>
+            <a:lvl5pPr lvl="4" algn="ctr">
+              <a:lnSpc>
+                <a:spcPct val="100000"/>
+              </a:lnSpc>
+              <a:spcBef>
+                <a:spcPts val="0"/>
+              </a:spcBef>
+              <a:spcAft>
+                <a:spcPts val="0"/>
+              </a:spcAft>
+              <a:buSzPct val="100000"/>
+              <a:buNone/>
+              <a:defRPr sz="2100"/>
+            </a:lvl5pPr>
+            <a:lvl6pPr lvl="5" algn="ctr">
+              <a:lnSpc>
+                <a:spcPct val="100000"/>
+              </a:lnSpc>
+              <a:spcBef>
+                <a:spcPts val="0"/>
+              </a:spcBef>
+              <a:spcAft>
+                <a:spcPts val="0"/>
+              </a:spcAft>
+              <a:buSzPct val="100000"/>
+              <a:buNone/>
+              <a:defRPr sz="2100"/>
+            </a:lvl6pPr>
+            <a:lvl7pPr lvl="6" algn="ctr">
+              <a:lnSpc>
+                <a:spcPct val="100000"/>
+              </a:lnSpc>
+              <a:spcBef>
+                <a:spcPts val="0"/>
+              </a:spcBef>
+              <a:spcAft>
+                <a:spcPts val="0"/>
+              </a:spcAft>
+              <a:buSzPct val="100000"/>
+              <a:buNone/>
+              <a:defRPr sz="2100"/>
+            </a:lvl7pPr>
+            <a:lvl8pPr lvl="7" algn="ctr">
+              <a:lnSpc>
+                <a:spcPct val="100000"/>
+              </a:lnSpc>
+              <a:spcBef>
+                <a:spcPts val="0"/>
+              </a:spcBef>
+              <a:spcAft>
+                <a:spcPts val="0"/>
+              </a:spcAft>
+              <a:buSzPct val="100000"/>
+              <a:buNone/>
+              <a:defRPr sz="2100"/>
+            </a:lvl8pPr>
+            <a:lvl9pPr lvl="8" algn="ctr">
+              <a:lnSpc>
+                <a:spcPct val="100000"/>
+              </a:lnSpc>
+              <a:spcBef>
+                <a:spcPts val="0"/>
+              </a:spcBef>
+              <a:spcAft>
+                <a:spcPts val="0"/>
+              </a:spcAft>
+              <a:buSzPct val="100000"/>
+              <a:buNone/>
+              <a:defRPr sz="2100"/>
+            </a:lvl9pPr>
+          </a:lstStyle>
+          <a:p>
+            <a:endParaRPr/>
+          </a:p>
+        </p:txBody>
+      </p:sp>
+      <p:sp>
+        <p:nvSpPr>
+          <p:cNvPr id="39" name="Shape 39"/>
+          <p:cNvSpPr txBox="1">
+            <a:spLocks noGrp="1"/>
+          </p:cNvSpPr>
+          <p:nvPr>
+            <p:ph type="body" idx="2"/>
+          </p:nvPr>
+        </p:nvSpPr>
+        <p:spPr>
+          <a:xfrm>
+            <a:off x="4939500" y="724075"/>
+            <a:ext cx="3837000" cy="3695100"/>
+          </a:xfrm>
+          <a:prstGeom prst="rect">
+            <a:avLst/>
+          </a:prstGeom>
+        </p:spPr>
+        <p:txBody>
+          <a:bodyPr lIns="91425" tIns="91425" rIns="91425" bIns="91425" anchor="ctr" anchorCtr="0"/>
+          <a:lstStyle>
+            <a:lvl1pPr lvl="0">
+              <a:spcBef>
+                <a:spcPts val="0"/>
+              </a:spcBef>
               <a:defRPr/>
             </a:lvl1pPr>
+            <a:lvl2pPr lvl="1">
+              <a:spcBef>
+                <a:spcPts val="0"/>
+              </a:spcBef>
+              <a:defRPr/>
+            </a:lvl2pPr>
+            <a:lvl3pPr lvl="2">
+              <a:spcBef>
+                <a:spcPts val="0"/>
+              </a:spcBef>
+              <a:defRPr/>
+            </a:lvl3pPr>
+            <a:lvl4pPr lvl="3">
+              <a:spcBef>
+                <a:spcPts val="0"/>
+              </a:spcBef>
+              <a:defRPr/>
+            </a:lvl4pPr>
+            <a:lvl5pPr lvl="4">
+              <a:spcBef>
+                <a:spcPts val="0"/>
+              </a:spcBef>
+              <a:defRPr/>
+            </a:lvl5pPr>
+            <a:lvl6pPr lvl="5">
+              <a:spcBef>
+                <a:spcPts val="0"/>
+              </a:spcBef>
+              <a:defRPr/>
+            </a:lvl6pPr>
+            <a:lvl7pPr lvl="6">
+              <a:spcBef>
+                <a:spcPts val="0"/>
+              </a:spcBef>
+              <a:defRPr/>
+            </a:lvl7pPr>
+            <a:lvl8pPr lvl="7">
+              <a:spcBef>
+                <a:spcPts val="0"/>
+              </a:spcBef>
+              <a:defRPr/>
+            </a:lvl8pPr>
+            <a:lvl9pPr lvl="8">
+              <a:spcBef>
+                <a:spcPts val="0"/>
+              </a:spcBef>
+              <a:defRPr/>
+            </a:lvl9pPr>
           </a:lstStyle>
-          <a:p/>
+          <a:p>
+            <a:endParaRPr/>
+          </a:p>
         </p:txBody>
       </p:sp>
       <p:sp>
         <p:nvSpPr>
-          <p:cNvPr id="43" name="Shape 43"/>
-          <p:cNvSpPr txBox="1"/>
+          <p:cNvPr id="40" name="Shape 40"/>
+          <p:cNvSpPr txBox="1">
+            <a:spLocks noGrp="1"/>
+          </p:cNvSpPr>
           <p:nvPr>
-            <p:ph idx="12" type="sldNum"/>
+            <p:ph type="sldNum" idx="12"/>
           </p:nvPr>
         </p:nvSpPr>
         <p:spPr>
@@ -3502,7 +3767,7 @@
           </a:prstGeom>
         </p:spPr>
         <p:txBody>
-          <a:bodyPr anchorCtr="0" anchor="ctr" bIns="91425" lIns="91425" rIns="91425" tIns="91425">
+          <a:bodyPr lIns="91425" tIns="91425" rIns="91425" bIns="91425" anchor="ctr" anchorCtr="0">
             <a:noAutofit/>
           </a:bodyPr>
           <a:lstStyle/>
@@ -3517,6 +3782,7 @@
               <a:rPr lang="en"/>
               <a:t>‹#›</a:t>
             </a:fld>
+            <a:endParaRPr lang="en"/>
           </a:p>
         </p:txBody>
       </p:sp>
@@ -3528,19 +3794,12 @@
 </p:sldLayout>
 </file>
 
-<file path=ppt/slideMasters/slideMaster1.xml><?xml version="1.0" encoding="utf-8"?>
-<p:sldMaster xmlns:a="http://schemas.openxmlformats.org/drawingml/2006/main" xmlns:r="http://schemas.openxmlformats.org/officeDocument/2006/relationships" xmlns:mc="http://schemas.openxmlformats.org/markup-compatibility/2006" xmlns:mv="urn:schemas-microsoft-com:mac:vml" xmlns:p="http://schemas.openxmlformats.org/presentationml/2006/main" xmlns:c="http://schemas.openxmlformats.org/drawingml/2006/chart" xmlns:dgm="http://schemas.openxmlformats.org/drawingml/2006/diagram" xmlns:o="urn:schemas-microsoft-com:office:office" xmlns:v="urn:schemas-microsoft-com:vml" xmlns:pvml="urn:schemas-microsoft-com:office:powerpoint" xmlns:com="http://schemas.openxmlformats.org/drawingml/2006/compatibility" xmlns:p14="http://schemas.microsoft.com/office/powerpoint/2010/main">
-  <p:cSld>
-    <p:bg>
-      <p:bgPr>
-        <a:solidFill>
-          <a:schemeClr val="lt1"/>
-        </a:solidFill>
-      </p:bgPr>
-    </p:bg>
+<file path=ppt/slideLayouts/slideLayout9.xml><?xml version="1.0" encoding="utf-8"?>
+<p:sldLayout xmlns:a="http://schemas.openxmlformats.org/drawingml/2006/main" xmlns:r="http://schemas.openxmlformats.org/officeDocument/2006/relationships" xmlns:p="http://schemas.openxmlformats.org/presentationml/2006/main">
+  <p:cSld name="Caption">
     <p:spTree>
       <p:nvGrpSpPr>
-        <p:cNvPr id="5" name="Shape 5"/>
+        <p:cNvPr id="1" name="Shape 41"/>
         <p:cNvGrpSpPr/>
         <p:nvPr/>
       </p:nvGrpSpPr>
@@ -3554,8 +3813,123 @@
       </p:grpSpPr>
       <p:sp>
         <p:nvSpPr>
+          <p:cNvPr id="42" name="Shape 42"/>
+          <p:cNvSpPr txBox="1">
+            <a:spLocks noGrp="1"/>
+          </p:cNvSpPr>
+          <p:nvPr>
+            <p:ph type="body" idx="1"/>
+          </p:nvPr>
+        </p:nvSpPr>
+        <p:spPr>
+          <a:xfrm>
+            <a:off x="311700" y="4230575"/>
+            <a:ext cx="5998800" cy="605100"/>
+          </a:xfrm>
+          <a:prstGeom prst="rect">
+            <a:avLst/>
+          </a:prstGeom>
+        </p:spPr>
+        <p:txBody>
+          <a:bodyPr lIns="91425" tIns="91425" rIns="91425" bIns="91425" anchor="ctr" anchorCtr="0"/>
+          <a:lstStyle>
+            <a:lvl1pPr lvl="0">
+              <a:lnSpc>
+                <a:spcPct val="100000"/>
+              </a:lnSpc>
+              <a:spcBef>
+                <a:spcPts val="0"/>
+              </a:spcBef>
+              <a:spcAft>
+                <a:spcPts val="0"/>
+              </a:spcAft>
+              <a:buNone/>
+              <a:defRPr/>
+            </a:lvl1pPr>
+          </a:lstStyle>
+          <a:p>
+            <a:endParaRPr/>
+          </a:p>
+        </p:txBody>
+      </p:sp>
+      <p:sp>
+        <p:nvSpPr>
+          <p:cNvPr id="43" name="Shape 43"/>
+          <p:cNvSpPr txBox="1">
+            <a:spLocks noGrp="1"/>
+          </p:cNvSpPr>
+          <p:nvPr>
+            <p:ph type="sldNum" idx="12"/>
+          </p:nvPr>
+        </p:nvSpPr>
+        <p:spPr>
+          <a:xfrm>
+            <a:off x="8472457" y="4663216"/>
+            <a:ext cx="548700" cy="393600"/>
+          </a:xfrm>
+          <a:prstGeom prst="rect">
+            <a:avLst/>
+          </a:prstGeom>
+        </p:spPr>
+        <p:txBody>
+          <a:bodyPr lIns="91425" tIns="91425" rIns="91425" bIns="91425" anchor="ctr" anchorCtr="0">
+            <a:noAutofit/>
+          </a:bodyPr>
+          <a:lstStyle/>
+          <a:p>
+            <a:pPr lvl="0">
+              <a:spcBef>
+                <a:spcPts val="0"/>
+              </a:spcBef>
+              <a:buNone/>
+            </a:pPr>
+            <a:fld id="{00000000-1234-1234-1234-123412341234}" type="slidenum">
+              <a:rPr lang="en"/>
+              <a:t>‹#›</a:t>
+            </a:fld>
+            <a:endParaRPr lang="en"/>
+          </a:p>
+        </p:txBody>
+      </p:sp>
+    </p:spTree>
+  </p:cSld>
+  <p:clrMapOvr>
+    <a:masterClrMapping/>
+  </p:clrMapOvr>
+</p:sldLayout>
+</file>
+
+<file path=ppt/slideMasters/slideMaster1.xml><?xml version="1.0" encoding="utf-8"?>
+<p:sldMaster xmlns:a="http://schemas.openxmlformats.org/drawingml/2006/main" xmlns:r="http://schemas.openxmlformats.org/officeDocument/2006/relationships" xmlns:p="http://schemas.openxmlformats.org/presentationml/2006/main">
+  <p:cSld>
+    <p:bg>
+      <p:bgPr>
+        <a:solidFill>
+          <a:schemeClr val="lt1"/>
+        </a:solidFill>
+        <a:effectLst/>
+      </p:bgPr>
+    </p:bg>
+    <p:spTree>
+      <p:nvGrpSpPr>
+        <p:cNvPr id="1" name="Shape 5"/>
+        <p:cNvGrpSpPr/>
+        <p:nvPr/>
+      </p:nvGrpSpPr>
+      <p:grpSpPr>
+        <a:xfrm>
+          <a:off x="0" y="0"/>
+          <a:ext cx="0" cy="0"/>
+          <a:chOff x="0" y="0"/>
+          <a:chExt cx="0" cy="0"/>
+        </a:xfrm>
+      </p:grpSpPr>
+      <p:sp>
+        <p:nvSpPr>
           <p:cNvPr id="6" name="Shape 6"/>
-          <p:cNvSpPr txBox="1"/>
+          <p:cNvSpPr txBox="1">
+            <a:spLocks noGrp="1"/>
+          </p:cNvSpPr>
           <p:nvPr>
             <p:ph type="title"/>
           </p:nvPr>
@@ -3574,7 +3948,7 @@
           </a:ln>
         </p:spPr>
         <p:txBody>
-          <a:bodyPr anchorCtr="0" anchor="t" bIns="91425" lIns="91425" rIns="91425" tIns="91425"/>
+          <a:bodyPr lIns="91425" tIns="91425" rIns="91425" bIns="91425" anchor="t" anchorCtr="0"/>
           <a:lstStyle>
             <a:lvl1pPr lvl="0">
               <a:spcBef>
@@ -3712,15 +4086,19 @@
               </a:defRPr>
             </a:lvl9pPr>
           </a:lstStyle>
-          <a:p/>
+          <a:p>
+            <a:endParaRPr/>
+          </a:p>
         </p:txBody>
       </p:sp>
       <p:sp>
         <p:nvSpPr>
           <p:cNvPr id="7" name="Shape 7"/>
-          <p:cNvSpPr txBox="1"/>
+          <p:cNvSpPr txBox="1">
+            <a:spLocks noGrp="1"/>
+          </p:cNvSpPr>
           <p:nvPr>
-            <p:ph idx="1" type="body"/>
+            <p:ph type="body" idx="1"/>
           </p:nvPr>
         </p:nvSpPr>
         <p:spPr>
@@ -3737,7 +4115,7 @@
           </a:ln>
         </p:spPr>
         <p:txBody>
-          <a:bodyPr anchorCtr="0" anchor="t" bIns="91425" lIns="91425" rIns="91425" tIns="91425"/>
+          <a:bodyPr lIns="91425" tIns="91425" rIns="91425" bIns="91425" anchor="t" anchorCtr="0"/>
           <a:lstStyle>
             <a:lvl1pPr lvl="0">
               <a:lnSpc>
@@ -3912,15 +4290,19 @@
               </a:defRPr>
             </a:lvl9pPr>
           </a:lstStyle>
-          <a:p/>
+          <a:p>
+            <a:endParaRPr/>
+          </a:p>
         </p:txBody>
       </p:sp>
       <p:sp>
         <p:nvSpPr>
           <p:cNvPr id="8" name="Shape 8"/>
-          <p:cNvSpPr txBox="1"/>
+          <p:cNvSpPr txBox="1">
+            <a:spLocks noGrp="1"/>
+          </p:cNvSpPr>
           <p:nvPr>
-            <p:ph idx="12" type="sldNum"/>
+            <p:ph type="sldNum" idx="12"/>
           </p:nvPr>
         </p:nvSpPr>
         <p:spPr>
@@ -3937,7 +4319,7 @@
           </a:ln>
         </p:spPr>
         <p:txBody>
-          <a:bodyPr anchorCtr="0" anchor="ctr" bIns="91425" lIns="91425" rIns="91425" tIns="91425">
+          <a:bodyPr lIns="91425" tIns="91425" rIns="91425" bIns="91425" anchor="ctr" anchorCtr="0">
             <a:noAutofit/>
           </a:bodyPr>
           <a:lstStyle/>
@@ -3956,12 +4338,17 @@
               </a:rPr>
               <a:t>‹#›</a:t>
             </a:fld>
+            <a:endParaRPr lang="en" sz="1000">
+              <a:solidFill>
+                <a:schemeClr val="dk2"/>
+              </a:solidFill>
+            </a:endParaRPr>
           </a:p>
         </p:txBody>
       </p:sp>
     </p:spTree>
   </p:cSld>
-  <p:clrMap accent1="accent1" accent2="accent2" accent3="accent3" accent4="accent4" accent5="accent5" accent6="accent6" bg1="lt1" bg2="dk2" tx1="dk1" tx2="lt2" folHlink="folHlink" hlink="hlink"/>
+  <p:clrMap bg1="lt1" tx1="dk1" bg2="dk2" tx2="lt2" accent1="accent1" accent2="accent2" accent3="accent3" accent4="accent4" accent5="accent5" accent6="accent6" hlink="hlink" folHlink="folHlink"/>
   <p:sldLayoutIdLst>
     <p:sldLayoutId id="2147483648" r:id="rId1"/>
     <p:sldLayoutId id="2147483649" r:id="rId2"/>
@@ -3975,10 +4362,10 @@
     <p:sldLayoutId id="2147483657" r:id="rId10"/>
     <p:sldLayoutId id="2147483658" r:id="rId11"/>
   </p:sldLayoutIdLst>
-  <p:hf dt="0" ftr="0" hdr="0" sldNum="0"/>
+  <p:hf sldNum="0" hdr="0" ftr="0" dt="0"/>
   <p:txStyles>
     <p:titleStyle>
-      <a:defPPr lvl="0" marR="0" rtl="0" algn="l">
+      <a:defPPr marR="0" lvl="0" algn="l" rtl="0">
         <a:lnSpc>
           <a:spcPct val="100000"/>
         </a:lnSpc>
@@ -3989,7 +4376,7 @@
           <a:spcPts val="0"/>
         </a:spcAft>
       </a:defPPr>
-      <a:lvl1pPr lvl="0" marR="0" rtl="0" algn="l">
+      <a:lvl1pPr marR="0" lvl="0" algn="l" rtl="0">
         <a:lnSpc>
           <a:spcPct val="100000"/>
         </a:lnSpc>
@@ -4000,7 +4387,7 @@
           <a:spcPts val="0"/>
         </a:spcAft>
         <a:buNone/>
-        <a:defRPr b="0" i="0" sz="1400" u="none" cap="none" strike="noStrike">
+        <a:defRPr sz="1400" b="0" i="0" u="none" strike="noStrike" cap="none">
           <a:solidFill>
             <a:srgbClr val="000000"/>
           </a:solidFill>
@@ -4012,7 +4399,7 @@
       </a:lvl1pPr>
     </p:titleStyle>
     <p:bodyStyle>
-      <a:defPPr lvl="0" marR="0" rtl="0" algn="l">
+      <a:defPPr marR="0" lvl="0" algn="l" rtl="0">
         <a:lnSpc>
           <a:spcPct val="100000"/>
         </a:lnSpc>
@@ -4023,7 +4410,7 @@
           <a:spcPts val="0"/>
         </a:spcAft>
       </a:defPPr>
-      <a:lvl1pPr lvl="0" marR="0" rtl="0" algn="l">
+      <a:lvl1pPr marR="0" lvl="0" algn="l" rtl="0">
         <a:lnSpc>
           <a:spcPct val="100000"/>
         </a:lnSpc>
@@ -4034,7 +4421,7 @@
           <a:spcPts val="0"/>
         </a:spcAft>
         <a:buNone/>
-        <a:defRPr b="0" i="0" sz="1400" u="none" cap="none" strike="noStrike">
+        <a:defRPr sz="1400" b="0" i="0" u="none" strike="noStrike" cap="none">
           <a:solidFill>
             <a:srgbClr val="000000"/>
           </a:solidFill>
@@ -4044,7 +4431,7 @@
           <a:sym typeface="Arial"/>
         </a:defRPr>
       </a:lvl1pPr>
-      <a:lvl2pPr lvl="1" marR="0" rtl="0" algn="l">
+      <a:lvl2pPr marR="0" lvl="1" algn="l" rtl="0">
         <a:lnSpc>
           <a:spcPct val="100000"/>
         </a:lnSpc>
@@ -4055,7 +4442,7 @@
           <a:spcPts val="0"/>
         </a:spcAft>
         <a:buNone/>
-        <a:defRPr b="0" i="0" sz="1400" u="none" cap="none" strike="noStrike">
+        <a:defRPr sz="1400" b="0" i="0" u="none" strike="noStrike" cap="none">
           <a:solidFill>
             <a:srgbClr val="000000"/>
           </a:solidFill>
@@ -4065,7 +4452,7 @@
           <a:sym typeface="Arial"/>
         </a:defRPr>
       </a:lvl2pPr>
-      <a:lvl3pPr lvl="2" marR="0" rtl="0" algn="l">
+      <a:lvl3pPr marR="0" lvl="2" algn="l" rtl="0">
         <a:lnSpc>
           <a:spcPct val="100000"/>
         </a:lnSpc>
@@ -4076,7 +4463,7 @@
           <a:spcPts val="0"/>
         </a:spcAft>
         <a:buNone/>
-        <a:defRPr b="0" i="0" sz="1400" u="none" cap="none" strike="noStrike">
+        <a:defRPr sz="1400" b="0" i="0" u="none" strike="noStrike" cap="none">
           <a:solidFill>
             <a:srgbClr val="000000"/>
           </a:solidFill>
@@ -4086,7 +4473,7 @@
           <a:sym typeface="Arial"/>
         </a:defRPr>
       </a:lvl3pPr>
-      <a:lvl4pPr lvl="3" marR="0" rtl="0" algn="l">
+      <a:lvl4pPr marR="0" lvl="3" algn="l" rtl="0">
         <a:lnSpc>
           <a:spcPct val="100000"/>
         </a:lnSpc>
@@ -4097,7 +4484,7 @@
           <a:spcPts val="0"/>
         </a:spcAft>
         <a:buNone/>
-        <a:defRPr b="0" i="0" sz="1400" u="none" cap="none" strike="noStrike">
+        <a:defRPr sz="1400" b="0" i="0" u="none" strike="noStrike" cap="none">
           <a:solidFill>
             <a:srgbClr val="000000"/>
           </a:solidFill>
@@ -4107,7 +4494,7 @@
           <a:sym typeface="Arial"/>
         </a:defRPr>
       </a:lvl4pPr>
-      <a:lvl5pPr lvl="4" marR="0" rtl="0" algn="l">
+      <a:lvl5pPr marR="0" lvl="4" algn="l" rtl="0">
         <a:lnSpc>
           <a:spcPct val="100000"/>
         </a:lnSpc>
@@ -4118,7 +4505,7 @@
           <a:spcPts val="0"/>
         </a:spcAft>
         <a:buNone/>
-        <a:defRPr b="0" i="0" sz="1400" u="none" cap="none" strike="noStrike">
+        <a:defRPr sz="1400" b="0" i="0" u="none" strike="noStrike" cap="none">
           <a:solidFill>
             <a:srgbClr val="000000"/>
           </a:solidFill>
@@ -4128,7 +4515,7 @@
           <a:sym typeface="Arial"/>
         </a:defRPr>
       </a:lvl5pPr>
-      <a:lvl6pPr lvl="5" marR="0" rtl="0" algn="l">
+      <a:lvl6pPr marR="0" lvl="5" algn="l" rtl="0">
         <a:lnSpc>
           <a:spcPct val="100000"/>
         </a:lnSpc>
@@ -4139,7 +4526,7 @@
           <a:spcPts val="0"/>
         </a:spcAft>
         <a:buNone/>
-        <a:defRPr b="0" i="0" sz="1400" u="none" cap="none" strike="noStrike">
+        <a:defRPr sz="1400" b="0" i="0" u="none" strike="noStrike" cap="none">
           <a:solidFill>
             <a:srgbClr val="000000"/>
           </a:solidFill>
@@ -4149,7 +4536,7 @@
           <a:sym typeface="Arial"/>
         </a:defRPr>
       </a:lvl6pPr>
-      <a:lvl7pPr lvl="6" marR="0" rtl="0" algn="l">
+      <a:lvl7pPr marR="0" lvl="6" algn="l" rtl="0">
         <a:lnSpc>
           <a:spcPct val="100000"/>
         </a:lnSpc>
@@ -4160,7 +4547,7 @@
           <a:spcPts val="0"/>
         </a:spcAft>
         <a:buNone/>
-        <a:defRPr b="0" i="0" sz="1400" u="none" cap="none" strike="noStrike">
+        <a:defRPr sz="1400" b="0" i="0" u="none" strike="noStrike" cap="none">
           <a:solidFill>
             <a:srgbClr val="000000"/>
           </a:solidFill>
@@ -4170,7 +4557,7 @@
           <a:sym typeface="Arial"/>
         </a:defRPr>
       </a:lvl7pPr>
-      <a:lvl8pPr lvl="7" marR="0" rtl="0" algn="l">
+      <a:lvl8pPr marR="0" lvl="7" algn="l" rtl="0">
         <a:lnSpc>
           <a:spcPct val="100000"/>
         </a:lnSpc>
@@ -4181,7 +4568,7 @@
           <a:spcPts val="0"/>
         </a:spcAft>
         <a:buNone/>
-        <a:defRPr b="0" i="0" sz="1400" u="none" cap="none" strike="noStrike">
+        <a:defRPr sz="1400" b="0" i="0" u="none" strike="noStrike" cap="none">
           <a:solidFill>
             <a:srgbClr val="000000"/>
           </a:solidFill>
@@ -4191,7 +4578,7 @@
           <a:sym typeface="Arial"/>
         </a:defRPr>
       </a:lvl8pPr>
-      <a:lvl9pPr lvl="8" marR="0" rtl="0" algn="l">
+      <a:lvl9pPr marR="0" lvl="8" algn="l" rtl="0">
         <a:lnSpc>
           <a:spcPct val="100000"/>
         </a:lnSpc>
@@ -4202,7 +4589,7 @@
           <a:spcPts val="0"/>
         </a:spcAft>
         <a:buNone/>
-        <a:defRPr b="0" i="0" sz="1400" u="none" cap="none" strike="noStrike">
+        <a:defRPr sz="1400" b="0" i="0" u="none" strike="noStrike" cap="none">
           <a:solidFill>
             <a:srgbClr val="000000"/>
           </a:solidFill>
@@ -4214,7 +4601,7 @@
       </a:lvl9pPr>
     </p:bodyStyle>
     <p:otherStyle>
-      <a:defPPr lvl="0" marR="0" rtl="0" algn="l">
+      <a:defPPr marR="0" lvl="0" algn="l" rtl="0">
         <a:lnSpc>
           <a:spcPct val="100000"/>
         </a:lnSpc>
@@ -4225,7 +4612,7 @@
           <a:spcPts val="0"/>
         </a:spcAft>
       </a:defPPr>
-      <a:lvl1pPr lvl="0" marR="0" rtl="0" algn="l">
+      <a:lvl1pPr marR="0" lvl="0" algn="l" rtl="0">
         <a:lnSpc>
           <a:spcPct val="100000"/>
         </a:lnSpc>
@@ -4236,7 +4623,7 @@
           <a:spcPts val="0"/>
         </a:spcAft>
         <a:buNone/>
-        <a:defRPr b="0" i="0" sz="1400" u="none" cap="none" strike="noStrike">
+        <a:defRPr sz="1400" b="0" i="0" u="none" strike="noStrike" cap="none">
           <a:solidFill>
             <a:srgbClr val="000000"/>
           </a:solidFill>
@@ -4246,7 +4633,7 @@
           <a:sym typeface="Arial"/>
         </a:defRPr>
       </a:lvl1pPr>
-      <a:lvl2pPr lvl="1" marR="0" rtl="0" algn="l">
+      <a:lvl2pPr marR="0" lvl="1" algn="l" rtl="0">
         <a:lnSpc>
           <a:spcPct val="100000"/>
         </a:lnSpc>
@@ -4257,7 +4644,7 @@
           <a:spcPts val="0"/>
         </a:spcAft>
         <a:buNone/>
-        <a:defRPr b="0" i="0" sz="1400" u="none" cap="none" strike="noStrike">
+        <a:defRPr sz="1400" b="0" i="0" u="none" strike="noStrike" cap="none">
           <a:solidFill>
             <a:srgbClr val="000000"/>
           </a:solidFill>
@@ -4267,7 +4654,7 @@
           <a:sym typeface="Arial"/>
         </a:defRPr>
       </a:lvl2pPr>
-      <a:lvl3pPr lvl="2" marR="0" rtl="0" algn="l">
+      <a:lvl3pPr marR="0" lvl="2" algn="l" rtl="0">
         <a:lnSpc>
           <a:spcPct val="100000"/>
         </a:lnSpc>
@@ -4278,7 +4665,7 @@
           <a:spcPts val="0"/>
         </a:spcAft>
         <a:buNone/>
-        <a:defRPr b="0" i="0" sz="1400" u="none" cap="none" strike="noStrike">
+        <a:defRPr sz="1400" b="0" i="0" u="none" strike="noStrike" cap="none">
           <a:solidFill>
             <a:srgbClr val="000000"/>
           </a:solidFill>
@@ -4288,7 +4675,7 @@
           <a:sym typeface="Arial"/>
         </a:defRPr>
       </a:lvl3pPr>
-      <a:lvl4pPr lvl="3" marR="0" rtl="0" algn="l">
+      <a:lvl4pPr marR="0" lvl="3" algn="l" rtl="0">
         <a:lnSpc>
           <a:spcPct val="100000"/>
         </a:lnSpc>
@@ -4299,7 +4686,7 @@
           <a:spcPts val="0"/>
         </a:spcAft>
         <a:buNone/>
-        <a:defRPr b="0" i="0" sz="1400" u="none" cap="none" strike="noStrike">
+        <a:defRPr sz="1400" b="0" i="0" u="none" strike="noStrike" cap="none">
           <a:solidFill>
             <a:srgbClr val="000000"/>
           </a:solidFill>
@@ -4309,7 +4696,7 @@
           <a:sym typeface="Arial"/>
         </a:defRPr>
       </a:lvl4pPr>
-      <a:lvl5pPr lvl="4" marR="0" rtl="0" algn="l">
+      <a:lvl5pPr marR="0" lvl="4" algn="l" rtl="0">
         <a:lnSpc>
           <a:spcPct val="100000"/>
         </a:lnSpc>
@@ -4320,7 +4707,7 @@
           <a:spcPts val="0"/>
         </a:spcAft>
         <a:buNone/>
-        <a:defRPr b="0" i="0" sz="1400" u="none" cap="none" strike="noStrike">
+        <a:defRPr sz="1400" b="0" i="0" u="none" strike="noStrike" cap="none">
           <a:solidFill>
             <a:srgbClr val="000000"/>
           </a:solidFill>
@@ -4330,7 +4717,7 @@
           <a:sym typeface="Arial"/>
         </a:defRPr>
       </a:lvl5pPr>
-      <a:lvl6pPr lvl="5" marR="0" rtl="0" algn="l">
+      <a:lvl6pPr marR="0" lvl="5" algn="l" rtl="0">
         <a:lnSpc>
           <a:spcPct val="100000"/>
         </a:lnSpc>
@@ -4341,7 +4728,7 @@
           <a:spcPts val="0"/>
         </a:spcAft>
         <a:buNone/>
-        <a:defRPr b="0" i="0" sz="1400" u="none" cap="none" strike="noStrike">
+        <a:defRPr sz="1400" b="0" i="0" u="none" strike="noStrike" cap="none">
           <a:solidFill>
             <a:srgbClr val="000000"/>
           </a:solidFill>
@@ -4351,7 +4738,7 @@
           <a:sym typeface="Arial"/>
         </a:defRPr>
       </a:lvl6pPr>
-      <a:lvl7pPr lvl="6" marR="0" rtl="0" algn="l">
+      <a:lvl7pPr marR="0" lvl="6" algn="l" rtl="0">
         <a:lnSpc>
           <a:spcPct val="100000"/>
         </a:lnSpc>
@@ -4362,7 +4749,7 @@
           <a:spcPts val="0"/>
         </a:spcAft>
         <a:buNone/>
-        <a:defRPr b="0" i="0" sz="1400" u="none" cap="none" strike="noStrike">
+        <a:defRPr sz="1400" b="0" i="0" u="none" strike="noStrike" cap="none">
           <a:solidFill>
             <a:srgbClr val="000000"/>
           </a:solidFill>
@@ -4372,7 +4759,7 @@
           <a:sym typeface="Arial"/>
         </a:defRPr>
       </a:lvl7pPr>
-      <a:lvl8pPr lvl="7" marR="0" rtl="0" algn="l">
+      <a:lvl8pPr marR="0" lvl="7" algn="l" rtl="0">
         <a:lnSpc>
           <a:spcPct val="100000"/>
         </a:lnSpc>
@@ -4383,7 +4770,7 @@
           <a:spcPts val="0"/>
         </a:spcAft>
         <a:buNone/>
-        <a:defRPr b="0" i="0" sz="1400" u="none" cap="none" strike="noStrike">
+        <a:defRPr sz="1400" b="0" i="0" u="none" strike="noStrike" cap="none">
           <a:solidFill>
             <a:srgbClr val="000000"/>
           </a:solidFill>
@@ -4393,7 +4780,7 @@
           <a:sym typeface="Arial"/>
         </a:defRPr>
       </a:lvl8pPr>
-      <a:lvl9pPr lvl="8" marR="0" rtl="0" algn="l">
+      <a:lvl9pPr marR="0" lvl="8" algn="l" rtl="0">
         <a:lnSpc>
           <a:spcPct val="100000"/>
         </a:lnSpc>
@@ -4404,7 +4791,7 @@
           <a:spcPts val="0"/>
         </a:spcAft>
         <a:buNone/>
-        <a:defRPr b="0" i="0" sz="1400" u="none" cap="none" strike="noStrike">
+        <a:defRPr sz="1400" b="0" i="0" u="none" strike="noStrike" cap="none">
           <a:solidFill>
             <a:srgbClr val="000000"/>
           </a:solidFill>
@@ -4420,18 +4807,19 @@
 </file>
 
 <file path=ppt/slides/slide1.xml><?xml version="1.0" encoding="utf-8"?>
-<p:sld xmlns:a="http://schemas.openxmlformats.org/drawingml/2006/main" xmlns:r="http://schemas.openxmlformats.org/officeDocument/2006/relationships" xmlns:mc="http://schemas.openxmlformats.org/markup-compatibility/2006" xmlns:mv="urn:schemas-microsoft-com:mac:vml" xmlns:p="http://schemas.openxmlformats.org/presentationml/2006/main" xmlns:c="http://schemas.openxmlformats.org/drawingml/2006/chart" xmlns:dgm="http://schemas.openxmlformats.org/drawingml/2006/diagram" xmlns:o="urn:schemas-microsoft-com:office:office" xmlns:v="urn:schemas-microsoft-com:vml" xmlns:pvml="urn:schemas-microsoft-com:office:powerpoint" xmlns:com="http://schemas.openxmlformats.org/drawingml/2006/compatibility" xmlns:p14="http://schemas.microsoft.com/office/powerpoint/2010/main">
+<p:sld xmlns:a="http://schemas.openxmlformats.org/drawingml/2006/main" xmlns:r="http://schemas.openxmlformats.org/officeDocument/2006/relationships" xmlns:p="http://schemas.openxmlformats.org/presentationml/2006/main">
   <p:cSld>
     <p:bg>
       <p:bgPr>
         <a:solidFill>
           <a:srgbClr val="3A8FB7"/>
         </a:solidFill>
+        <a:effectLst/>
       </p:bgPr>
     </p:bg>
     <p:spTree>
       <p:nvGrpSpPr>
-        <p:cNvPr id="53" name="Shape 53"/>
+        <p:cNvPr id="1" name="Shape 53"/>
         <p:cNvGrpSpPr/>
         <p:nvPr/>
       </p:nvGrpSpPr>
@@ -4446,7 +4834,9 @@
       <p:sp>
         <p:nvSpPr>
           <p:cNvPr id="54" name="Shape 54"/>
-          <p:cNvSpPr txBox="1"/>
+          <p:cNvSpPr txBox="1">
+            <a:spLocks noGrp="1"/>
+          </p:cNvSpPr>
           <p:nvPr>
             <p:ph type="ctrTitle"/>
           </p:nvPr>
@@ -4461,7 +4851,7 @@
           </a:prstGeom>
         </p:spPr>
         <p:txBody>
-          <a:bodyPr anchorCtr="0" anchor="b" bIns="91425" lIns="91425" rIns="91425" tIns="91425">
+          <a:bodyPr lIns="91425" tIns="91425" rIns="91425" bIns="91425" anchor="b" anchorCtr="0">
             <a:noAutofit/>
           </a:bodyPr>
           <a:lstStyle/>
@@ -4473,7 +4863,7 @@
               <a:buNone/>
             </a:pPr>
             <a:r>
-              <a:rPr b="1" lang="en">
+              <a:rPr lang="en" b="1">
                 <a:solidFill>
                   <a:srgbClr val="FFFF00"/>
                 </a:solidFill>
@@ -4486,9 +4876,11 @@
       <p:sp>
         <p:nvSpPr>
           <p:cNvPr id="55" name="Shape 55"/>
-          <p:cNvSpPr txBox="1"/>
+          <p:cNvSpPr txBox="1">
+            <a:spLocks noGrp="1"/>
+          </p:cNvSpPr>
           <p:nvPr>
-            <p:ph idx="1" type="subTitle"/>
+            <p:ph type="subTitle" idx="1"/>
           </p:nvPr>
         </p:nvSpPr>
         <p:spPr>
@@ -4501,7 +4893,7 @@
           </a:prstGeom>
         </p:spPr>
         <p:txBody>
-          <a:bodyPr anchorCtr="0" anchor="t" bIns="91425" lIns="91425" rIns="91425" tIns="91425">
+          <a:bodyPr lIns="91425" tIns="91425" rIns="91425" bIns="91425" anchor="t" anchorCtr="0">
             <a:noAutofit/>
           </a:bodyPr>
           <a:lstStyle/>
@@ -4513,7 +4905,7 @@
               <a:buNone/>
             </a:pPr>
             <a:r>
-              <a:rPr b="1" lang="en">
+              <a:rPr lang="en" b="1">
                 <a:solidFill>
                   <a:srgbClr val="FFFFFF"/>
                 </a:solidFill>
@@ -4531,22 +4923,30 @@
   <p:transition spd="slow">
     <p:cut/>
   </p:transition>
+  <p:timing>
+    <p:tnLst>
+      <p:par>
+        <p:cTn id="1" dur="indefinite" restart="never" nodeType="tmRoot"/>
+      </p:par>
+    </p:tnLst>
+  </p:timing>
 </p:sld>
 </file>
 
-<file path=ppt/slides/slide2.xml><?xml version="1.0" encoding="utf-8"?>
-<p:sld xmlns:a="http://schemas.openxmlformats.org/drawingml/2006/main" xmlns:r="http://schemas.openxmlformats.org/officeDocument/2006/relationships" xmlns:mc="http://schemas.openxmlformats.org/markup-compatibility/2006" xmlns:mv="urn:schemas-microsoft-com:mac:vml" xmlns:p="http://schemas.openxmlformats.org/presentationml/2006/main" xmlns:c="http://schemas.openxmlformats.org/drawingml/2006/chart" xmlns:dgm="http://schemas.openxmlformats.org/drawingml/2006/diagram" xmlns:o="urn:schemas-microsoft-com:office:office" xmlns:v="urn:schemas-microsoft-com:vml" xmlns:pvml="urn:schemas-microsoft-com:office:powerpoint" xmlns:com="http://schemas.openxmlformats.org/drawingml/2006/compatibility" xmlns:p14="http://schemas.microsoft.com/office/powerpoint/2010/main">
+<file path=ppt/slides/slide10.xml><?xml version="1.0" encoding="utf-8"?>
+<p:sld xmlns:a="http://schemas.openxmlformats.org/drawingml/2006/main" xmlns:r="http://schemas.openxmlformats.org/officeDocument/2006/relationships" xmlns:p="http://schemas.openxmlformats.org/presentationml/2006/main">
   <p:cSld>
     <p:bg>
       <p:bgPr>
         <a:solidFill>
-          <a:srgbClr val="3A8FB7"/>
+          <a:srgbClr val="44A0DD"/>
         </a:solidFill>
+        <a:effectLst/>
       </p:bgPr>
     </p:bg>
     <p:spTree>
       <p:nvGrpSpPr>
-        <p:cNvPr id="59" name="Shape 59"/>
+        <p:cNvPr id="1" name="Shape 124"/>
         <p:cNvGrpSpPr/>
         <p:nvPr/>
       </p:nvGrpSpPr>
@@ -4560,199 +4960,140 @@
       </p:grpSpPr>
       <p:sp>
         <p:nvSpPr>
-          <p:cNvPr id="60" name="Shape 60"/>
-          <p:cNvSpPr txBox="1"/>
+          <p:cNvPr id="125" name="Shape 125"/>
+          <p:cNvSpPr txBox="1">
+            <a:spLocks noGrp="1"/>
+          </p:cNvSpPr>
           <p:nvPr>
             <p:ph type="title"/>
           </p:nvPr>
         </p:nvSpPr>
         <p:spPr>
           <a:xfrm>
-            <a:off x="311700" y="171325"/>
-            <a:ext cx="8520600" cy="1277100"/>
+            <a:off x="311700" y="214724"/>
+            <a:ext cx="8520600" cy="1366425"/>
           </a:xfrm>
           <a:prstGeom prst="rect">
             <a:avLst/>
           </a:prstGeom>
         </p:spPr>
         <p:txBody>
-          <a:bodyPr anchorCtr="0" anchor="t" bIns="91425" lIns="91425" rIns="91425" tIns="91425">
+          <a:bodyPr lIns="91425" tIns="91425" rIns="91425" bIns="91425" anchor="t" anchorCtr="0">
             <a:noAutofit/>
           </a:bodyPr>
           <a:lstStyle/>
           <a:p>
-            <a:pPr lvl="0" rtl="0">
-              <a:lnSpc>
-                <a:spcPct val="130000"/>
-              </a:lnSpc>
-              <a:spcBef>
-                <a:spcPts val="0"/>
-              </a:spcBef>
-              <a:buClr>
-                <a:schemeClr val="dk1"/>
-              </a:buClr>
-              <a:buSzPct val="36666"/>
-              <a:buFont typeface="Arial"/>
+            <a:pPr lvl="0" algn="ctr">
+              <a:spcBef>
+                <a:spcPts val="0"/>
+              </a:spcBef>
               <a:buNone/>
             </a:pPr>
             <a:r>
-              <a:rPr b="1" lang="en" sz="3000">
+              <a:rPr lang="en" sz="3600" b="1" dirty="0" smtClean="0">
                 <a:solidFill>
-                  <a:srgbClr val="FBE251"/>
+                  <a:srgbClr val="FFD966"/>
                 </a:solidFill>
               </a:rPr>
-              <a:t>What factors influenced women's working statuses over the past two decades?</a:t>
+              <a:t>Thank You </a:t>
             </a:r>
-          </a:p>
-          <a:p>
-            <a:pPr lvl="0">
-              <a:spcBef>
-                <a:spcPts val="0"/>
-              </a:spcBef>
-              <a:buNone/>
-            </a:pPr>
-            <a:r>
-              <a:t/>
-            </a:r>
-            <a:endParaRPr/>
+            <a:endParaRPr lang="en" sz="3600" b="1" dirty="0">
+              <a:solidFill>
+                <a:srgbClr val="FFD966"/>
+              </a:solidFill>
+            </a:endParaRPr>
           </a:p>
         </p:txBody>
       </p:sp>
       <p:sp>
         <p:nvSpPr>
-          <p:cNvPr id="61" name="Shape 61"/>
-          <p:cNvSpPr txBox="1"/>
+          <p:cNvPr id="126" name="Shape 126"/>
+          <p:cNvSpPr txBox="1">
+            <a:spLocks noGrp="1"/>
+          </p:cNvSpPr>
           <p:nvPr>
-            <p:ph idx="1" type="body"/>
+            <p:ph type="body" idx="1"/>
           </p:nvPr>
         </p:nvSpPr>
         <p:spPr>
           <a:xfrm>
-            <a:off x="235500" y="1838650"/>
-            <a:ext cx="8520600" cy="2962800"/>
+            <a:off x="1447800" y="1733549"/>
+            <a:ext cx="6248400" cy="1981201"/>
           </a:xfrm>
           <a:prstGeom prst="rect">
             <a:avLst/>
           </a:prstGeom>
         </p:spPr>
         <p:txBody>
-          <a:bodyPr anchorCtr="0" anchor="t" bIns="91425" lIns="91425" rIns="91425" tIns="91425">
+          <a:bodyPr lIns="91425" tIns="91425" rIns="91425" bIns="91425" anchor="t" anchorCtr="0">
             <a:noAutofit/>
           </a:bodyPr>
           <a:lstStyle/>
           <a:p>
-            <a:pPr lvl="0" rtl="0">
-              <a:spcBef>
-                <a:spcPts val="0"/>
-              </a:spcBef>
-              <a:buNone/>
+            <a:pPr marL="285750" lvl="0" indent="-285750">
+              <a:buFont typeface="Arial" pitchFamily="34" charset="0"/>
+              <a:buChar char="•"/>
             </a:pPr>
             <a:r>
-              <a:rPr b="1" lang="en" sz="2700">
+              <a:rPr lang="en-US" b="1" dirty="0" smtClean="0">
                 <a:solidFill>
-                  <a:srgbClr val="FFFFFF"/>
+                  <a:schemeClr val="bg1"/>
                 </a:solidFill>
               </a:rPr>
-              <a:t>Data source: General Social Survey</a:t>
+              <a:t>github.com/</a:t>
             </a:r>
-          </a:p>
-          <a:p>
-            <a:pPr indent="-371475" lvl="0" marL="457200" rtl="0">
-              <a:lnSpc>
-                <a:spcPct val="130000"/>
-              </a:lnSpc>
-              <a:spcBef>
-                <a:spcPts val="0"/>
-              </a:spcBef>
-              <a:spcAft>
-                <a:spcPts val="0"/>
-              </a:spcAft>
-              <a:buClr>
-                <a:srgbClr val="FFFFFF"/>
-              </a:buClr>
-              <a:buSzPct val="97826"/>
-            </a:pPr>
             <a:r>
-              <a:rPr lang="en" sz="2250">
+              <a:rPr lang="en-US" b="1" dirty="0" err="1" smtClean="0">
                 <a:solidFill>
-                  <a:srgbClr val="FFFFFF"/>
+                  <a:schemeClr val="bg1"/>
                 </a:solidFill>
               </a:rPr>
-              <a:t>Demographic attitudes and living conditions of residents in United States since 1972</a:t>
+              <a:t>banjopickin</a:t>
             </a:r>
-          </a:p>
-          <a:p>
-            <a:pPr indent="-371475" lvl="0" marL="457200" rtl="0">
-              <a:lnSpc>
-                <a:spcPct val="130000"/>
-              </a:lnSpc>
-              <a:spcBef>
-                <a:spcPts val="0"/>
-              </a:spcBef>
-              <a:spcAft>
-                <a:spcPts val="0"/>
-              </a:spcAft>
-              <a:buClr>
-                <a:srgbClr val="FFFFFF"/>
-              </a:buClr>
-              <a:buSzPct val="97826"/>
-            </a:pPr>
             <a:r>
-              <a:rPr lang="en" sz="2250">
+              <a:rPr lang="en-US" b="1" dirty="0" smtClean="0">
                 <a:solidFill>
-                  <a:srgbClr val="FFFFFF"/>
+                  <a:schemeClr val="bg1"/>
                 </a:solidFill>
               </a:rPr>
-              <a:t>Face-to-face interview at the University of Chicago</a:t>
+              <a:t>/</a:t>
             </a:r>
-          </a:p>
-          <a:p>
-            <a:pPr indent="-371475" lvl="0" marL="457200" rtl="0">
-              <a:lnSpc>
-                <a:spcPct val="130000"/>
-              </a:lnSpc>
-              <a:spcBef>
-                <a:spcPts val="0"/>
-              </a:spcBef>
-              <a:spcAft>
-                <a:spcPts val="0"/>
-              </a:spcAft>
-              <a:buClr>
-                <a:srgbClr val="FFFFFF"/>
-              </a:buClr>
-              <a:buSzPct val="97826"/>
-            </a:pPr>
             <a:r>
-              <a:rPr lang="en" sz="2250">
+              <a:rPr lang="en-US" b="1" dirty="0" err="1" smtClean="0">
                 <a:solidFill>
-                  <a:srgbClr val="FFFFFF"/>
+                  <a:schemeClr val="bg1"/>
                 </a:solidFill>
               </a:rPr>
-              <a:t>Open to the public</a:t>
+              <a:t>women_workforce</a:t>
             </a:r>
-          </a:p>
-          <a:p>
-            <a:pPr lvl="0">
-              <a:spcBef>
-                <a:spcPts val="0"/>
-              </a:spcBef>
-              <a:buNone/>
+            <a:endParaRPr lang="en-US" b="1" dirty="0" smtClean="0">
+              <a:solidFill>
+                <a:schemeClr val="bg1"/>
+              </a:solidFill>
+            </a:endParaRPr>
+          </a:p>
+          <a:p>
+            <a:pPr marL="285750" lvl="0" indent="-285750">
+              <a:buFont typeface="Arial" pitchFamily="34" charset="0"/>
+              <a:buChar char="•"/>
             </a:pPr>
             <a:r>
-              <a:t/>
+              <a:rPr lang="en-US" b="1" dirty="0" smtClean="0">
+                <a:solidFill>
+                  <a:schemeClr val="bg1"/>
+                </a:solidFill>
+              </a:rPr>
+              <a:t>yihualeng@gmail.com</a:t>
             </a:r>
-            <a:endParaRPr b="1" sz="2700">
-              <a:solidFill>
-                <a:srgbClr val="FFFFFF"/>
-              </a:solidFill>
-              <a:highlight>
-                <a:srgbClr val="44A0DD"/>
-              </a:highlight>
-            </a:endParaRPr>
           </a:p>
         </p:txBody>
       </p:sp>
     </p:spTree>
+    <p:extLst>
+      <p:ext uri="{BB962C8B-B14F-4D97-AF65-F5344CB8AC3E}">
+        <p14:creationId xmlns:p14="http://schemas.microsoft.com/office/powerpoint/2010/main" val="1893649943"/>
+      </p:ext>
+    </p:extLst>
   </p:cSld>
   <p:clrMapOvr>
     <a:masterClrMapping/>
@@ -4760,22 +5101,30 @@
   <p:transition spd="slow">
     <p:cut/>
   </p:transition>
+  <p:timing>
+    <p:tnLst>
+      <p:par>
+        <p:cTn id="1" dur="indefinite" restart="never" nodeType="tmRoot"/>
+      </p:par>
+    </p:tnLst>
+  </p:timing>
 </p:sld>
 </file>
 
-<file path=ppt/slides/slide3.xml><?xml version="1.0" encoding="utf-8"?>
-<p:sld xmlns:a="http://schemas.openxmlformats.org/drawingml/2006/main" xmlns:r="http://schemas.openxmlformats.org/officeDocument/2006/relationships" xmlns:mc="http://schemas.openxmlformats.org/markup-compatibility/2006" xmlns:mv="urn:schemas-microsoft-com:mac:vml" xmlns:p="http://schemas.openxmlformats.org/presentationml/2006/main" xmlns:c="http://schemas.openxmlformats.org/drawingml/2006/chart" xmlns:dgm="http://schemas.openxmlformats.org/drawingml/2006/diagram" xmlns:o="urn:schemas-microsoft-com:office:office" xmlns:v="urn:schemas-microsoft-com:vml" xmlns:pvml="urn:schemas-microsoft-com:office:powerpoint" xmlns:com="http://schemas.openxmlformats.org/drawingml/2006/compatibility" xmlns:p14="http://schemas.microsoft.com/office/powerpoint/2010/main">
+<file path=ppt/slides/slide2.xml><?xml version="1.0" encoding="utf-8"?>
+<p:sld xmlns:a="http://schemas.openxmlformats.org/drawingml/2006/main" xmlns:r="http://schemas.openxmlformats.org/officeDocument/2006/relationships" xmlns:p="http://schemas.openxmlformats.org/presentationml/2006/main">
   <p:cSld>
     <p:bg>
       <p:bgPr>
         <a:solidFill>
-          <a:srgbClr val="DAC9A6"/>
+          <a:srgbClr val="3A8FB7"/>
         </a:solidFill>
+        <a:effectLst/>
       </p:bgPr>
     </p:bg>
     <p:spTree>
       <p:nvGrpSpPr>
-        <p:cNvPr id="65" name="Shape 65"/>
+        <p:cNvPr id="1" name="Shape 59"/>
         <p:cNvGrpSpPr/>
         <p:nvPr/>
       </p:nvGrpSpPr>
@@ -4789,28 +5138,265 @@
       </p:grpSpPr>
       <p:sp>
         <p:nvSpPr>
-          <p:cNvPr id="66" name="Shape 66"/>
-          <p:cNvSpPr txBox="1"/>
+          <p:cNvPr id="60" name="Shape 60"/>
+          <p:cNvSpPr txBox="1">
+            <a:spLocks noGrp="1"/>
+          </p:cNvSpPr>
           <p:nvPr>
             <p:ph type="title"/>
           </p:nvPr>
         </p:nvSpPr>
         <p:spPr>
           <a:xfrm>
-            <a:off x="83100" y="738925"/>
-            <a:ext cx="3337800" cy="572700"/>
+            <a:off x="311700" y="171325"/>
+            <a:ext cx="8520600" cy="1277100"/>
           </a:xfrm>
           <a:prstGeom prst="rect">
             <a:avLst/>
           </a:prstGeom>
         </p:spPr>
         <p:txBody>
-          <a:bodyPr anchorCtr="0" anchor="t" bIns="91425" lIns="91425" rIns="91425" tIns="91425">
+          <a:bodyPr lIns="91425" tIns="91425" rIns="91425" bIns="91425" anchor="t" anchorCtr="0">
             <a:noAutofit/>
           </a:bodyPr>
           <a:lstStyle/>
           <a:p>
-            <a:pPr indent="-368300" lvl="0" marL="457200">
+            <a:pPr lvl="0" rtl="0">
+              <a:lnSpc>
+                <a:spcPct val="130000"/>
+              </a:lnSpc>
+              <a:spcBef>
+                <a:spcPts val="0"/>
+              </a:spcBef>
+              <a:buClr>
+                <a:schemeClr val="dk1"/>
+              </a:buClr>
+              <a:buSzPct val="36666"/>
+              <a:buFont typeface="Arial"/>
+              <a:buNone/>
+            </a:pPr>
+            <a:r>
+              <a:rPr lang="en" sz="3000" b="1">
+                <a:solidFill>
+                  <a:srgbClr val="FBE251"/>
+                </a:solidFill>
+              </a:rPr>
+              <a:t>What factors influenced women's working statuses over the past two decades?</a:t>
+            </a:r>
+          </a:p>
+          <a:p>
+            <a:pPr lvl="0">
+              <a:spcBef>
+                <a:spcPts val="0"/>
+              </a:spcBef>
+              <a:buNone/>
+            </a:pPr>
+            <a:endParaRPr/>
+          </a:p>
+        </p:txBody>
+      </p:sp>
+      <p:sp>
+        <p:nvSpPr>
+          <p:cNvPr id="61" name="Shape 61"/>
+          <p:cNvSpPr txBox="1">
+            <a:spLocks noGrp="1"/>
+          </p:cNvSpPr>
+          <p:nvPr>
+            <p:ph type="body" idx="1"/>
+          </p:nvPr>
+        </p:nvSpPr>
+        <p:spPr>
+          <a:xfrm>
+            <a:off x="235500" y="1838650"/>
+            <a:ext cx="8520600" cy="2962800"/>
+          </a:xfrm>
+          <a:prstGeom prst="rect">
+            <a:avLst/>
+          </a:prstGeom>
+        </p:spPr>
+        <p:txBody>
+          <a:bodyPr lIns="91425" tIns="91425" rIns="91425" bIns="91425" anchor="t" anchorCtr="0">
+            <a:noAutofit/>
+          </a:bodyPr>
+          <a:lstStyle/>
+          <a:p>
+            <a:pPr lvl="0" rtl="0">
+              <a:spcBef>
+                <a:spcPts val="0"/>
+              </a:spcBef>
+              <a:buNone/>
+            </a:pPr>
+            <a:r>
+              <a:rPr lang="en" sz="2700" b="1">
+                <a:solidFill>
+                  <a:srgbClr val="FFFFFF"/>
+                </a:solidFill>
+              </a:rPr>
+              <a:t>Data source: General Social Survey</a:t>
+            </a:r>
+          </a:p>
+          <a:p>
+            <a:pPr marL="457200" lvl="0" indent="-371475" rtl="0">
+              <a:lnSpc>
+                <a:spcPct val="130000"/>
+              </a:lnSpc>
+              <a:spcBef>
+                <a:spcPts val="0"/>
+              </a:spcBef>
+              <a:spcAft>
+                <a:spcPts val="0"/>
+              </a:spcAft>
+              <a:buClr>
+                <a:srgbClr val="FFFFFF"/>
+              </a:buClr>
+              <a:buSzPct val="97826"/>
+            </a:pPr>
+            <a:r>
+              <a:rPr lang="en" sz="2250">
+                <a:solidFill>
+                  <a:srgbClr val="FFFFFF"/>
+                </a:solidFill>
+              </a:rPr>
+              <a:t>Demographic attitudes and living conditions of residents in United States since 1972</a:t>
+            </a:r>
+          </a:p>
+          <a:p>
+            <a:pPr marL="457200" lvl="0" indent="-371475" rtl="0">
+              <a:lnSpc>
+                <a:spcPct val="130000"/>
+              </a:lnSpc>
+              <a:spcBef>
+                <a:spcPts val="0"/>
+              </a:spcBef>
+              <a:spcAft>
+                <a:spcPts val="0"/>
+              </a:spcAft>
+              <a:buClr>
+                <a:srgbClr val="FFFFFF"/>
+              </a:buClr>
+              <a:buSzPct val="97826"/>
+            </a:pPr>
+            <a:r>
+              <a:rPr lang="en" sz="2250">
+                <a:solidFill>
+                  <a:srgbClr val="FFFFFF"/>
+                </a:solidFill>
+              </a:rPr>
+              <a:t>Face-to-face interview at the University of Chicago</a:t>
+            </a:r>
+          </a:p>
+          <a:p>
+            <a:pPr marL="457200" lvl="0" indent="-371475" rtl="0">
+              <a:lnSpc>
+                <a:spcPct val="130000"/>
+              </a:lnSpc>
+              <a:spcBef>
+                <a:spcPts val="0"/>
+              </a:spcBef>
+              <a:spcAft>
+                <a:spcPts val="0"/>
+              </a:spcAft>
+              <a:buClr>
+                <a:srgbClr val="FFFFFF"/>
+              </a:buClr>
+              <a:buSzPct val="97826"/>
+            </a:pPr>
+            <a:r>
+              <a:rPr lang="en" sz="2250">
+                <a:solidFill>
+                  <a:srgbClr val="FFFFFF"/>
+                </a:solidFill>
+              </a:rPr>
+              <a:t>Open to the public</a:t>
+            </a:r>
+          </a:p>
+          <a:p>
+            <a:pPr lvl="0">
+              <a:spcBef>
+                <a:spcPts val="0"/>
+              </a:spcBef>
+              <a:buNone/>
+            </a:pPr>
+            <a:endParaRPr sz="2700" b="1">
+              <a:solidFill>
+                <a:srgbClr val="FFFFFF"/>
+              </a:solidFill>
+              <a:highlight>
+                <a:srgbClr val="44A0DD"/>
+              </a:highlight>
+            </a:endParaRPr>
+          </a:p>
+        </p:txBody>
+      </p:sp>
+    </p:spTree>
+  </p:cSld>
+  <p:clrMapOvr>
+    <a:masterClrMapping/>
+  </p:clrMapOvr>
+  <p:transition spd="slow">
+    <p:cut/>
+  </p:transition>
+  <p:timing>
+    <p:tnLst>
+      <p:par>
+        <p:cTn id="1" dur="indefinite" restart="never" nodeType="tmRoot"/>
+      </p:par>
+    </p:tnLst>
+  </p:timing>
+</p:sld>
+</file>
+
+<file path=ppt/slides/slide3.xml><?xml version="1.0" encoding="utf-8"?>
+<p:sld xmlns:a="http://schemas.openxmlformats.org/drawingml/2006/main" xmlns:r="http://schemas.openxmlformats.org/officeDocument/2006/relationships" xmlns:p="http://schemas.openxmlformats.org/presentationml/2006/main">
+  <p:cSld>
+    <p:bg>
+      <p:bgPr>
+        <a:solidFill>
+          <a:srgbClr val="DAC9A6"/>
+        </a:solidFill>
+        <a:effectLst/>
+      </p:bgPr>
+    </p:bg>
+    <p:spTree>
+      <p:nvGrpSpPr>
+        <p:cNvPr id="1" name="Shape 65"/>
+        <p:cNvGrpSpPr/>
+        <p:nvPr/>
+      </p:nvGrpSpPr>
+      <p:grpSpPr>
+        <a:xfrm>
+          <a:off x="0" y="0"/>
+          <a:ext cx="0" cy="0"/>
+          <a:chOff x="0" y="0"/>
+          <a:chExt cx="0" cy="0"/>
+        </a:xfrm>
+      </p:grpSpPr>
+      <p:sp>
+        <p:nvSpPr>
+          <p:cNvPr id="66" name="Shape 66"/>
+          <p:cNvSpPr txBox="1">
+            <a:spLocks noGrp="1"/>
+          </p:cNvSpPr>
+          <p:nvPr>
+            <p:ph type="title"/>
+          </p:nvPr>
+        </p:nvSpPr>
+        <p:spPr>
+          <a:xfrm>
+            <a:off x="83100" y="738925"/>
+            <a:ext cx="3337800" cy="572700"/>
+          </a:xfrm>
+          <a:prstGeom prst="rect">
+            <a:avLst/>
+          </a:prstGeom>
+        </p:spPr>
+        <p:txBody>
+          <a:bodyPr lIns="91425" tIns="91425" rIns="91425" bIns="91425" anchor="t" anchorCtr="0">
+            <a:noAutofit/>
+          </a:bodyPr>
+          <a:lstStyle/>
+          <a:p>
+            <a:pPr marL="457200" lvl="0" indent="-368300">
               <a:spcBef>
                 <a:spcPts val="0"/>
               </a:spcBef>
@@ -4834,14 +5420,16 @@
       <p:sp>
         <p:nvSpPr>
           <p:cNvPr id="67" name="Shape 67"/>
-          <p:cNvSpPr txBox="1"/>
+          <p:cNvSpPr txBox="1">
+            <a:spLocks noGrp="1"/>
+          </p:cNvSpPr>
           <p:nvPr>
-            <p:ph idx="1" type="body"/>
+            <p:ph type="body" idx="1"/>
           </p:nvPr>
         </p:nvSpPr>
         <p:spPr>
           <a:xfrm>
-            <a:off x="4725" y="3905775"/>
+            <a:off x="0" y="3745200"/>
             <a:ext cx="2812200" cy="1398300"/>
           </a:xfrm>
           <a:prstGeom prst="rect">
@@ -4849,14 +5437,14 @@
           </a:prstGeom>
         </p:spPr>
         <p:txBody>
-          <a:bodyPr anchorCtr="0" anchor="t" bIns="91425" lIns="91425" rIns="91425" tIns="91425">
+          <a:bodyPr lIns="91425" tIns="91425" rIns="91425" bIns="91425" anchor="t" anchorCtr="0">
             <a:noAutofit/>
           </a:bodyPr>
           <a:lstStyle/>
           <a:p>
-            <a:pPr lvl="0" rtl="0" algn="ctr">
+            <a:pPr lvl="0" algn="ctr" rtl="0">
               <a:lnSpc>
-                <a:spcPct val="120000"/>
+                <a:spcPct val="100000"/>
               </a:lnSpc>
               <a:spcBef>
                 <a:spcPts val="0"/>
@@ -4872,7 +5460,7 @@
               <a:buNone/>
             </a:pPr>
             <a:r>
-              <a:rPr b="1" lang="en" sz="1800">
+              <a:rPr lang="en" sz="1800" b="1" dirty="0">
                 <a:solidFill>
                   <a:srgbClr val="393D3E"/>
                 </a:solidFill>
@@ -4881,9 +5469,9 @@
             </a:r>
           </a:p>
           <a:p>
-            <a:pPr indent="-342900" lvl="0" marL="673100" rtl="0">
+            <a:pPr marL="673100" lvl="0" indent="-342900" rtl="0">
               <a:lnSpc>
-                <a:spcPct val="130000"/>
+                <a:spcPct val="100000"/>
               </a:lnSpc>
               <a:spcBef>
                 <a:spcPts val="300"/>
@@ -4897,7 +5485,7 @@
               <a:buSzPct val="100000"/>
             </a:pPr>
             <a:r>
-              <a:rPr lang="en" sz="1800">
+              <a:rPr lang="en" sz="1800" dirty="0">
                 <a:solidFill>
                   <a:srgbClr val="393D3E"/>
                 </a:solidFill>
@@ -4906,7 +5494,7 @@
             </a:r>
           </a:p>
           <a:p>
-            <a:pPr indent="-342900" lvl="0" marL="673100" rtl="0">
+            <a:pPr marL="673100" lvl="0" indent="-342900" rtl="0">
               <a:lnSpc>
                 <a:spcPct val="130000"/>
               </a:lnSpc>
@@ -4922,7 +5510,7 @@
               <a:buSzPct val="100000"/>
             </a:pPr>
             <a:r>
-              <a:rPr lang="en" sz="1800">
+              <a:rPr lang="en" sz="1800" dirty="0">
                 <a:solidFill>
                   <a:srgbClr val="393D3E"/>
                 </a:solidFill>
@@ -4937,17 +5525,16 @@
               </a:spcBef>
               <a:buNone/>
             </a:pPr>
-            <a:r>
-              <a:t/>
-            </a:r>
-            <a:endParaRPr/>
+            <a:endParaRPr dirty="0"/>
           </a:p>
         </p:txBody>
       </p:sp>
       <p:sp>
         <p:nvSpPr>
           <p:cNvPr id="68" name="Shape 68"/>
-          <p:cNvSpPr txBox="1"/>
+          <p:cNvSpPr txBox="1">
+            <a:spLocks noGrp="1"/>
+          </p:cNvSpPr>
           <p:nvPr>
             <p:ph type="title"/>
           </p:nvPr>
@@ -4962,12 +5549,12 @@
           </a:prstGeom>
         </p:spPr>
         <p:txBody>
-          <a:bodyPr anchorCtr="0" anchor="t" bIns="91425" lIns="91425" rIns="91425" tIns="91425">
+          <a:bodyPr lIns="91425" tIns="91425" rIns="91425" bIns="91425" anchor="t" anchorCtr="0">
             <a:noAutofit/>
           </a:bodyPr>
           <a:lstStyle/>
           <a:p>
-            <a:pPr indent="-371475" lvl="0" marL="457200" rtl="0">
+            <a:pPr marL="457200" lvl="0" indent="-371475" rtl="0">
               <a:lnSpc>
                 <a:spcPct val="130000"/>
               </a:lnSpc>
@@ -4996,9 +5583,6 @@
               </a:spcBef>
               <a:buNone/>
             </a:pPr>
-            <a:r>
-              <a:t/>
-            </a:r>
             <a:endParaRPr/>
           </a:p>
         </p:txBody>
@@ -5079,12 +5663,12 @@
           </a:ln>
         </p:spPr>
         <p:txBody>
-          <a:bodyPr anchorCtr="0" anchor="t" bIns="91425" lIns="91425" rIns="91425" tIns="91425">
+          <a:bodyPr lIns="91425" tIns="91425" rIns="91425" bIns="91425" anchor="t" anchorCtr="0">
             <a:noAutofit/>
           </a:bodyPr>
           <a:lstStyle/>
           <a:p>
-            <a:pPr lvl="0" rtl="0" algn="ctr">
+            <a:pPr lvl="0" algn="ctr" rtl="0">
               <a:lnSpc>
                 <a:spcPct val="130000"/>
               </a:lnSpc>
@@ -5114,13 +5698,40 @@
               </a:spcBef>
               <a:buNone/>
             </a:pPr>
-            <a:r>
-              <a:t/>
-            </a:r>
             <a:endParaRPr/>
           </a:p>
         </p:txBody>
       </p:sp>
+      <p:pic>
+        <p:nvPicPr>
+          <p:cNvPr id="4" name="Picture 3"/>
+          <p:cNvPicPr>
+            <a:picLocks noChangeAspect="1"/>
+          </p:cNvPicPr>
+          <p:nvPr/>
+        </p:nvPicPr>
+        <p:blipFill>
+          <a:blip r:embed="rId5">
+            <a:extLst>
+              <a:ext uri="{28A0092B-C50C-407E-A947-70E740481C1C}">
+                <a14:useLocalDpi xmlns:a14="http://schemas.microsoft.com/office/drawing/2010/main" val="0"/>
+              </a:ext>
+            </a:extLst>
+          </a:blip>
+          <a:stretch>
+            <a:fillRect/>
+          </a:stretch>
+        </p:blipFill>
+        <p:spPr>
+          <a:xfrm>
+            <a:off x="4545725" y="1476925"/>
+            <a:ext cx="4598275" cy="2378723"/>
+          </a:xfrm>
+          <a:prstGeom prst="rect">
+            <a:avLst/>
+          </a:prstGeom>
+        </p:spPr>
+      </p:pic>
     </p:spTree>
   </p:cSld>
   <p:clrMapOvr>
@@ -5129,22 +5740,106 @@
   <p:transition spd="slow">
     <p:cut/>
   </p:transition>
+  <p:timing>
+    <p:tnLst>
+      <p:par>
+        <p:cTn id="1" dur="indefinite" restart="never" nodeType="tmRoot">
+          <p:childTnLst>
+            <p:seq concurrent="1" nextAc="seek">
+              <p:cTn id="2" dur="indefinite" nodeType="mainSeq">
+                <p:childTnLst>
+                  <p:par>
+                    <p:cTn id="3" fill="hold">
+                      <p:stCondLst>
+                        <p:cond delay="indefinite"/>
+                      </p:stCondLst>
+                      <p:childTnLst>
+                        <p:par>
+                          <p:cTn id="4" fill="hold">
+                            <p:stCondLst>
+                              <p:cond delay="0"/>
+                            </p:stCondLst>
+                            <p:childTnLst>
+                              <p:par>
+                                <p:cTn id="5" presetID="16" presetClass="entr" presetSubtype="21" fill="hold" nodeType="clickEffect">
+                                  <p:stCondLst>
+                                    <p:cond delay="0"/>
+                                  </p:stCondLst>
+                                  <p:childTnLst>
+                                    <p:set>
+                                      <p:cBhvr>
+                                        <p:cTn id="6" dur="1" fill="hold">
+                                          <p:stCondLst>
+                                            <p:cond delay="0"/>
+                                          </p:stCondLst>
+                                        </p:cTn>
+                                        <p:tgtEl>
+                                          <p:spTgt spid="4"/>
+                                        </p:tgtEl>
+                                        <p:attrNameLst>
+                                          <p:attrName>style.visibility</p:attrName>
+                                        </p:attrNameLst>
+                                      </p:cBhvr>
+                                      <p:to>
+                                        <p:strVal val="visible"/>
+                                      </p:to>
+                                    </p:set>
+                                    <p:animEffect transition="in" filter="barn(inVertical)">
+                                      <p:cBhvr>
+                                        <p:cTn id="7" dur="500"/>
+                                        <p:tgtEl>
+                                          <p:spTgt spid="4"/>
+                                        </p:tgtEl>
+                                      </p:cBhvr>
+                                    </p:animEffect>
+                                  </p:childTnLst>
+                                </p:cTn>
+                              </p:par>
+                            </p:childTnLst>
+                          </p:cTn>
+                        </p:par>
+                      </p:childTnLst>
+                    </p:cTn>
+                  </p:par>
+                </p:childTnLst>
+              </p:cTn>
+              <p:prevCondLst>
+                <p:cond evt="onPrev" delay="0">
+                  <p:tgtEl>
+                    <p:sldTgt/>
+                  </p:tgtEl>
+                </p:cond>
+              </p:prevCondLst>
+              <p:nextCondLst>
+                <p:cond evt="onNext" delay="0">
+                  <p:tgtEl>
+                    <p:sldTgt/>
+                  </p:tgtEl>
+                </p:cond>
+              </p:nextCondLst>
+            </p:seq>
+          </p:childTnLst>
+        </p:cTn>
+      </p:par>
+    </p:tnLst>
+  </p:timing>
 </p:sld>
 </file>
 
 <file path=ppt/slides/slide4.xml><?xml version="1.0" encoding="utf-8"?>
-<p:sld xmlns:a="http://schemas.openxmlformats.org/drawingml/2006/main" xmlns:r="http://schemas.openxmlformats.org/officeDocument/2006/relationships" xmlns:mc="http://schemas.openxmlformats.org/markup-compatibility/2006" xmlns:mv="urn:schemas-microsoft-com:mac:vml" xmlns:p="http://schemas.openxmlformats.org/presentationml/2006/main" xmlns:c="http://schemas.openxmlformats.org/drawingml/2006/chart" xmlns:dgm="http://schemas.openxmlformats.org/drawingml/2006/diagram" xmlns:o="urn:schemas-microsoft-com:office:office" xmlns:v="urn:schemas-microsoft-com:vml" xmlns:pvml="urn:schemas-microsoft-com:office:powerpoint" xmlns:com="http://schemas.openxmlformats.org/drawingml/2006/compatibility" xmlns:p14="http://schemas.microsoft.com/office/powerpoint/2010/main">
+<p:sld xmlns:a="http://schemas.openxmlformats.org/drawingml/2006/main" xmlns:r="http://schemas.openxmlformats.org/officeDocument/2006/relationships" xmlns:p="http://schemas.openxmlformats.org/presentationml/2006/main">
   <p:cSld>
     <p:bg>
       <p:bgPr>
         <a:solidFill>
           <a:srgbClr val="44A0DD"/>
         </a:solidFill>
+        <a:effectLst/>
       </p:bgPr>
     </p:bg>
     <p:spTree>
       <p:nvGrpSpPr>
-        <p:cNvPr id="75" name="Shape 75"/>
+        <p:cNvPr id="1" name="Shape 75"/>
         <p:cNvGrpSpPr/>
         <p:nvPr/>
       </p:nvGrpSpPr>
@@ -5159,7 +5854,9 @@
       <p:sp>
         <p:nvSpPr>
           <p:cNvPr id="76" name="Shape 76"/>
-          <p:cNvSpPr txBox="1"/>
+          <p:cNvSpPr txBox="1">
+            <a:spLocks noGrp="1"/>
+          </p:cNvSpPr>
           <p:nvPr>
             <p:ph type="title"/>
           </p:nvPr>
@@ -5174,12 +5871,12 @@
           </a:prstGeom>
         </p:spPr>
         <p:txBody>
-          <a:bodyPr anchorCtr="0" anchor="t" bIns="91425" lIns="91425" rIns="91425" tIns="91425">
+          <a:bodyPr lIns="91425" tIns="91425" rIns="91425" bIns="91425" anchor="t" anchorCtr="0">
             <a:noAutofit/>
           </a:bodyPr>
           <a:lstStyle/>
           <a:p>
-            <a:pPr lvl="0" rtl="0" algn="ctr">
+            <a:pPr lvl="0" algn="ctr" rtl="0">
               <a:lnSpc>
                 <a:spcPct val="130000"/>
               </a:lnSpc>
@@ -5202,7 +5899,7 @@
               <a:t>     </a:t>
             </a:r>
             <a:r>
-              <a:rPr b="1" lang="en" sz="1800">
+              <a:rPr lang="en" sz="1800" b="1">
                 <a:solidFill>
                   <a:srgbClr val="F5DB41"/>
                 </a:solidFill>
@@ -5210,7 +5907,7 @@
               <a:t>Among the women with children under thirteen, which ones are </a:t>
             </a:r>
             <a:r>
-              <a:rPr b="1" lang="en" sz="1800">
+              <a:rPr lang="en" sz="1800" b="1">
                 <a:solidFill>
                   <a:srgbClr val="F5DB41"/>
                 </a:solidFill>
@@ -5228,9 +5925,6 @@
               </a:spcBef>
               <a:buNone/>
             </a:pPr>
-            <a:r>
-              <a:t/>
-            </a:r>
             <a:endParaRPr/>
           </a:p>
         </p:txBody>
@@ -5255,7 +5949,7 @@
           </a:ln>
         </p:spPr>
         <p:txBody>
-          <a:bodyPr anchorCtr="0" anchor="t" bIns="91425" lIns="91425" rIns="91425" tIns="91425">
+          <a:bodyPr lIns="91425" tIns="91425" rIns="91425" bIns="91425" anchor="t" anchorCtr="0">
             <a:noAutofit/>
           </a:bodyPr>
           <a:lstStyle/>
@@ -5273,7 +5967,7 @@
               <a:buNone/>
             </a:pPr>
             <a:r>
-              <a:rPr b="1" lang="en" sz="1600">
+              <a:rPr lang="en" sz="1600" b="1" dirty="0">
                 <a:solidFill>
                   <a:srgbClr val="FBE251"/>
                 </a:solidFill>
@@ -5282,7 +5976,7 @@
             </a:r>
           </a:p>
           <a:p>
-            <a:pPr lvl="0" rtl="0" algn="ctr">
+            <a:pPr lvl="0" algn="ctr" rtl="0">
               <a:lnSpc>
                 <a:spcPct val="130000"/>
               </a:lnSpc>
@@ -5300,7 +5994,7 @@
               <a:buNone/>
             </a:pPr>
             <a:r>
-              <a:rPr lang="en" sz="1600">
+              <a:rPr lang="en" sz="1600" dirty="0">
                 <a:solidFill>
                   <a:srgbClr val="FBE251"/>
                 </a:solidFill>
@@ -5315,10 +6009,7 @@
               </a:spcBef>
               <a:buNone/>
             </a:pPr>
-            <a:r>
-              <a:t/>
-            </a:r>
-            <a:endParaRPr/>
+            <a:endParaRPr dirty="0"/>
           </a:p>
         </p:txBody>
       </p:sp>
@@ -5337,14 +6028,14 @@
             <a:avLst/>
           </a:prstGeom>
           <a:noFill/>
-          <a:ln cap="flat" cmpd="sng" w="38100">
+          <a:ln w="38100" cap="flat" cmpd="sng">
             <a:solidFill>
               <a:srgbClr val="FBE251"/>
             </a:solidFill>
             <a:prstDash val="solid"/>
             <a:round/>
-            <a:headEnd len="lg" w="lg" type="none"/>
-            <a:tailEnd len="lg" w="lg" type="triangle"/>
+            <a:headEnd type="none" w="lg" len="lg"/>
+            <a:tailEnd type="triangle" w="lg" len="lg"/>
           </a:ln>
         </p:spPr>
       </p:cxnSp>
@@ -5368,12 +6059,12 @@
           </a:ln>
         </p:spPr>
         <p:txBody>
-          <a:bodyPr anchorCtr="0" anchor="t" bIns="91425" lIns="91425" rIns="91425" tIns="91425">
+          <a:bodyPr lIns="91425" tIns="91425" rIns="91425" bIns="91425" anchor="t" anchorCtr="0">
             <a:noAutofit/>
           </a:bodyPr>
           <a:lstStyle/>
           <a:p>
-            <a:pPr lvl="0" rtl="0" algn="ctr">
+            <a:pPr lvl="0" algn="ctr" rtl="0">
               <a:lnSpc>
                 <a:spcPct val="130000"/>
               </a:lnSpc>
@@ -5403,7 +6094,7 @@
             </a:r>
           </a:p>
           <a:p>
-            <a:pPr lvl="0" rtl="0" algn="ctr">
+            <a:pPr lvl="0" algn="ctr" rtl="0">
               <a:lnSpc>
                 <a:spcPct val="130000"/>
               </a:lnSpc>
@@ -5436,9 +6127,6 @@
               </a:spcBef>
               <a:buNone/>
             </a:pPr>
-            <a:r>
-              <a:t/>
-            </a:r>
             <a:endParaRPr/>
           </a:p>
         </p:txBody>
@@ -5458,14 +6146,14 @@
             <a:avLst/>
           </a:prstGeom>
           <a:noFill/>
-          <a:ln cap="flat" cmpd="sng" w="38100">
+          <a:ln w="38100" cap="flat" cmpd="sng">
             <a:solidFill>
               <a:srgbClr val="FBE251"/>
             </a:solidFill>
             <a:prstDash val="solid"/>
             <a:round/>
-            <a:headEnd len="lg" w="lg" type="none"/>
-            <a:tailEnd len="lg" w="lg" type="triangle"/>
+            <a:headEnd type="none" w="lg" len="lg"/>
+            <a:tailEnd type="triangle" w="lg" len="lg"/>
           </a:ln>
         </p:spPr>
       </p:cxnSp>
@@ -5489,12 +6177,12 @@
           </a:ln>
         </p:spPr>
         <p:txBody>
-          <a:bodyPr anchorCtr="0" anchor="t" bIns="91425" lIns="91425" rIns="91425" tIns="91425">
+          <a:bodyPr lIns="91425" tIns="91425" rIns="91425" bIns="91425" anchor="t" anchorCtr="0">
             <a:noAutofit/>
           </a:bodyPr>
           <a:lstStyle/>
           <a:p>
-            <a:pPr indent="-69850" lvl="0" marL="0" marR="0" rtl="0" algn="ctr">
+            <a:pPr marL="0" marR="0" lvl="0" indent="-69850" algn="ctr" rtl="0">
               <a:lnSpc>
                 <a:spcPct val="130000"/>
               </a:lnSpc>
@@ -5524,7 +6212,7 @@
             </a:r>
           </a:p>
           <a:p>
-            <a:pPr lvl="0" rtl="0" algn="ctr">
+            <a:pPr lvl="0" algn="ctr" rtl="0">
               <a:lnSpc>
                 <a:spcPct val="130000"/>
               </a:lnSpc>
@@ -5557,9 +6245,6 @@
               </a:spcBef>
               <a:buNone/>
             </a:pPr>
-            <a:r>
-              <a:t/>
-            </a:r>
             <a:endParaRPr/>
           </a:p>
         </p:txBody>
@@ -5600,22 +6285,30 @@
   <p:transition spd="slow">
     <p:cut/>
   </p:transition>
+  <p:timing>
+    <p:tnLst>
+      <p:par>
+        <p:cTn id="1" dur="indefinite" restart="never" nodeType="tmRoot"/>
+      </p:par>
+    </p:tnLst>
+  </p:timing>
 </p:sld>
 </file>
 
 <file path=ppt/slides/slide5.xml><?xml version="1.0" encoding="utf-8"?>
-<p:sld xmlns:a="http://schemas.openxmlformats.org/drawingml/2006/main" xmlns:r="http://schemas.openxmlformats.org/officeDocument/2006/relationships" xmlns:mc="http://schemas.openxmlformats.org/markup-compatibility/2006" xmlns:mv="urn:schemas-microsoft-com:mac:vml" xmlns:p="http://schemas.openxmlformats.org/presentationml/2006/main" xmlns:c="http://schemas.openxmlformats.org/drawingml/2006/chart" xmlns:dgm="http://schemas.openxmlformats.org/drawingml/2006/diagram" xmlns:o="urn:schemas-microsoft-com:office:office" xmlns:v="urn:schemas-microsoft-com:vml" xmlns:pvml="urn:schemas-microsoft-com:office:powerpoint" xmlns:com="http://schemas.openxmlformats.org/drawingml/2006/compatibility" xmlns:p14="http://schemas.microsoft.com/office/powerpoint/2010/main">
+<p:sld xmlns:a="http://schemas.openxmlformats.org/drawingml/2006/main" xmlns:r="http://schemas.openxmlformats.org/officeDocument/2006/relationships" xmlns:p="http://schemas.openxmlformats.org/presentationml/2006/main">
   <p:cSld>
     <p:bg>
       <p:bgPr>
         <a:solidFill>
           <a:srgbClr val="B1B479"/>
         </a:solidFill>
+        <a:effectLst/>
       </p:bgPr>
     </p:bg>
     <p:spTree>
       <p:nvGrpSpPr>
-        <p:cNvPr id="86" name="Shape 86"/>
+        <p:cNvPr id="1" name="Shape 86"/>
         <p:cNvGrpSpPr/>
         <p:nvPr/>
       </p:nvGrpSpPr>
@@ -5630,7 +6323,9 @@
       <p:sp>
         <p:nvSpPr>
           <p:cNvPr id="87" name="Shape 87"/>
-          <p:cNvSpPr txBox="1"/>
+          <p:cNvSpPr txBox="1">
+            <a:spLocks noGrp="1"/>
+          </p:cNvSpPr>
           <p:nvPr>
             <p:ph type="title"/>
           </p:nvPr>
@@ -5645,12 +6340,12 @@
           </a:prstGeom>
         </p:spPr>
         <p:txBody>
-          <a:bodyPr anchorCtr="0" anchor="t" bIns="91425" lIns="91425" rIns="91425" tIns="91425">
+          <a:bodyPr lIns="91425" tIns="91425" rIns="91425" bIns="91425" anchor="t" anchorCtr="0">
             <a:noAutofit/>
           </a:bodyPr>
           <a:lstStyle/>
           <a:p>
-            <a:pPr indent="-228600" lvl="0" marL="457200">
+            <a:pPr marL="457200" lvl="0" indent="-228600">
               <a:spcBef>
                 <a:spcPts val="0"/>
               </a:spcBef>
@@ -5690,7 +6385,7 @@
           </a:ln>
         </p:spPr>
         <p:txBody>
-          <a:bodyPr anchorCtr="0" anchor="t" bIns="91425" lIns="91425" rIns="91425" tIns="91425">
+          <a:bodyPr lIns="91425" tIns="91425" rIns="91425" bIns="91425" anchor="t" anchorCtr="0">
             <a:noAutofit/>
           </a:bodyPr>
           <a:lstStyle/>
@@ -5732,12 +6427,12 @@
           </a:ln>
         </p:spPr>
         <p:txBody>
-          <a:bodyPr anchorCtr="0" anchor="t" bIns="91425" lIns="91425" rIns="91425" tIns="91425">
+          <a:bodyPr lIns="91425" tIns="91425" rIns="91425" bIns="91425" anchor="t" anchorCtr="0">
             <a:noAutofit/>
           </a:bodyPr>
           <a:lstStyle/>
           <a:p>
-            <a:pPr lvl="0" rtl="0" algn="ctr">
+            <a:pPr lvl="0" algn="ctr" rtl="0">
               <a:lnSpc>
                 <a:spcPct val="130000"/>
               </a:lnSpc>
@@ -5764,7 +6459,7 @@
             </a:r>
           </a:p>
           <a:p>
-            <a:pPr lvl="0" rtl="0" algn="ctr">
+            <a:pPr lvl="0" algn="ctr" rtl="0">
               <a:lnSpc>
                 <a:spcPct val="130000"/>
               </a:lnSpc>
@@ -5794,9 +6489,6 @@
               </a:spcBef>
               <a:buNone/>
             </a:pPr>
-            <a:r>
-              <a:t/>
-            </a:r>
             <a:endParaRPr sz="1800"/>
           </a:p>
         </p:txBody>
@@ -5849,7 +6541,7 @@
           </a:ln>
         </p:spPr>
         <p:txBody>
-          <a:bodyPr anchorCtr="0" anchor="t" bIns="91425" lIns="91425" rIns="91425" tIns="91425">
+          <a:bodyPr lIns="91425" tIns="91425" rIns="91425" bIns="91425" anchor="t" anchorCtr="0">
             <a:noAutofit/>
           </a:bodyPr>
           <a:lstStyle/>
@@ -5915,12 +6607,12 @@
           </a:ln>
         </p:spPr>
         <p:txBody>
-          <a:bodyPr anchorCtr="0" anchor="t" bIns="91425" lIns="91425" rIns="91425" tIns="91425">
+          <a:bodyPr lIns="91425" tIns="91425" rIns="91425" bIns="91425" anchor="t" anchorCtr="0">
             <a:noAutofit/>
           </a:bodyPr>
           <a:lstStyle/>
           <a:p>
-            <a:pPr indent="-406400" lvl="0" marL="457200" rtl="0">
+            <a:pPr marL="457200" lvl="0" indent="-406400" rtl="0">
               <a:lnSpc>
                 <a:spcPct val="130000"/>
               </a:lnSpc>
@@ -5952,9 +6644,6 @@
               </a:spcBef>
               <a:buNone/>
             </a:pPr>
-            <a:r>
-              <a:t/>
-            </a:r>
             <a:endParaRPr/>
           </a:p>
         </p:txBody>
@@ -5979,7 +6668,7 @@
           </a:ln>
         </p:spPr>
         <p:txBody>
-          <a:bodyPr anchorCtr="0" anchor="t" bIns="91425" lIns="91425" rIns="91425" tIns="91425">
+          <a:bodyPr lIns="91425" tIns="91425" rIns="91425" bIns="91425" anchor="t" anchorCtr="0">
             <a:noAutofit/>
           </a:bodyPr>
           <a:lstStyle/>
@@ -6037,22 +6726,30 @@
   <p:transition spd="slow">
     <p:cut/>
   </p:transition>
+  <p:timing>
+    <p:tnLst>
+      <p:par>
+        <p:cTn id="1" dur="indefinite" restart="never" nodeType="tmRoot"/>
+      </p:par>
+    </p:tnLst>
+  </p:timing>
 </p:sld>
 </file>
 
 <file path=ppt/slides/slide6.xml><?xml version="1.0" encoding="utf-8"?>
-<p:sld xmlns:a="http://schemas.openxmlformats.org/drawingml/2006/main" xmlns:r="http://schemas.openxmlformats.org/officeDocument/2006/relationships" xmlns:mc="http://schemas.openxmlformats.org/markup-compatibility/2006" xmlns:mv="urn:schemas-microsoft-com:mac:vml" xmlns:p="http://schemas.openxmlformats.org/presentationml/2006/main" xmlns:c="http://schemas.openxmlformats.org/drawingml/2006/chart" xmlns:dgm="http://schemas.openxmlformats.org/drawingml/2006/diagram" xmlns:o="urn:schemas-microsoft-com:office:office" xmlns:v="urn:schemas-microsoft-com:vml" xmlns:pvml="urn:schemas-microsoft-com:office:powerpoint" xmlns:com="http://schemas.openxmlformats.org/drawingml/2006/compatibility" xmlns:p14="http://schemas.microsoft.com/office/powerpoint/2010/main">
+<p:sld xmlns:a="http://schemas.openxmlformats.org/drawingml/2006/main" xmlns:r="http://schemas.openxmlformats.org/officeDocument/2006/relationships" xmlns:p="http://schemas.openxmlformats.org/presentationml/2006/main">
   <p:cSld>
     <p:bg>
       <p:bgPr>
         <a:solidFill>
           <a:srgbClr val="B1B479"/>
         </a:solidFill>
+        <a:effectLst/>
       </p:bgPr>
     </p:bg>
     <p:spTree>
       <p:nvGrpSpPr>
-        <p:cNvPr id="98" name="Shape 98"/>
+        <p:cNvPr id="1" name="Shape 98"/>
         <p:cNvGrpSpPr/>
         <p:nvPr/>
       </p:nvGrpSpPr>
@@ -6067,7 +6764,9 @@
       <p:sp>
         <p:nvSpPr>
           <p:cNvPr id="99" name="Shape 99"/>
-          <p:cNvSpPr txBox="1"/>
+          <p:cNvSpPr txBox="1">
+            <a:spLocks noGrp="1"/>
+          </p:cNvSpPr>
           <p:nvPr>
             <p:ph type="title"/>
           </p:nvPr>
@@ -6082,7 +6781,7 @@
           </a:prstGeom>
         </p:spPr>
         <p:txBody>
-          <a:bodyPr anchorCtr="0" anchor="t" bIns="91425" lIns="91425" rIns="91425" tIns="91425">
+          <a:bodyPr lIns="91425" tIns="91425" rIns="91425" bIns="91425" anchor="t" anchorCtr="0">
             <a:noAutofit/>
           </a:bodyPr>
           <a:lstStyle/>
@@ -6100,7 +6799,7 @@
               <a:buNone/>
             </a:pPr>
             <a:r>
-              <a:rPr b="1" lang="en" sz="1800">
+              <a:rPr lang="en" sz="1800" b="1">
                 <a:solidFill>
                   <a:srgbClr val="FFFFFF"/>
                 </a:solidFill>
@@ -6130,12 +6829,12 @@
           </a:ln>
         </p:spPr>
         <p:txBody>
-          <a:bodyPr anchorCtr="0" anchor="t" bIns="91425" lIns="91425" rIns="91425" tIns="91425">
+          <a:bodyPr lIns="91425" tIns="91425" rIns="91425" bIns="91425" anchor="t" anchorCtr="0">
             <a:noAutofit/>
           </a:bodyPr>
           <a:lstStyle/>
           <a:p>
-            <a:pPr indent="-228600" lvl="0" marL="457200" rtl="0">
+            <a:pPr marL="457200" lvl="0" indent="-228600" rtl="0">
               <a:lnSpc>
                 <a:spcPct val="130000"/>
               </a:lnSpc>
@@ -6181,12 +6880,12 @@
           </a:ln>
         </p:spPr>
         <p:txBody>
-          <a:bodyPr anchorCtr="0" anchor="t" bIns="91425" lIns="91425" rIns="91425" tIns="91425">
+          <a:bodyPr lIns="91425" tIns="91425" rIns="91425" bIns="91425" anchor="t" anchorCtr="0">
             <a:noAutofit/>
           </a:bodyPr>
           <a:lstStyle/>
           <a:p>
-            <a:pPr indent="-228600" lvl="0" marL="457200">
+            <a:pPr marL="457200" lvl="0" indent="-228600">
               <a:spcBef>
                 <a:spcPts val="0"/>
               </a:spcBef>
@@ -6226,7 +6925,7 @@
           </a:ln>
         </p:spPr>
         <p:txBody>
-          <a:bodyPr anchorCtr="0" anchor="t" bIns="91425" lIns="91425" rIns="91425" tIns="91425">
+          <a:bodyPr lIns="91425" tIns="91425" rIns="91425" bIns="91425" anchor="t" anchorCtr="0">
             <a:noAutofit/>
           </a:bodyPr>
           <a:lstStyle/>
@@ -6324,12 +7023,12 @@
           </a:ln>
         </p:spPr>
         <p:txBody>
-          <a:bodyPr anchorCtr="0" anchor="t" bIns="91425" lIns="91425" rIns="91425" tIns="91425">
+          <a:bodyPr lIns="91425" tIns="91425" rIns="91425" bIns="91425" anchor="t" anchorCtr="0">
             <a:noAutofit/>
           </a:bodyPr>
           <a:lstStyle/>
           <a:p>
-            <a:pPr indent="-228600" lvl="0" marL="457200" rtl="0">
+            <a:pPr marL="457200" lvl="0" indent="-228600" rtl="0">
               <a:lnSpc>
                 <a:spcPct val="130000"/>
               </a:lnSpc>
@@ -6351,7 +7050,7 @@
             </a:r>
           </a:p>
           <a:p>
-            <a:pPr indent="-228600" lvl="0" marL="457200" rtl="0">
+            <a:pPr marL="457200" lvl="0" indent="-228600" rtl="0">
               <a:lnSpc>
                 <a:spcPct val="130000"/>
               </a:lnSpc>
@@ -6379,9 +7078,6 @@
               </a:spcBef>
               <a:buNone/>
             </a:pPr>
-            <a:r>
-              <a:t/>
-            </a:r>
             <a:endParaRPr/>
           </a:p>
         </p:txBody>
@@ -6394,22 +7090,30 @@
   <p:transition spd="slow">
     <p:cut/>
   </p:transition>
+  <p:timing>
+    <p:tnLst>
+      <p:par>
+        <p:cTn id="1" dur="indefinite" restart="never" nodeType="tmRoot"/>
+      </p:par>
+    </p:tnLst>
+  </p:timing>
 </p:sld>
 </file>
 
 <file path=ppt/slides/slide7.xml><?xml version="1.0" encoding="utf-8"?>
-<p:sld xmlns:a="http://schemas.openxmlformats.org/drawingml/2006/main" xmlns:r="http://schemas.openxmlformats.org/officeDocument/2006/relationships" xmlns:mc="http://schemas.openxmlformats.org/markup-compatibility/2006" xmlns:mv="urn:schemas-microsoft-com:mac:vml" xmlns:p="http://schemas.openxmlformats.org/presentationml/2006/main" xmlns:c="http://schemas.openxmlformats.org/drawingml/2006/chart" xmlns:dgm="http://schemas.openxmlformats.org/drawingml/2006/diagram" xmlns:o="urn:schemas-microsoft-com:office:office" xmlns:v="urn:schemas-microsoft-com:vml" xmlns:pvml="urn:schemas-microsoft-com:office:powerpoint" xmlns:com="http://schemas.openxmlformats.org/drawingml/2006/compatibility" xmlns:p14="http://schemas.microsoft.com/office/powerpoint/2010/main">
+<p:sld xmlns:a="http://schemas.openxmlformats.org/drawingml/2006/main" xmlns:r="http://schemas.openxmlformats.org/officeDocument/2006/relationships" xmlns:p="http://schemas.openxmlformats.org/presentationml/2006/main">
   <p:cSld>
     <p:bg>
       <p:bgPr>
         <a:solidFill>
           <a:srgbClr val="C9DAF8"/>
         </a:solidFill>
+        <a:effectLst/>
       </p:bgPr>
     </p:bg>
     <p:spTree>
       <p:nvGrpSpPr>
-        <p:cNvPr id="109" name="Shape 109"/>
+        <p:cNvPr id="1" name="Shape 109"/>
         <p:cNvGrpSpPr/>
         <p:nvPr/>
       </p:nvGrpSpPr>
@@ -6424,7 +7128,9 @@
       <p:sp>
         <p:nvSpPr>
           <p:cNvPr id="110" name="Shape 110"/>
-          <p:cNvSpPr txBox="1"/>
+          <p:cNvSpPr txBox="1">
+            <a:spLocks noGrp="1"/>
+          </p:cNvSpPr>
           <p:nvPr>
             <p:ph type="title"/>
           </p:nvPr>
@@ -6439,7 +7145,7 @@
           </a:prstGeom>
         </p:spPr>
         <p:txBody>
-          <a:bodyPr anchorCtr="0" anchor="t" bIns="91425" lIns="91425" rIns="91425" tIns="91425">
+          <a:bodyPr lIns="91425" tIns="91425" rIns="91425" bIns="91425" anchor="t" anchorCtr="0">
             <a:noAutofit/>
           </a:bodyPr>
           <a:lstStyle/>
@@ -6454,7 +7160,7 @@
               <a:buNone/>
             </a:pPr>
             <a:r>
-              <a:rPr b="1" lang="en" sz="1800">
+              <a:rPr lang="en" sz="1800" b="1">
                 <a:solidFill>
                   <a:srgbClr val="7F6000"/>
                 </a:solidFill>
@@ -6469,9 +7175,6 @@
               </a:spcBef>
               <a:buNone/>
             </a:pPr>
-            <a:r>
-              <a:t/>
-            </a:r>
             <a:endParaRPr sz="1400">
               <a:solidFill>
                 <a:srgbClr val="FFFFFF"/>
@@ -6500,7 +7203,7 @@
           </a:ln>
         </p:spPr>
         <p:txBody>
-          <a:bodyPr anchorCtr="0" anchor="t" bIns="91425" lIns="91425" rIns="91425" tIns="91425">
+          <a:bodyPr lIns="91425" tIns="91425" rIns="91425" bIns="91425" anchor="t" anchorCtr="0">
             <a:noAutofit/>
           </a:bodyPr>
           <a:lstStyle/>
@@ -6511,9 +7214,6 @@
               </a:spcBef>
               <a:buNone/>
             </a:pPr>
-            <a:r>
-              <a:t/>
-            </a:r>
             <a:endParaRPr/>
           </a:p>
         </p:txBody>
@@ -6582,22 +7282,30 @@
   <p:transition spd="slow">
     <p:cut/>
   </p:transition>
+  <p:timing>
+    <p:tnLst>
+      <p:par>
+        <p:cTn id="1" dur="indefinite" restart="never" nodeType="tmRoot"/>
+      </p:par>
+    </p:tnLst>
+  </p:timing>
 </p:sld>
 </file>
 
 <file path=ppt/slides/slide8.xml><?xml version="1.0" encoding="utf-8"?>
-<p:sld xmlns:a="http://schemas.openxmlformats.org/drawingml/2006/main" xmlns:r="http://schemas.openxmlformats.org/officeDocument/2006/relationships" xmlns:mc="http://schemas.openxmlformats.org/markup-compatibility/2006" xmlns:mv="urn:schemas-microsoft-com:mac:vml" xmlns:p="http://schemas.openxmlformats.org/presentationml/2006/main" xmlns:c="http://schemas.openxmlformats.org/drawingml/2006/chart" xmlns:dgm="http://schemas.openxmlformats.org/drawingml/2006/diagram" xmlns:o="urn:schemas-microsoft-com:office:office" xmlns:v="urn:schemas-microsoft-com:vml" xmlns:pvml="urn:schemas-microsoft-com:office:powerpoint" xmlns:com="http://schemas.openxmlformats.org/drawingml/2006/compatibility" xmlns:p14="http://schemas.microsoft.com/office/powerpoint/2010/main">
+<p:sld xmlns:a="http://schemas.openxmlformats.org/drawingml/2006/main" xmlns:r="http://schemas.openxmlformats.org/officeDocument/2006/relationships" xmlns:p="http://schemas.openxmlformats.org/presentationml/2006/main">
   <p:cSld>
     <p:bg>
       <p:bgPr>
         <a:solidFill>
           <a:srgbClr val="B1B479"/>
         </a:solidFill>
+        <a:effectLst/>
       </p:bgPr>
     </p:bg>
     <p:spTree>
       <p:nvGrpSpPr>
-        <p:cNvPr id="117" name="Shape 117"/>
+        <p:cNvPr id="1" name="Shape 117"/>
         <p:cNvGrpSpPr/>
         <p:nvPr/>
       </p:nvGrpSpPr>
@@ -6612,7 +7320,9 @@
       <p:sp>
         <p:nvSpPr>
           <p:cNvPr id="118" name="Shape 118"/>
-          <p:cNvSpPr txBox="1"/>
+          <p:cNvSpPr txBox="1">
+            <a:spLocks noGrp="1"/>
+          </p:cNvSpPr>
           <p:nvPr>
             <p:ph type="title"/>
           </p:nvPr>
@@ -6627,7 +7337,7 @@
           </a:prstGeom>
         </p:spPr>
         <p:txBody>
-          <a:bodyPr anchorCtr="0" anchor="t" bIns="91425" lIns="91425" rIns="91425" tIns="91425">
+          <a:bodyPr lIns="91425" tIns="91425" rIns="91425" bIns="91425" anchor="t" anchorCtr="0">
             <a:noAutofit/>
           </a:bodyPr>
           <a:lstStyle/>
@@ -6639,7 +7349,7 @@
               <a:buNone/>
             </a:pPr>
             <a:r>
-              <a:rPr b="1" lang="en">
+              <a:rPr lang="en" b="1">
                 <a:solidFill>
                   <a:srgbClr val="FFFFFF"/>
                 </a:solidFill>
@@ -6652,9 +7362,11 @@
       <p:sp>
         <p:nvSpPr>
           <p:cNvPr id="119" name="Shape 119"/>
-          <p:cNvSpPr txBox="1"/>
+          <p:cNvSpPr txBox="1">
+            <a:spLocks noGrp="1"/>
+          </p:cNvSpPr>
           <p:nvPr>
-            <p:ph idx="1" type="body"/>
+            <p:ph type="body" idx="1"/>
           </p:nvPr>
         </p:nvSpPr>
         <p:spPr>
@@ -6667,12 +7379,12 @@
           </a:prstGeom>
         </p:spPr>
         <p:txBody>
-          <a:bodyPr anchorCtr="0" anchor="t" bIns="91425" lIns="91425" rIns="91425" tIns="91425">
+          <a:bodyPr lIns="91425" tIns="91425" rIns="91425" bIns="91425" anchor="t" anchorCtr="0">
             <a:noAutofit/>
           </a:bodyPr>
           <a:lstStyle/>
           <a:p>
-            <a:pPr lvl="0" rtl="0" algn="ctr">
+            <a:pPr lvl="0" algn="ctr" rtl="0">
               <a:lnSpc>
                 <a:spcPct val="130000"/>
               </a:lnSpc>
@@ -6690,7 +7402,7 @@
               <a:buNone/>
             </a:pPr>
             <a:r>
-              <a:rPr b="1" lang="en" sz="1800">
+              <a:rPr lang="en" sz="1800" b="1">
                 <a:solidFill>
                   <a:srgbClr val="980000"/>
                 </a:solidFill>
@@ -6699,7 +7411,7 @@
             </a:r>
           </a:p>
           <a:p>
-            <a:pPr indent="-342900" lvl="0" marL="673100" rtl="0">
+            <a:pPr marL="673100" lvl="0" indent="-342900" rtl="0">
               <a:lnSpc>
                 <a:spcPct val="130000"/>
               </a:lnSpc>
@@ -6724,7 +7436,7 @@
             </a:r>
           </a:p>
           <a:p>
-            <a:pPr indent="-342900" lvl="0" marL="673100" rtl="0">
+            <a:pPr marL="673100" lvl="0" indent="-342900" rtl="0">
               <a:lnSpc>
                 <a:spcPct val="130000"/>
               </a:lnSpc>
@@ -6749,7 +7461,7 @@
             </a:r>
           </a:p>
           <a:p>
-            <a:pPr indent="-342900" lvl="0" marL="673100" rtl="0">
+            <a:pPr marL="673100" lvl="0" indent="-342900" rtl="0">
               <a:lnSpc>
                 <a:spcPct val="130000"/>
               </a:lnSpc>
@@ -6780,9 +7492,6 @@
               </a:spcBef>
               <a:buNone/>
             </a:pPr>
-            <a:r>
-              <a:t/>
-            </a:r>
             <a:endParaRPr/>
           </a:p>
         </p:txBody>
@@ -6790,9 +7499,11 @@
       <p:sp>
         <p:nvSpPr>
           <p:cNvPr id="120" name="Shape 120"/>
-          <p:cNvSpPr txBox="1"/>
+          <p:cNvSpPr txBox="1">
+            <a:spLocks noGrp="1"/>
+          </p:cNvSpPr>
           <p:nvPr>
-            <p:ph idx="2" type="body"/>
+            <p:ph type="body" idx="2"/>
           </p:nvPr>
         </p:nvSpPr>
         <p:spPr>
@@ -6805,12 +7516,12 @@
           </a:prstGeom>
         </p:spPr>
         <p:txBody>
-          <a:bodyPr anchorCtr="0" anchor="t" bIns="91425" lIns="91425" rIns="91425" tIns="91425">
+          <a:bodyPr lIns="91425" tIns="91425" rIns="91425" bIns="91425" anchor="t" anchorCtr="0">
             <a:noAutofit/>
           </a:bodyPr>
           <a:lstStyle/>
           <a:p>
-            <a:pPr lvl="0" rtl="0" algn="ctr">
+            <a:pPr lvl="0" algn="ctr" rtl="0">
               <a:lnSpc>
                 <a:spcPct val="130000"/>
               </a:lnSpc>
@@ -6828,7 +7539,7 @@
               <a:buNone/>
             </a:pPr>
             <a:r>
-              <a:rPr b="1" lang="en" sz="1800">
+              <a:rPr lang="en" sz="1800" b="1">
                 <a:solidFill>
                   <a:srgbClr val="980000"/>
                 </a:solidFill>
@@ -6837,7 +7548,7 @@
             </a:r>
           </a:p>
           <a:p>
-            <a:pPr indent="-342900" lvl="0" marL="673100" rtl="0">
+            <a:pPr marL="673100" lvl="0" indent="-342900" rtl="0">
               <a:lnSpc>
                 <a:spcPct val="130000"/>
               </a:lnSpc>
@@ -6862,7 +7573,7 @@
             </a:r>
           </a:p>
           <a:p>
-            <a:pPr indent="-342900" lvl="0" marL="673100" rtl="0">
+            <a:pPr marL="673100" lvl="0" indent="-342900" rtl="0">
               <a:lnSpc>
                 <a:spcPct val="130000"/>
               </a:lnSpc>
@@ -6887,7 +7598,7 @@
             </a:r>
           </a:p>
           <a:p>
-            <a:pPr indent="-342900" lvl="0" marL="673100" rtl="0">
+            <a:pPr marL="673100" lvl="0" indent="-342900" rtl="0">
               <a:lnSpc>
                 <a:spcPct val="130000"/>
               </a:lnSpc>
@@ -6918,9 +7629,6 @@
               </a:spcBef>
               <a:buNone/>
             </a:pPr>
-            <a:r>
-              <a:t/>
-            </a:r>
             <a:endParaRPr/>
           </a:p>
         </p:txBody>
@@ -6933,22 +7641,30 @@
   <p:transition spd="slow">
     <p:cut/>
   </p:transition>
+  <p:timing>
+    <p:tnLst>
+      <p:par>
+        <p:cTn id="1" dur="indefinite" restart="never" nodeType="tmRoot"/>
+      </p:par>
+    </p:tnLst>
+  </p:timing>
 </p:sld>
 </file>
 
 <file path=ppt/slides/slide9.xml><?xml version="1.0" encoding="utf-8"?>
-<p:sld xmlns:a="http://schemas.openxmlformats.org/drawingml/2006/main" xmlns:r="http://schemas.openxmlformats.org/officeDocument/2006/relationships" xmlns:mc="http://schemas.openxmlformats.org/markup-compatibility/2006" xmlns:mv="urn:schemas-microsoft-com:mac:vml" xmlns:p="http://schemas.openxmlformats.org/presentationml/2006/main" xmlns:c="http://schemas.openxmlformats.org/drawingml/2006/chart" xmlns:dgm="http://schemas.openxmlformats.org/drawingml/2006/diagram" xmlns:o="urn:schemas-microsoft-com:office:office" xmlns:v="urn:schemas-microsoft-com:vml" xmlns:pvml="urn:schemas-microsoft-com:office:powerpoint" xmlns:com="http://schemas.openxmlformats.org/drawingml/2006/compatibility" xmlns:p14="http://schemas.microsoft.com/office/powerpoint/2010/main">
+<p:sld xmlns:a="http://schemas.openxmlformats.org/drawingml/2006/main" xmlns:r="http://schemas.openxmlformats.org/officeDocument/2006/relationships" xmlns:p="http://schemas.openxmlformats.org/presentationml/2006/main">
   <p:cSld>
     <p:bg>
       <p:bgPr>
         <a:solidFill>
           <a:srgbClr val="44A0DD"/>
         </a:solidFill>
+        <a:effectLst/>
       </p:bgPr>
     </p:bg>
     <p:spTree>
       <p:nvGrpSpPr>
-        <p:cNvPr id="124" name="Shape 124"/>
+        <p:cNvPr id="1" name="Shape 124"/>
         <p:cNvGrpSpPr/>
         <p:nvPr/>
       </p:nvGrpSpPr>
@@ -6963,7 +7679,9 @@
       <p:sp>
         <p:nvSpPr>
           <p:cNvPr id="125" name="Shape 125"/>
-          <p:cNvSpPr txBox="1"/>
+          <p:cNvSpPr txBox="1">
+            <a:spLocks noGrp="1"/>
+          </p:cNvSpPr>
           <p:nvPr>
             <p:ph type="title"/>
           </p:nvPr>
@@ -6978,7 +7696,7 @@
           </a:prstGeom>
         </p:spPr>
         <p:txBody>
-          <a:bodyPr anchorCtr="0" anchor="t" bIns="91425" lIns="91425" rIns="91425" tIns="91425">
+          <a:bodyPr lIns="91425" tIns="91425" rIns="91425" bIns="91425" anchor="t" anchorCtr="0">
             <a:noAutofit/>
           </a:bodyPr>
           <a:lstStyle/>
@@ -6990,7 +7708,7 @@
               <a:buNone/>
             </a:pPr>
             <a:r>
-              <a:rPr b="1" lang="en">
+              <a:rPr lang="en" b="1" dirty="0">
                 <a:solidFill>
                   <a:srgbClr val="FFD966"/>
                 </a:solidFill>
@@ -7003,9 +7721,11 @@
       <p:sp>
         <p:nvSpPr>
           <p:cNvPr id="126" name="Shape 126"/>
-          <p:cNvSpPr txBox="1"/>
+          <p:cNvSpPr txBox="1">
+            <a:spLocks noGrp="1"/>
+          </p:cNvSpPr>
           <p:nvPr>
-            <p:ph idx="1" type="body"/>
+            <p:ph type="body" idx="1"/>
           </p:nvPr>
         </p:nvSpPr>
         <p:spPr>
@@ -7018,7 +7738,7 @@
           </a:prstGeom>
         </p:spPr>
         <p:txBody>
-          <a:bodyPr anchorCtr="0" anchor="t" bIns="91425" lIns="91425" rIns="91425" tIns="91425">
+          <a:bodyPr lIns="91425" tIns="91425" rIns="91425" bIns="91425" anchor="t" anchorCtr="0">
             <a:noAutofit/>
           </a:bodyPr>
           <a:lstStyle/>
@@ -7030,7 +7750,7 @@
               <a:buNone/>
             </a:pPr>
             <a:r>
-              <a:rPr b="1" lang="en">
+              <a:rPr lang="en" b="1" dirty="0">
                 <a:solidFill>
                   <a:srgbClr val="FFFFFF"/>
                 </a:solidFill>
@@ -7039,7 +7759,7 @@
             </a:r>
           </a:p>
           <a:p>
-            <a:pPr indent="-400050" lvl="0" marL="457200" rtl="0">
+            <a:pPr marL="457200" lvl="0" indent="-400050" rtl="0">
               <a:lnSpc>
                 <a:spcPct val="130000"/>
               </a:lnSpc>
@@ -7055,7 +7775,7 @@
               <a:buSzPct val="100000"/>
             </a:pPr>
             <a:r>
-              <a:rPr lang="en" sz="2700">
+              <a:rPr lang="en" sz="2700" dirty="0">
                 <a:solidFill>
                   <a:srgbClr val="FFFFFF"/>
                 </a:solidFill>
@@ -7067,7 +7787,7 @@
             </a:r>
           </a:p>
           <a:p>
-            <a:pPr indent="-400050" lvl="0" marL="457200" rtl="0">
+            <a:pPr marL="457200" lvl="0" indent="-400050" rtl="0">
               <a:lnSpc>
                 <a:spcPct val="130000"/>
               </a:lnSpc>
@@ -7083,7 +7803,7 @@
               <a:buSzPct val="100000"/>
             </a:pPr>
             <a:r>
-              <a:rPr lang="en" sz="2700">
+              <a:rPr lang="en" sz="2700" dirty="0">
                 <a:solidFill>
                   <a:srgbClr val="FFFFFF"/>
                 </a:solidFill>
@@ -7095,7 +7815,7 @@
             </a:r>
           </a:p>
           <a:p>
-            <a:pPr indent="-400050" lvl="0" marL="457200" rtl="0">
+            <a:pPr marL="457200" lvl="0" indent="-400050" rtl="0">
               <a:lnSpc>
                 <a:spcPct val="130000"/>
               </a:lnSpc>
@@ -7111,7 +7831,7 @@
               <a:buSzPct val="100000"/>
             </a:pPr>
             <a:r>
-              <a:rPr lang="en" sz="2700">
+              <a:rPr lang="en" sz="2700" dirty="0">
                 <a:solidFill>
                   <a:srgbClr val="FFFFFF"/>
                 </a:solidFill>
@@ -7123,7 +7843,7 @@
             </a:r>
           </a:p>
           <a:p>
-            <a:pPr indent="-400050" lvl="0" marL="457200" rtl="0">
+            <a:pPr marL="457200" lvl="0" indent="-400050" rtl="0">
               <a:lnSpc>
                 <a:spcPct val="130000"/>
               </a:lnSpc>
@@ -7139,7 +7859,7 @@
               <a:buSzPct val="100000"/>
             </a:pPr>
             <a:r>
-              <a:rPr lang="en" sz="2700">
+              <a:rPr lang="en" sz="2700" dirty="0">
                 <a:solidFill>
                   <a:srgbClr val="FFFFFF"/>
                 </a:solidFill>
@@ -7157,10 +7877,7 @@
               </a:spcBef>
               <a:buNone/>
             </a:pPr>
-            <a:r>
-              <a:t/>
-            </a:r>
-            <a:endParaRPr b="1">
+            <a:endParaRPr b="1" dirty="0">
               <a:solidFill>
                 <a:srgbClr val="FFFFFF"/>
               </a:solidFill>
@@ -7176,11 +7893,18 @@
   <p:transition spd="slow">
     <p:cut/>
   </p:transition>
+  <p:timing>
+    <p:tnLst>
+      <p:par>
+        <p:cTn id="1" dur="indefinite" restart="never" nodeType="tmRoot"/>
+      </p:par>
+    </p:tnLst>
+  </p:timing>
 </p:sld>
 </file>
 
 <file path=ppt/theme/theme1.xml><?xml version="1.0" encoding="utf-8"?>
-<a:theme xmlns:a="http://schemas.openxmlformats.org/drawingml/2006/main" xmlns:r="http://schemas.openxmlformats.org/officeDocument/2006/relationships" name="simple-light-2">
+<a:theme xmlns:a="http://schemas.openxmlformats.org/drawingml/2006/main" name="simple-light-2">
   <a:themeElements>
     <a:clrScheme name="Simple Light">
       <a:dk1>
@@ -7455,11 +8179,13 @@
       </a:bgFillStyleLst>
     </a:fmtScheme>
   </a:themeElements>
+  <a:objectDefaults/>
+  <a:extraClrSchemeLst/>
 </a:theme>
 </file>
 
 <file path=ppt/theme/theme2.xml><?xml version="1.0" encoding="utf-8"?>
-<a:theme xmlns:a="http://schemas.openxmlformats.org/drawingml/2006/main" xmlns:r="http://schemas.openxmlformats.org/officeDocument/2006/relationships" name="Custom Theme">
+<a:theme xmlns:a="http://schemas.openxmlformats.org/drawingml/2006/main" name="Custom Theme">
   <a:themeElements>
     <a:clrScheme name="Default">
       <a:dk1>
@@ -7734,5 +8460,7 @@
       </a:bgFillStyleLst>
     </a:fmtScheme>
   </a:themeElements>
+  <a:objectDefaults/>
+  <a:extraClrSchemeLst/>
 </a:theme>
 </file>
--- a/women_workforce.pptx
+++ b/women_workforce.pptx
@@ -12,9 +12,9 @@
     <p:sldId id="257" r:id="rId3"/>
     <p:sldId id="258" r:id="rId4"/>
     <p:sldId id="259" r:id="rId5"/>
-    <p:sldId id="260" r:id="rId6"/>
-    <p:sldId id="261" r:id="rId7"/>
-    <p:sldId id="262" r:id="rId8"/>
+    <p:sldId id="262" r:id="rId6"/>
+    <p:sldId id="260" r:id="rId7"/>
+    <p:sldId id="261" r:id="rId8"/>
     <p:sldId id="263" r:id="rId9"/>
     <p:sldId id="264" r:id="rId10"/>
     <p:sldId id="265" r:id="rId11"/>
@@ -998,7 +998,7 @@
   <p:cSld>
     <p:spTree>
       <p:nvGrpSpPr>
-        <p:cNvPr id="1" name="Shape 83"/>
+        <p:cNvPr id="1" name="Shape 106"/>
         <p:cNvGrpSpPr/>
         <p:nvPr/>
       </p:nvGrpSpPr>
@@ -1012,7 +1012,7 @@
       </p:grpSpPr>
       <p:sp>
         <p:nvSpPr>
-          <p:cNvPr id="84" name="Shape 84"/>
+          <p:cNvPr id="107" name="Shape 107"/>
           <p:cNvSpPr>
             <a:spLocks noGrp="1" noRot="1" noChangeAspect="1"/>
           </p:cNvSpPr>
@@ -1053,7 +1053,7 @@
       </p:sp>
       <p:sp>
         <p:nvSpPr>
-          <p:cNvPr id="85" name="Shape 85"/>
+          <p:cNvPr id="108" name="Shape 108"/>
           <p:cNvSpPr txBox="1">
             <a:spLocks noGrp="1"/>
           </p:cNvSpPr>
@@ -1099,7 +1099,7 @@
   <p:cSld>
     <p:spTree>
       <p:nvGrpSpPr>
-        <p:cNvPr id="1" name="Shape 95"/>
+        <p:cNvPr id="1" name="Shape 83"/>
         <p:cNvGrpSpPr/>
         <p:nvPr/>
       </p:nvGrpSpPr>
@@ -1113,7 +1113,7 @@
       </p:grpSpPr>
       <p:sp>
         <p:nvSpPr>
-          <p:cNvPr id="96" name="Shape 96"/>
+          <p:cNvPr id="84" name="Shape 84"/>
           <p:cNvSpPr>
             <a:spLocks noGrp="1" noRot="1" noChangeAspect="1"/>
           </p:cNvSpPr>
@@ -1154,7 +1154,7 @@
       </p:sp>
       <p:sp>
         <p:nvSpPr>
-          <p:cNvPr id="97" name="Shape 97"/>
+          <p:cNvPr id="85" name="Shape 85"/>
           <p:cNvSpPr txBox="1">
             <a:spLocks noGrp="1"/>
           </p:cNvSpPr>
@@ -1200,7 +1200,7 @@
   <p:cSld>
     <p:spTree>
       <p:nvGrpSpPr>
-        <p:cNvPr id="1" name="Shape 106"/>
+        <p:cNvPr id="1" name="Shape 95"/>
         <p:cNvGrpSpPr/>
         <p:nvPr/>
       </p:nvGrpSpPr>
@@ -1214,7 +1214,7 @@
       </p:grpSpPr>
       <p:sp>
         <p:nvSpPr>
-          <p:cNvPr id="107" name="Shape 107"/>
+          <p:cNvPr id="96" name="Shape 96"/>
           <p:cNvSpPr>
             <a:spLocks noGrp="1" noRot="1" noChangeAspect="1"/>
           </p:cNvSpPr>
@@ -1255,7 +1255,7 @@
       </p:sp>
       <p:sp>
         <p:nvSpPr>
-          <p:cNvPr id="108" name="Shape 108"/>
+          <p:cNvPr id="97" name="Shape 97"/>
           <p:cNvSpPr txBox="1">
             <a:spLocks noGrp="1"/>
           </p:cNvSpPr>
@@ -5072,20 +5072,6 @@
               </a:solidFill>
             </a:endParaRPr>
           </a:p>
-          <a:p>
-            <a:pPr marL="285750" lvl="0" indent="-285750">
-              <a:buFont typeface="Arial" pitchFamily="34" charset="0"/>
-              <a:buChar char="•"/>
-            </a:pPr>
-            <a:r>
-              <a:rPr lang="en-US" b="1" dirty="0" smtClean="0">
-                <a:solidFill>
-                  <a:schemeClr val="bg1"/>
-                </a:solidFill>
-              </a:rPr>
-              <a:t>yihualeng@gmail.com</a:t>
-            </a:r>
-          </a:p>
         </p:txBody>
       </p:sp>
     </p:spTree>
@@ -6301,14 +6287,14 @@
     <p:bg>
       <p:bgPr>
         <a:solidFill>
-          <a:srgbClr val="B1B479"/>
+          <a:srgbClr val="C9DAF8"/>
         </a:solidFill>
         <a:effectLst/>
       </p:bgPr>
     </p:bg>
     <p:spTree>
       <p:nvGrpSpPr>
-        <p:cNvPr id="1" name="Shape 86"/>
+        <p:cNvPr id="1" name="Shape 109"/>
         <p:cNvGrpSpPr/>
         <p:nvPr/>
       </p:nvGrpSpPr>
@@ -6322,7 +6308,7 @@
       </p:grpSpPr>
       <p:sp>
         <p:nvSpPr>
-          <p:cNvPr id="87" name="Shape 87"/>
+          <p:cNvPr id="110" name="Shape 110"/>
           <p:cNvSpPr txBox="1">
             <a:spLocks noGrp="1"/>
           </p:cNvSpPr>
@@ -6332,8 +6318,8 @@
         </p:nvSpPr>
         <p:spPr>
           <a:xfrm>
-            <a:off x="6900" y="78625"/>
-            <a:ext cx="3223800" cy="572700"/>
+            <a:off x="2596825" y="36275"/>
+            <a:ext cx="3852600" cy="454200"/>
           </a:xfrm>
           <a:prstGeom prst="rect">
             <a:avLst/>
@@ -6345,36 +6331,49 @@
           </a:bodyPr>
           <a:lstStyle/>
           <a:p>
-            <a:pPr marL="457200" lvl="0" indent="-228600">
-              <a:spcBef>
-                <a:spcPts val="0"/>
-              </a:spcBef>
-              <a:buClr>
-                <a:srgbClr val="FFFFFF"/>
-              </a:buClr>
-              <a:buChar char="●"/>
+            <a:pPr lvl="0" rtl="0">
+              <a:lnSpc>
+                <a:spcPct val="130000"/>
+              </a:lnSpc>
+              <a:spcBef>
+                <a:spcPts val="0"/>
+              </a:spcBef>
+              <a:buNone/>
             </a:pPr>
             <a:r>
-              <a:rPr lang="en">
+              <a:rPr lang="en" sz="1800" b="1">
                 <a:solidFill>
-                  <a:srgbClr val="FFFFFF"/>
+                  <a:srgbClr val="7F6000"/>
                 </a:solidFill>
               </a:rPr>
-              <a:t>Random Forest</a:t>
+              <a:t>Cluster vs Rest of population</a:t>
             </a:r>
           </a:p>
+          <a:p>
+            <a:pPr lvl="0">
+              <a:spcBef>
+                <a:spcPts val="0"/>
+              </a:spcBef>
+              <a:buNone/>
+            </a:pPr>
+            <a:endParaRPr sz="1400">
+              <a:solidFill>
+                <a:srgbClr val="FFFFFF"/>
+              </a:solidFill>
+            </a:endParaRPr>
+          </a:p>
         </p:txBody>
       </p:sp>
       <p:sp>
         <p:nvSpPr>
-          <p:cNvPr id="88" name="Shape 88"/>
+          <p:cNvPr id="111" name="Shape 111"/>
           <p:cNvSpPr txBox="1"/>
           <p:nvPr/>
         </p:nvSpPr>
         <p:spPr>
           <a:xfrm>
-            <a:off x="469425" y="745050"/>
-            <a:ext cx="1418100" cy="489300"/>
+            <a:off x="96775" y="4423225"/>
+            <a:ext cx="3283800" cy="580500"/>
           </a:xfrm>
           <a:prstGeom prst="rect">
             <a:avLst/>
@@ -6396,106 +6395,13 @@
               </a:spcBef>
               <a:buNone/>
             </a:pPr>
-            <a:r>
-              <a:rPr lang="en" sz="1800">
-                <a:solidFill>
-                  <a:srgbClr val="FFFFFF"/>
-                </a:solidFill>
-              </a:rPr>
-              <a:t>40 Features</a:t>
-            </a:r>
-          </a:p>
-        </p:txBody>
-      </p:sp>
-      <p:sp>
-        <p:nvSpPr>
-          <p:cNvPr id="89" name="Shape 89"/>
-          <p:cNvSpPr txBox="1"/>
-          <p:nvPr/>
-        </p:nvSpPr>
-        <p:spPr>
-          <a:xfrm>
-            <a:off x="143550" y="1547800"/>
-            <a:ext cx="2616600" cy="689100"/>
-          </a:xfrm>
-          <a:prstGeom prst="rect">
-            <a:avLst/>
-          </a:prstGeom>
-          <a:noFill/>
-          <a:ln>
-            <a:noFill/>
-          </a:ln>
-        </p:spPr>
-        <p:txBody>
-          <a:bodyPr lIns="91425" tIns="91425" rIns="91425" bIns="91425" anchor="t" anchorCtr="0">
-            <a:noAutofit/>
-          </a:bodyPr>
-          <a:lstStyle/>
-          <a:p>
-            <a:pPr lvl="0" algn="ctr" rtl="0">
-              <a:lnSpc>
-                <a:spcPct val="130000"/>
-              </a:lnSpc>
-              <a:spcBef>
-                <a:spcPts val="0"/>
-              </a:spcBef>
-              <a:spcAft>
-                <a:spcPts val="700"/>
-              </a:spcAft>
-              <a:buClr>
-                <a:schemeClr val="dk1"/>
-              </a:buClr>
-              <a:buSzPct val="61111"/>
-              <a:buFont typeface="Arial"/>
-              <a:buNone/>
-            </a:pPr>
-            <a:r>
-              <a:rPr lang="en" sz="1800">
-                <a:solidFill>
-                  <a:srgbClr val="FFFFFF"/>
-                </a:solidFill>
-              </a:rPr>
-              <a:t>Feature Engineering</a:t>
-            </a:r>
-          </a:p>
-          <a:p>
-            <a:pPr lvl="0" algn="ctr" rtl="0">
-              <a:lnSpc>
-                <a:spcPct val="130000"/>
-              </a:lnSpc>
-              <a:spcBef>
-                <a:spcPts val="0"/>
-              </a:spcBef>
-              <a:buClr>
-                <a:schemeClr val="dk1"/>
-              </a:buClr>
-              <a:buSzPct val="61111"/>
-              <a:buFont typeface="Arial"/>
-              <a:buNone/>
-            </a:pPr>
-            <a:r>
-              <a:rPr lang="en" sz="1800">
-                <a:solidFill>
-                  <a:srgbClr val="FFFFFF"/>
-                </a:solidFill>
-              </a:rPr>
-              <a:t>Grid Search</a:t>
-            </a:r>
-          </a:p>
-          <a:p>
-            <a:pPr lvl="0">
-              <a:spcBef>
-                <a:spcPts val="0"/>
-              </a:spcBef>
-              <a:buNone/>
-            </a:pPr>
-            <a:endParaRPr sz="1800"/>
+            <a:endParaRPr/>
           </a:p>
         </p:txBody>
       </p:sp>
       <p:pic>
         <p:nvPicPr>
-          <p:cNvPr id="90" name="Shape 90"/>
+          <p:cNvPr id="112" name="Shape 112"/>
           <p:cNvPicPr preferRelativeResize="0"/>
           <p:nvPr/>
         </p:nvPicPr>
@@ -6509,8 +6415,8 @@
         </p:blipFill>
         <p:spPr>
           <a:xfrm>
-            <a:off x="3405137" y="78624"/>
-            <a:ext cx="3848937" cy="2749234"/>
+            <a:off x="178475" y="436025"/>
+            <a:ext cx="3785750" cy="4653024"/>
           </a:xfrm>
           <a:prstGeom prst="rect">
             <a:avLst/>
@@ -6521,178 +6427,9 @@
           </a:ln>
         </p:spPr>
       </p:pic>
-      <p:sp>
-        <p:nvSpPr>
-          <p:cNvPr id="91" name="Shape 91"/>
-          <p:cNvSpPr txBox="1"/>
-          <p:nvPr/>
-        </p:nvSpPr>
-        <p:spPr>
-          <a:xfrm>
-            <a:off x="7400650" y="1365350"/>
-            <a:ext cx="1534500" cy="409500"/>
-          </a:xfrm>
-          <a:prstGeom prst="rect">
-            <a:avLst/>
-          </a:prstGeom>
-          <a:noFill/>
-          <a:ln>
-            <a:noFill/>
-          </a:ln>
-        </p:spPr>
-        <p:txBody>
-          <a:bodyPr lIns="91425" tIns="91425" rIns="91425" bIns="91425" anchor="t" anchorCtr="0">
-            <a:noAutofit/>
-          </a:bodyPr>
-          <a:lstStyle/>
-          <a:p>
-            <a:pPr lvl="0" rtl="0">
-              <a:spcBef>
-                <a:spcPts val="0"/>
-              </a:spcBef>
-              <a:buNone/>
-            </a:pPr>
-            <a:r>
-              <a:rPr lang="en">
-                <a:solidFill>
-                  <a:srgbClr val="CC0000"/>
-                </a:solidFill>
-                <a:latin typeface="Verdana"/>
-                <a:ea typeface="Verdana"/>
-                <a:cs typeface="Verdana"/>
-                <a:sym typeface="Verdana"/>
-              </a:rPr>
-              <a:t>roc_auc_score </a:t>
-            </a:r>
-          </a:p>
-          <a:p>
-            <a:pPr lvl="0">
-              <a:spcBef>
-                <a:spcPts val="0"/>
-              </a:spcBef>
-              <a:buNone/>
-            </a:pPr>
-            <a:r>
-              <a:rPr lang="en">
-                <a:solidFill>
-                  <a:srgbClr val="CC0000"/>
-                </a:solidFill>
-                <a:latin typeface="Verdana"/>
-                <a:ea typeface="Verdana"/>
-                <a:cs typeface="Verdana"/>
-                <a:sym typeface="Verdana"/>
-              </a:rPr>
-              <a:t> 0.81</a:t>
-            </a:r>
-          </a:p>
-        </p:txBody>
-      </p:sp>
-      <p:sp>
-        <p:nvSpPr>
-          <p:cNvPr id="92" name="Shape 92"/>
-          <p:cNvSpPr txBox="1"/>
-          <p:nvPr/>
-        </p:nvSpPr>
-        <p:spPr>
-          <a:xfrm>
-            <a:off x="34775" y="2632300"/>
-            <a:ext cx="3223800" cy="489300"/>
-          </a:xfrm>
-          <a:prstGeom prst="rect">
-            <a:avLst/>
-          </a:prstGeom>
-          <a:noFill/>
-          <a:ln>
-            <a:noFill/>
-          </a:ln>
-        </p:spPr>
-        <p:txBody>
-          <a:bodyPr lIns="91425" tIns="91425" rIns="91425" bIns="91425" anchor="t" anchorCtr="0">
-            <a:noAutofit/>
-          </a:bodyPr>
-          <a:lstStyle/>
-          <a:p>
-            <a:pPr marL="457200" lvl="0" indent="-406400" rtl="0">
-              <a:lnSpc>
-                <a:spcPct val="130000"/>
-              </a:lnSpc>
-              <a:spcBef>
-                <a:spcPts val="0"/>
-              </a:spcBef>
-              <a:spcAft>
-                <a:spcPts val="700"/>
-              </a:spcAft>
-              <a:buClr>
-                <a:srgbClr val="FFFFFF"/>
-              </a:buClr>
-              <a:buSzPct val="100000"/>
-              <a:buChar char="●"/>
-            </a:pPr>
-            <a:r>
-              <a:rPr lang="en" sz="2800">
-                <a:solidFill>
-                  <a:srgbClr val="FFFFFF"/>
-                </a:solidFill>
-              </a:rPr>
-              <a:t>Tree Interpreter</a:t>
-            </a:r>
-          </a:p>
-          <a:p>
-            <a:pPr lvl="0">
-              <a:spcBef>
-                <a:spcPts val="0"/>
-              </a:spcBef>
-              <a:buNone/>
-            </a:pPr>
-            <a:endParaRPr/>
-          </a:p>
-        </p:txBody>
-      </p:sp>
-      <p:sp>
-        <p:nvSpPr>
-          <p:cNvPr id="93" name="Shape 93"/>
-          <p:cNvSpPr txBox="1"/>
-          <p:nvPr/>
-        </p:nvSpPr>
-        <p:spPr>
-          <a:xfrm>
-            <a:off x="469425" y="3258225"/>
-            <a:ext cx="2616600" cy="409500"/>
-          </a:xfrm>
-          <a:prstGeom prst="rect">
-            <a:avLst/>
-          </a:prstGeom>
-          <a:noFill/>
-          <a:ln>
-            <a:noFill/>
-          </a:ln>
-        </p:spPr>
-        <p:txBody>
-          <a:bodyPr lIns="91425" tIns="91425" rIns="91425" bIns="91425" anchor="t" anchorCtr="0">
-            <a:noAutofit/>
-          </a:bodyPr>
-          <a:lstStyle/>
-          <a:p>
-            <a:pPr lvl="0">
-              <a:spcBef>
-                <a:spcPts val="0"/>
-              </a:spcBef>
-              <a:buNone/>
-            </a:pPr>
-            <a:r>
-              <a:rPr lang="en">
-                <a:solidFill>
-                  <a:srgbClr val="FFFFFF"/>
-                </a:solidFill>
-              </a:rPr>
-              <a:t>Feature Contribution Matrix</a:t>
-            </a:r>
-          </a:p>
-        </p:txBody>
-      </p:sp>
       <p:pic>
         <p:nvPicPr>
-          <p:cNvPr id="94" name="Shape 94"/>
+          <p:cNvPr id="113" name="Shape 113"/>
           <p:cNvPicPr preferRelativeResize="0"/>
           <p:nvPr/>
         </p:nvPicPr>
@@ -6706,8 +6443,8 @@
         </p:blipFill>
         <p:spPr>
           <a:xfrm>
-            <a:off x="3086025" y="3318125"/>
-            <a:ext cx="5821750" cy="1476400"/>
+            <a:off x="4798775" y="455975"/>
+            <a:ext cx="4298049" cy="4613124"/>
           </a:xfrm>
           <a:prstGeom prst="rect">
             <a:avLst/>
@@ -6749,7 +6486,7 @@
     </p:bg>
     <p:spTree>
       <p:nvGrpSpPr>
-        <p:cNvPr id="1" name="Shape 98"/>
+        <p:cNvPr id="1" name="Shape 86"/>
         <p:cNvGrpSpPr/>
         <p:nvPr/>
       </p:nvGrpSpPr>
@@ -6763,7 +6500,7 @@
       </p:grpSpPr>
       <p:sp>
         <p:nvSpPr>
-          <p:cNvPr id="99" name="Shape 99"/>
+          <p:cNvPr id="87" name="Shape 87"/>
           <p:cNvSpPr txBox="1">
             <a:spLocks noGrp="1"/>
           </p:cNvSpPr>
@@ -6773,8 +6510,8 @@
         </p:nvSpPr>
         <p:spPr>
           <a:xfrm>
-            <a:off x="117150" y="148750"/>
-            <a:ext cx="8520600" cy="529200"/>
+            <a:off x="6900" y="78625"/>
+            <a:ext cx="3223800" cy="572700"/>
           </a:xfrm>
           <a:prstGeom prst="rect">
             <a:avLst/>
@@ -6786,68 +6523,14 @@
           </a:bodyPr>
           <a:lstStyle/>
           <a:p>
-            <a:pPr lvl="0" rtl="0">
-              <a:lnSpc>
-                <a:spcPct val="130000"/>
-              </a:lnSpc>
-              <a:spcBef>
-                <a:spcPts val="0"/>
-              </a:spcBef>
-              <a:spcAft>
-                <a:spcPts val="800"/>
-              </a:spcAft>
-              <a:buNone/>
-            </a:pPr>
-            <a:r>
-              <a:rPr lang="en" sz="1800" b="1">
-                <a:solidFill>
-                  <a:srgbClr val="FFFFFF"/>
-                </a:solidFill>
-              </a:rPr>
-              <a:t>Decision Paths in Feature Contribution Matrix: Kmeans Clustering</a:t>
-            </a:r>
-          </a:p>
-        </p:txBody>
-      </p:sp>
-      <p:sp>
-        <p:nvSpPr>
-          <p:cNvPr id="100" name="Shape 100"/>
-          <p:cNvSpPr txBox="1"/>
-          <p:nvPr/>
-        </p:nvSpPr>
-        <p:spPr>
-          <a:xfrm>
-            <a:off x="238450" y="798375"/>
-            <a:ext cx="3687300" cy="492600"/>
-          </a:xfrm>
-          <a:prstGeom prst="rect">
-            <a:avLst/>
-          </a:prstGeom>
-          <a:noFill/>
-          <a:ln>
-            <a:noFill/>
-          </a:ln>
-        </p:spPr>
-        <p:txBody>
-          <a:bodyPr lIns="91425" tIns="91425" rIns="91425" bIns="91425" anchor="t" anchorCtr="0">
-            <a:noAutofit/>
-          </a:bodyPr>
-          <a:lstStyle/>
-          <a:p>
-            <a:pPr marL="457200" lvl="0" indent="-228600" rtl="0">
-              <a:lnSpc>
-                <a:spcPct val="130000"/>
-              </a:lnSpc>
-              <a:spcBef>
-                <a:spcPts val="0"/>
-              </a:spcBef>
-              <a:spcAft>
-                <a:spcPts val="700"/>
-              </a:spcAft>
+            <a:pPr marL="457200" lvl="0" indent="-228600">
+              <a:spcBef>
+                <a:spcPts val="0"/>
+              </a:spcBef>
               <a:buClr>
                 <a:srgbClr val="FFFFFF"/>
               </a:buClr>
-              <a:buAutoNum type="arabicPeriod"/>
+              <a:buChar char="●"/>
             </a:pPr>
             <a:r>
               <a:rPr lang="en">
@@ -6855,21 +6538,21 @@
                   <a:srgbClr val="FFFFFF"/>
                 </a:solidFill>
               </a:rPr>
-              <a:t>Principle Component Analysis (PCA)</a:t>
+              <a:t>Random Forest</a:t>
             </a:r>
           </a:p>
         </p:txBody>
       </p:sp>
       <p:sp>
         <p:nvSpPr>
-          <p:cNvPr id="101" name="Shape 101"/>
+          <p:cNvPr id="88" name="Shape 88"/>
           <p:cNvSpPr txBox="1"/>
           <p:nvPr/>
         </p:nvSpPr>
         <p:spPr>
           <a:xfrm>
-            <a:off x="460375" y="1360000"/>
-            <a:ext cx="2988900" cy="451200"/>
+            <a:off x="469425" y="745050"/>
+            <a:ext cx="1418100" cy="489300"/>
           </a:xfrm>
           <a:prstGeom prst="rect">
             <a:avLst/>
@@ -6885,36 +6568,33 @@
           </a:bodyPr>
           <a:lstStyle/>
           <a:p>
-            <a:pPr marL="457200" lvl="0" indent="-228600">
-              <a:spcBef>
-                <a:spcPts val="0"/>
-              </a:spcBef>
-              <a:buClr>
-                <a:srgbClr val="FFFFFF"/>
-              </a:buClr>
-              <a:buChar char="●"/>
+            <a:pPr lvl="0">
+              <a:spcBef>
+                <a:spcPts val="0"/>
+              </a:spcBef>
+              <a:buNone/>
             </a:pPr>
             <a:r>
-              <a:rPr lang="en">
+              <a:rPr lang="en" sz="1800">
                 <a:solidFill>
                   <a:srgbClr val="FFFFFF"/>
                 </a:solidFill>
               </a:rPr>
-              <a:t>Three principle components</a:t>
+              <a:t>40 Features</a:t>
             </a:r>
           </a:p>
         </p:txBody>
       </p:sp>
       <p:sp>
         <p:nvSpPr>
-          <p:cNvPr id="102" name="Shape 102"/>
+          <p:cNvPr id="89" name="Shape 89"/>
           <p:cNvSpPr txBox="1"/>
           <p:nvPr/>
         </p:nvSpPr>
         <p:spPr>
           <a:xfrm>
-            <a:off x="4983225" y="819075"/>
-            <a:ext cx="3416100" cy="451200"/>
+            <a:off x="143550" y="1547800"/>
+            <a:ext cx="2616600" cy="689100"/>
           </a:xfrm>
           <a:prstGeom prst="rect">
             <a:avLst/>
@@ -6930,26 +6610,70 @@
           </a:bodyPr>
           <a:lstStyle/>
           <a:p>
-            <a:pPr lvl="0">
-              <a:spcBef>
-                <a:spcPts val="0"/>
-              </a:spcBef>
+            <a:pPr lvl="0" algn="ctr" rtl="0">
+              <a:lnSpc>
+                <a:spcPct val="130000"/>
+              </a:lnSpc>
+              <a:spcBef>
+                <a:spcPts val="0"/>
+              </a:spcBef>
+              <a:spcAft>
+                <a:spcPts val="700"/>
+              </a:spcAft>
+              <a:buClr>
+                <a:schemeClr val="dk1"/>
+              </a:buClr>
+              <a:buSzPct val="61111"/>
+              <a:buFont typeface="Arial"/>
               <a:buNone/>
             </a:pPr>
             <a:r>
-              <a:rPr lang="en">
+              <a:rPr lang="en" sz="1800">
                 <a:solidFill>
                   <a:srgbClr val="FFFFFF"/>
                 </a:solidFill>
               </a:rPr>
-              <a:t>2.    Kmeans</a:t>
+              <a:t>Feature Engineering</a:t>
             </a:r>
+          </a:p>
+          <a:p>
+            <a:pPr lvl="0" algn="ctr" rtl="0">
+              <a:lnSpc>
+                <a:spcPct val="130000"/>
+              </a:lnSpc>
+              <a:spcBef>
+                <a:spcPts val="0"/>
+              </a:spcBef>
+              <a:buClr>
+                <a:schemeClr val="dk1"/>
+              </a:buClr>
+              <a:buSzPct val="61111"/>
+              <a:buFont typeface="Arial"/>
+              <a:buNone/>
+            </a:pPr>
+            <a:r>
+              <a:rPr lang="en" sz="1800">
+                <a:solidFill>
+                  <a:srgbClr val="FFFFFF"/>
+                </a:solidFill>
+              </a:rPr>
+              <a:t>Grid Search</a:t>
+            </a:r>
+          </a:p>
+          <a:p>
+            <a:pPr lvl="0">
+              <a:spcBef>
+                <a:spcPts val="0"/>
+              </a:spcBef>
+              <a:buNone/>
+            </a:pPr>
+            <a:endParaRPr sz="1800"/>
           </a:p>
         </p:txBody>
       </p:sp>
       <p:pic>
         <p:nvPicPr>
-          <p:cNvPr id="103" name="Shape 103"/>
+          <p:cNvPr id="90" name="Shape 90"/>
           <p:cNvPicPr preferRelativeResize="0"/>
           <p:nvPr/>
         </p:nvPicPr>
@@ -6963,8 +6687,8 @@
         </p:blipFill>
         <p:spPr>
           <a:xfrm>
-            <a:off x="460387" y="2237875"/>
-            <a:ext cx="3243425" cy="2316750"/>
+            <a:off x="3405137" y="78624"/>
+            <a:ext cx="3848937" cy="2749234"/>
           </a:xfrm>
           <a:prstGeom prst="rect">
             <a:avLst/>
@@ -6975,9 +6699,178 @@
           </a:ln>
         </p:spPr>
       </p:pic>
+      <p:sp>
+        <p:nvSpPr>
+          <p:cNvPr id="91" name="Shape 91"/>
+          <p:cNvSpPr txBox="1"/>
+          <p:nvPr/>
+        </p:nvSpPr>
+        <p:spPr>
+          <a:xfrm>
+            <a:off x="7400650" y="1365350"/>
+            <a:ext cx="1534500" cy="409500"/>
+          </a:xfrm>
+          <a:prstGeom prst="rect">
+            <a:avLst/>
+          </a:prstGeom>
+          <a:noFill/>
+          <a:ln>
+            <a:noFill/>
+          </a:ln>
+        </p:spPr>
+        <p:txBody>
+          <a:bodyPr lIns="91425" tIns="91425" rIns="91425" bIns="91425" anchor="t" anchorCtr="0">
+            <a:noAutofit/>
+          </a:bodyPr>
+          <a:lstStyle/>
+          <a:p>
+            <a:pPr lvl="0" rtl="0">
+              <a:spcBef>
+                <a:spcPts val="0"/>
+              </a:spcBef>
+              <a:buNone/>
+            </a:pPr>
+            <a:r>
+              <a:rPr lang="en">
+                <a:solidFill>
+                  <a:srgbClr val="CC0000"/>
+                </a:solidFill>
+                <a:latin typeface="Verdana"/>
+                <a:ea typeface="Verdana"/>
+                <a:cs typeface="Verdana"/>
+                <a:sym typeface="Verdana"/>
+              </a:rPr>
+              <a:t>roc_auc_score </a:t>
+            </a:r>
+          </a:p>
+          <a:p>
+            <a:pPr lvl="0">
+              <a:spcBef>
+                <a:spcPts val="0"/>
+              </a:spcBef>
+              <a:buNone/>
+            </a:pPr>
+            <a:r>
+              <a:rPr lang="en">
+                <a:solidFill>
+                  <a:srgbClr val="CC0000"/>
+                </a:solidFill>
+                <a:latin typeface="Verdana"/>
+                <a:ea typeface="Verdana"/>
+                <a:cs typeface="Verdana"/>
+                <a:sym typeface="Verdana"/>
+              </a:rPr>
+              <a:t> 0.81</a:t>
+            </a:r>
+          </a:p>
+        </p:txBody>
+      </p:sp>
+      <p:sp>
+        <p:nvSpPr>
+          <p:cNvPr id="92" name="Shape 92"/>
+          <p:cNvSpPr txBox="1"/>
+          <p:nvPr/>
+        </p:nvSpPr>
+        <p:spPr>
+          <a:xfrm>
+            <a:off x="34775" y="2632300"/>
+            <a:ext cx="3223800" cy="489300"/>
+          </a:xfrm>
+          <a:prstGeom prst="rect">
+            <a:avLst/>
+          </a:prstGeom>
+          <a:noFill/>
+          <a:ln>
+            <a:noFill/>
+          </a:ln>
+        </p:spPr>
+        <p:txBody>
+          <a:bodyPr lIns="91425" tIns="91425" rIns="91425" bIns="91425" anchor="t" anchorCtr="0">
+            <a:noAutofit/>
+          </a:bodyPr>
+          <a:lstStyle/>
+          <a:p>
+            <a:pPr marL="457200" lvl="0" indent="-406400" rtl="0">
+              <a:lnSpc>
+                <a:spcPct val="130000"/>
+              </a:lnSpc>
+              <a:spcBef>
+                <a:spcPts val="0"/>
+              </a:spcBef>
+              <a:spcAft>
+                <a:spcPts val="700"/>
+              </a:spcAft>
+              <a:buClr>
+                <a:srgbClr val="FFFFFF"/>
+              </a:buClr>
+              <a:buSzPct val="100000"/>
+              <a:buChar char="●"/>
+            </a:pPr>
+            <a:r>
+              <a:rPr lang="en" sz="2800">
+                <a:solidFill>
+                  <a:srgbClr val="FFFFFF"/>
+                </a:solidFill>
+              </a:rPr>
+              <a:t>Tree Interpreter</a:t>
+            </a:r>
+          </a:p>
+          <a:p>
+            <a:pPr lvl="0">
+              <a:spcBef>
+                <a:spcPts val="0"/>
+              </a:spcBef>
+              <a:buNone/>
+            </a:pPr>
+            <a:endParaRPr/>
+          </a:p>
+        </p:txBody>
+      </p:sp>
+      <p:sp>
+        <p:nvSpPr>
+          <p:cNvPr id="93" name="Shape 93"/>
+          <p:cNvSpPr txBox="1"/>
+          <p:nvPr/>
+        </p:nvSpPr>
+        <p:spPr>
+          <a:xfrm>
+            <a:off x="469425" y="3258225"/>
+            <a:ext cx="2616600" cy="409500"/>
+          </a:xfrm>
+          <a:prstGeom prst="rect">
+            <a:avLst/>
+          </a:prstGeom>
+          <a:noFill/>
+          <a:ln>
+            <a:noFill/>
+          </a:ln>
+        </p:spPr>
+        <p:txBody>
+          <a:bodyPr lIns="91425" tIns="91425" rIns="91425" bIns="91425" anchor="t" anchorCtr="0">
+            <a:noAutofit/>
+          </a:bodyPr>
+          <a:lstStyle/>
+          <a:p>
+            <a:pPr lvl="0">
+              <a:spcBef>
+                <a:spcPts val="0"/>
+              </a:spcBef>
+              <a:buNone/>
+            </a:pPr>
+            <a:r>
+              <a:rPr lang="en">
+                <a:solidFill>
+                  <a:srgbClr val="FFFFFF"/>
+                </a:solidFill>
+              </a:rPr>
+              <a:t>Feature Contribution Matrix</a:t>
+            </a:r>
+          </a:p>
+        </p:txBody>
+      </p:sp>
       <p:pic>
         <p:nvPicPr>
-          <p:cNvPr id="104" name="Shape 104"/>
+          <p:cNvPr id="94" name="Shape 94"/>
           <p:cNvPicPr preferRelativeResize="0"/>
           <p:nvPr/>
         </p:nvPicPr>
@@ -6991,8 +6884,8 @@
         </p:blipFill>
         <p:spPr>
           <a:xfrm>
-            <a:off x="4999875" y="2237875"/>
-            <a:ext cx="3382799" cy="2316749"/>
+            <a:off x="3086025" y="3318125"/>
+            <a:ext cx="5821750" cy="1476400"/>
           </a:xfrm>
           <a:prstGeom prst="rect">
             <a:avLst/>
@@ -7003,85 +6896,6 @@
           </a:ln>
         </p:spPr>
       </p:pic>
-      <p:sp>
-        <p:nvSpPr>
-          <p:cNvPr id="105" name="Shape 105"/>
-          <p:cNvSpPr txBox="1"/>
-          <p:nvPr/>
-        </p:nvSpPr>
-        <p:spPr>
-          <a:xfrm>
-            <a:off x="5203100" y="1290975"/>
-            <a:ext cx="3243300" cy="698400"/>
-          </a:xfrm>
-          <a:prstGeom prst="rect">
-            <a:avLst/>
-          </a:prstGeom>
-          <a:noFill/>
-          <a:ln>
-            <a:noFill/>
-          </a:ln>
-        </p:spPr>
-        <p:txBody>
-          <a:bodyPr lIns="91425" tIns="91425" rIns="91425" bIns="91425" anchor="t" anchorCtr="0">
-            <a:noAutofit/>
-          </a:bodyPr>
-          <a:lstStyle/>
-          <a:p>
-            <a:pPr marL="457200" lvl="0" indent="-228600" rtl="0">
-              <a:lnSpc>
-                <a:spcPct val="130000"/>
-              </a:lnSpc>
-              <a:spcBef>
-                <a:spcPts val="0"/>
-              </a:spcBef>
-              <a:buClr>
-                <a:srgbClr val="FFFFFF"/>
-              </a:buClr>
-              <a:buChar char="●"/>
-            </a:pPr>
-            <a:r>
-              <a:rPr lang="en">
-                <a:solidFill>
-                  <a:srgbClr val="FFFFFF"/>
-                </a:solidFill>
-              </a:rPr>
-              <a:t>Number of cluster 6</a:t>
-            </a:r>
-          </a:p>
-          <a:p>
-            <a:pPr marL="457200" lvl="0" indent="-228600" rtl="0">
-              <a:lnSpc>
-                <a:spcPct val="130000"/>
-              </a:lnSpc>
-              <a:spcBef>
-                <a:spcPts val="0"/>
-              </a:spcBef>
-              <a:buClr>
-                <a:srgbClr val="FFFFFF"/>
-              </a:buClr>
-              <a:buChar char="●"/>
-            </a:pPr>
-            <a:r>
-              <a:rPr lang="en">
-                <a:solidFill>
-                  <a:srgbClr val="FFFFFF"/>
-                </a:solidFill>
-              </a:rPr>
-              <a:t>Average Silhoutte score: 0.53</a:t>
-            </a:r>
-          </a:p>
-          <a:p>
-            <a:pPr lvl="0">
-              <a:spcBef>
-                <a:spcPts val="0"/>
-              </a:spcBef>
-              <a:buNone/>
-            </a:pPr>
-            <a:endParaRPr/>
-          </a:p>
-        </p:txBody>
-      </p:sp>
     </p:spTree>
   </p:cSld>
   <p:clrMapOvr>
@@ -7106,14 +6920,14 @@
     <p:bg>
       <p:bgPr>
         <a:solidFill>
-          <a:srgbClr val="C9DAF8"/>
+          <a:srgbClr val="B1B479"/>
         </a:solidFill>
         <a:effectLst/>
       </p:bgPr>
     </p:bg>
     <p:spTree>
       <p:nvGrpSpPr>
-        <p:cNvPr id="1" name="Shape 109"/>
+        <p:cNvPr id="1" name="Shape 98"/>
         <p:cNvGrpSpPr/>
         <p:nvPr/>
       </p:nvGrpSpPr>
@@ -7127,7 +6941,7 @@
       </p:grpSpPr>
       <p:sp>
         <p:nvSpPr>
-          <p:cNvPr id="110" name="Shape 110"/>
+          <p:cNvPr id="99" name="Shape 99"/>
           <p:cNvSpPr txBox="1">
             <a:spLocks noGrp="1"/>
           </p:cNvSpPr>
@@ -7137,8 +6951,8 @@
         </p:nvSpPr>
         <p:spPr>
           <a:xfrm>
-            <a:off x="2596825" y="36275"/>
-            <a:ext cx="3852600" cy="454200"/>
+            <a:off x="117150" y="148750"/>
+            <a:ext cx="8520600" cy="529200"/>
           </a:xfrm>
           <a:prstGeom prst="rect">
             <a:avLst/>
@@ -7157,42 +6971,32 @@
               <a:spcBef>
                 <a:spcPts val="0"/>
               </a:spcBef>
+              <a:spcAft>
+                <a:spcPts val="800"/>
+              </a:spcAft>
               <a:buNone/>
             </a:pPr>
             <a:r>
               <a:rPr lang="en" sz="1800" b="1">
                 <a:solidFill>
-                  <a:srgbClr val="7F6000"/>
+                  <a:srgbClr val="FFFFFF"/>
                 </a:solidFill>
               </a:rPr>
-              <a:t>Cluster vs Rest of population</a:t>
+              <a:t>Decision Paths in Feature Contribution Matrix: Kmeans Clustering</a:t>
             </a:r>
           </a:p>
-          <a:p>
-            <a:pPr lvl="0">
-              <a:spcBef>
-                <a:spcPts val="0"/>
-              </a:spcBef>
-              <a:buNone/>
-            </a:pPr>
-            <a:endParaRPr sz="1400">
-              <a:solidFill>
-                <a:srgbClr val="FFFFFF"/>
-              </a:solidFill>
-            </a:endParaRPr>
-          </a:p>
         </p:txBody>
       </p:sp>
       <p:sp>
         <p:nvSpPr>
-          <p:cNvPr id="111" name="Shape 111"/>
+          <p:cNvPr id="100" name="Shape 100"/>
           <p:cNvSpPr txBox="1"/>
           <p:nvPr/>
         </p:nvSpPr>
         <p:spPr>
           <a:xfrm>
-            <a:off x="96775" y="4423225"/>
-            <a:ext cx="3283800" cy="580500"/>
+            <a:off x="238450" y="798375"/>
+            <a:ext cx="3687300" cy="492600"/>
           </a:xfrm>
           <a:prstGeom prst="rect">
             <a:avLst/>
@@ -7208,19 +7012,122 @@
           </a:bodyPr>
           <a:lstStyle/>
           <a:p>
+            <a:pPr marL="457200" lvl="0" indent="-228600" rtl="0">
+              <a:lnSpc>
+                <a:spcPct val="130000"/>
+              </a:lnSpc>
+              <a:spcBef>
+                <a:spcPts val="0"/>
+              </a:spcBef>
+              <a:spcAft>
+                <a:spcPts val="700"/>
+              </a:spcAft>
+              <a:buClr>
+                <a:srgbClr val="FFFFFF"/>
+              </a:buClr>
+              <a:buAutoNum type="arabicPeriod"/>
+            </a:pPr>
+            <a:r>
+              <a:rPr lang="en">
+                <a:solidFill>
+                  <a:srgbClr val="FFFFFF"/>
+                </a:solidFill>
+              </a:rPr>
+              <a:t>Principle Component Analysis (PCA)</a:t>
+            </a:r>
+          </a:p>
+        </p:txBody>
+      </p:sp>
+      <p:sp>
+        <p:nvSpPr>
+          <p:cNvPr id="101" name="Shape 101"/>
+          <p:cNvSpPr txBox="1"/>
+          <p:nvPr/>
+        </p:nvSpPr>
+        <p:spPr>
+          <a:xfrm>
+            <a:off x="460375" y="1360000"/>
+            <a:ext cx="2988900" cy="451200"/>
+          </a:xfrm>
+          <a:prstGeom prst="rect">
+            <a:avLst/>
+          </a:prstGeom>
+          <a:noFill/>
+          <a:ln>
+            <a:noFill/>
+          </a:ln>
+        </p:spPr>
+        <p:txBody>
+          <a:bodyPr lIns="91425" tIns="91425" rIns="91425" bIns="91425" anchor="t" anchorCtr="0">
+            <a:noAutofit/>
+          </a:bodyPr>
+          <a:lstStyle/>
+          <a:p>
+            <a:pPr marL="457200" lvl="0" indent="-228600">
+              <a:spcBef>
+                <a:spcPts val="0"/>
+              </a:spcBef>
+              <a:buClr>
+                <a:srgbClr val="FFFFFF"/>
+              </a:buClr>
+              <a:buChar char="●"/>
+            </a:pPr>
+            <a:r>
+              <a:rPr lang="en">
+                <a:solidFill>
+                  <a:srgbClr val="FFFFFF"/>
+                </a:solidFill>
+              </a:rPr>
+              <a:t>Three principle components</a:t>
+            </a:r>
+          </a:p>
+        </p:txBody>
+      </p:sp>
+      <p:sp>
+        <p:nvSpPr>
+          <p:cNvPr id="102" name="Shape 102"/>
+          <p:cNvSpPr txBox="1"/>
+          <p:nvPr/>
+        </p:nvSpPr>
+        <p:spPr>
+          <a:xfrm>
+            <a:off x="4983225" y="819075"/>
+            <a:ext cx="3416100" cy="451200"/>
+          </a:xfrm>
+          <a:prstGeom prst="rect">
+            <a:avLst/>
+          </a:prstGeom>
+          <a:noFill/>
+          <a:ln>
+            <a:noFill/>
+          </a:ln>
+        </p:spPr>
+        <p:txBody>
+          <a:bodyPr lIns="91425" tIns="91425" rIns="91425" bIns="91425" anchor="t" anchorCtr="0">
+            <a:noAutofit/>
+          </a:bodyPr>
+          <a:lstStyle/>
+          <a:p>
             <a:pPr lvl="0">
               <a:spcBef>
                 <a:spcPts val="0"/>
               </a:spcBef>
               <a:buNone/>
             </a:pPr>
-            <a:endParaRPr/>
+            <a:r>
+              <a:rPr lang="en">
+                <a:solidFill>
+                  <a:srgbClr val="FFFFFF"/>
+                </a:solidFill>
+              </a:rPr>
+              <a:t>2.    Kmeans</a:t>
+            </a:r>
           </a:p>
         </p:txBody>
       </p:sp>
       <p:pic>
         <p:nvPicPr>
-          <p:cNvPr id="112" name="Shape 112"/>
+          <p:cNvPr id="103" name="Shape 103"/>
           <p:cNvPicPr preferRelativeResize="0"/>
           <p:nvPr/>
         </p:nvPicPr>
@@ -7234,8 +7141,8 @@
         </p:blipFill>
         <p:spPr>
           <a:xfrm>
-            <a:off x="178475" y="436025"/>
-            <a:ext cx="3785750" cy="4653024"/>
+            <a:off x="460387" y="2237875"/>
+            <a:ext cx="3243425" cy="2316750"/>
           </a:xfrm>
           <a:prstGeom prst="rect">
             <a:avLst/>
@@ -7248,7 +7155,7 @@
       </p:pic>
       <p:pic>
         <p:nvPicPr>
-          <p:cNvPr id="113" name="Shape 113"/>
+          <p:cNvPr id="104" name="Shape 104"/>
           <p:cNvPicPr preferRelativeResize="0"/>
           <p:nvPr/>
         </p:nvPicPr>
@@ -7262,8 +7169,8 @@
         </p:blipFill>
         <p:spPr>
           <a:xfrm>
-            <a:off x="4798775" y="455975"/>
-            <a:ext cx="4298049" cy="4613124"/>
+            <a:off x="4999875" y="2237875"/>
+            <a:ext cx="3382799" cy="2316749"/>
           </a:xfrm>
           <a:prstGeom prst="rect">
             <a:avLst/>
@@ -7274,6 +7181,85 @@
           </a:ln>
         </p:spPr>
       </p:pic>
+      <p:sp>
+        <p:nvSpPr>
+          <p:cNvPr id="105" name="Shape 105"/>
+          <p:cNvSpPr txBox="1"/>
+          <p:nvPr/>
+        </p:nvSpPr>
+        <p:spPr>
+          <a:xfrm>
+            <a:off x="5203100" y="1290975"/>
+            <a:ext cx="3243300" cy="698400"/>
+          </a:xfrm>
+          <a:prstGeom prst="rect">
+            <a:avLst/>
+          </a:prstGeom>
+          <a:noFill/>
+          <a:ln>
+            <a:noFill/>
+          </a:ln>
+        </p:spPr>
+        <p:txBody>
+          <a:bodyPr lIns="91425" tIns="91425" rIns="91425" bIns="91425" anchor="t" anchorCtr="0">
+            <a:noAutofit/>
+          </a:bodyPr>
+          <a:lstStyle/>
+          <a:p>
+            <a:pPr marL="457200" lvl="0" indent="-228600" rtl="0">
+              <a:lnSpc>
+                <a:spcPct val="130000"/>
+              </a:lnSpc>
+              <a:spcBef>
+                <a:spcPts val="0"/>
+              </a:spcBef>
+              <a:buClr>
+                <a:srgbClr val="FFFFFF"/>
+              </a:buClr>
+              <a:buChar char="●"/>
+            </a:pPr>
+            <a:r>
+              <a:rPr lang="en">
+                <a:solidFill>
+                  <a:srgbClr val="FFFFFF"/>
+                </a:solidFill>
+              </a:rPr>
+              <a:t>Number of cluster 6</a:t>
+            </a:r>
+          </a:p>
+          <a:p>
+            <a:pPr marL="457200" lvl="0" indent="-228600" rtl="0">
+              <a:lnSpc>
+                <a:spcPct val="130000"/>
+              </a:lnSpc>
+              <a:spcBef>
+                <a:spcPts val="0"/>
+              </a:spcBef>
+              <a:buClr>
+                <a:srgbClr val="FFFFFF"/>
+              </a:buClr>
+              <a:buChar char="●"/>
+            </a:pPr>
+            <a:r>
+              <a:rPr lang="en">
+                <a:solidFill>
+                  <a:srgbClr val="FFFFFF"/>
+                </a:solidFill>
+              </a:rPr>
+              <a:t>Average Silhoutte score: 0.53</a:t>
+            </a:r>
+          </a:p>
+          <a:p>
+            <a:pPr lvl="0">
+              <a:spcBef>
+                <a:spcPts val="0"/>
+              </a:spcBef>
+              <a:buNone/>
+            </a:pPr>
+            <a:endParaRPr/>
+          </a:p>
+        </p:txBody>
+      </p:sp>
     </p:spTree>
   </p:cSld>
   <p:clrMapOvr>
